--- a/勇敢走出去(崇拜版).pptx
+++ b/勇敢走出去(崇拜版).pptx
@@ -9,6 +9,9 @@
     <p:sldId id="257" r:id="rId3"/>
     <p:sldId id="258" r:id="rId4"/>
     <p:sldId id="259" r:id="rId5"/>
+    <p:sldId id="260" r:id="rId6"/>
+    <p:sldId id="261" r:id="rId7"/>
+    <p:sldId id="262" r:id="rId8"/>
   </p:sldIdLst>
   <p:sldSz cx="9144000" cy="6858000" type="screen4x3"/>
   <p:notesSz cx="6858000" cy="9144000"/>
@@ -291,7 +294,8 @@
           <a:p>
             <a:fld id="{AB374245-5B8A-4302-894E-2CCC6B647891}" type="datetimeFigureOut">
               <a:rPr lang="zh-TW" altLang="en-US" smtClean="0"/>
-              <a:t>2018/1/13</a:t>
+              <a:pPr/>
+              <a:t>2019/2/19</a:t>
             </a:fld>
             <a:endParaRPr lang="zh-TW" altLang="en-US"/>
           </a:p>
@@ -333,6 +337,7 @@
           <a:p>
             <a:fld id="{A0D8E793-B28D-4B6F-BA0A-276EF6B3F31E}" type="slidenum">
               <a:rPr lang="zh-TW" altLang="en-US" smtClean="0"/>
+              <a:pPr/>
               <a:t>‹#›</a:t>
             </a:fld>
             <a:endParaRPr lang="zh-TW" altLang="en-US"/>
@@ -456,7 +461,8 @@
           <a:p>
             <a:fld id="{AB374245-5B8A-4302-894E-2CCC6B647891}" type="datetimeFigureOut">
               <a:rPr lang="zh-TW" altLang="en-US" smtClean="0"/>
-              <a:t>2018/1/13</a:t>
+              <a:pPr/>
+              <a:t>2019/2/19</a:t>
             </a:fld>
             <a:endParaRPr lang="zh-TW" altLang="en-US"/>
           </a:p>
@@ -498,6 +504,7 @@
           <a:p>
             <a:fld id="{A0D8E793-B28D-4B6F-BA0A-276EF6B3F31E}" type="slidenum">
               <a:rPr lang="zh-TW" altLang="en-US" smtClean="0"/>
+              <a:pPr/>
               <a:t>‹#›</a:t>
             </a:fld>
             <a:endParaRPr lang="zh-TW" altLang="en-US"/>
@@ -631,7 +638,8 @@
           <a:p>
             <a:fld id="{AB374245-5B8A-4302-894E-2CCC6B647891}" type="datetimeFigureOut">
               <a:rPr lang="zh-TW" altLang="en-US" smtClean="0"/>
-              <a:t>2018/1/13</a:t>
+              <a:pPr/>
+              <a:t>2019/2/19</a:t>
             </a:fld>
             <a:endParaRPr lang="zh-TW" altLang="en-US"/>
           </a:p>
@@ -673,6 +681,7 @@
           <a:p>
             <a:fld id="{A0D8E793-B28D-4B6F-BA0A-276EF6B3F31E}" type="slidenum">
               <a:rPr lang="zh-TW" altLang="en-US" smtClean="0"/>
+              <a:pPr/>
               <a:t>‹#›</a:t>
             </a:fld>
             <a:endParaRPr lang="zh-TW" altLang="en-US"/>
@@ -796,7 +805,8 @@
           <a:p>
             <a:fld id="{AB374245-5B8A-4302-894E-2CCC6B647891}" type="datetimeFigureOut">
               <a:rPr lang="zh-TW" altLang="en-US" smtClean="0"/>
-              <a:t>2018/1/13</a:t>
+              <a:pPr/>
+              <a:t>2019/2/19</a:t>
             </a:fld>
             <a:endParaRPr lang="zh-TW" altLang="en-US"/>
           </a:p>
@@ -838,6 +848,7 @@
           <a:p>
             <a:fld id="{A0D8E793-B28D-4B6F-BA0A-276EF6B3F31E}" type="slidenum">
               <a:rPr lang="zh-TW" altLang="en-US" smtClean="0"/>
+              <a:pPr/>
               <a:t>‹#›</a:t>
             </a:fld>
             <a:endParaRPr lang="zh-TW" altLang="en-US"/>
@@ -1037,7 +1048,8 @@
           <a:p>
             <a:fld id="{AB374245-5B8A-4302-894E-2CCC6B647891}" type="datetimeFigureOut">
               <a:rPr lang="zh-TW" altLang="en-US" smtClean="0"/>
-              <a:t>2018/1/13</a:t>
+              <a:pPr/>
+              <a:t>2019/2/19</a:t>
             </a:fld>
             <a:endParaRPr lang="zh-TW" altLang="en-US"/>
           </a:p>
@@ -1079,6 +1091,7 @@
           <a:p>
             <a:fld id="{A0D8E793-B28D-4B6F-BA0A-276EF6B3F31E}" type="slidenum">
               <a:rPr lang="zh-TW" altLang="en-US" smtClean="0"/>
+              <a:pPr/>
               <a:t>‹#›</a:t>
             </a:fld>
             <a:endParaRPr lang="zh-TW" altLang="en-US"/>
@@ -1320,7 +1333,8 @@
           <a:p>
             <a:fld id="{AB374245-5B8A-4302-894E-2CCC6B647891}" type="datetimeFigureOut">
               <a:rPr lang="zh-TW" altLang="en-US" smtClean="0"/>
-              <a:t>2018/1/13</a:t>
+              <a:pPr/>
+              <a:t>2019/2/19</a:t>
             </a:fld>
             <a:endParaRPr lang="zh-TW" altLang="en-US"/>
           </a:p>
@@ -1362,6 +1376,7 @@
           <a:p>
             <a:fld id="{A0D8E793-B28D-4B6F-BA0A-276EF6B3F31E}" type="slidenum">
               <a:rPr lang="zh-TW" altLang="en-US" smtClean="0"/>
+              <a:pPr/>
               <a:t>‹#›</a:t>
             </a:fld>
             <a:endParaRPr lang="zh-TW" altLang="en-US"/>
@@ -1737,7 +1752,8 @@
           <a:p>
             <a:fld id="{AB374245-5B8A-4302-894E-2CCC6B647891}" type="datetimeFigureOut">
               <a:rPr lang="zh-TW" altLang="en-US" smtClean="0"/>
-              <a:t>2018/1/13</a:t>
+              <a:pPr/>
+              <a:t>2019/2/19</a:t>
             </a:fld>
             <a:endParaRPr lang="zh-TW" altLang="en-US"/>
           </a:p>
@@ -1779,6 +1795,7 @@
           <a:p>
             <a:fld id="{A0D8E793-B28D-4B6F-BA0A-276EF6B3F31E}" type="slidenum">
               <a:rPr lang="zh-TW" altLang="en-US" smtClean="0"/>
+              <a:pPr/>
               <a:t>‹#›</a:t>
             </a:fld>
             <a:endParaRPr lang="zh-TW" altLang="en-US"/>
@@ -1850,7 +1867,8 @@
           <a:p>
             <a:fld id="{AB374245-5B8A-4302-894E-2CCC6B647891}" type="datetimeFigureOut">
               <a:rPr lang="zh-TW" altLang="en-US" smtClean="0"/>
-              <a:t>2018/1/13</a:t>
+              <a:pPr/>
+              <a:t>2019/2/19</a:t>
             </a:fld>
             <a:endParaRPr lang="zh-TW" altLang="en-US"/>
           </a:p>
@@ -1892,6 +1910,7 @@
           <a:p>
             <a:fld id="{A0D8E793-B28D-4B6F-BA0A-276EF6B3F31E}" type="slidenum">
               <a:rPr lang="zh-TW" altLang="en-US" smtClean="0"/>
+              <a:pPr/>
               <a:t>‹#›</a:t>
             </a:fld>
             <a:endParaRPr lang="zh-TW" altLang="en-US"/>
@@ -1940,7 +1959,8 @@
           <a:p>
             <a:fld id="{AB374245-5B8A-4302-894E-2CCC6B647891}" type="datetimeFigureOut">
               <a:rPr lang="zh-TW" altLang="en-US" smtClean="0"/>
-              <a:t>2018/1/13</a:t>
+              <a:pPr/>
+              <a:t>2019/2/19</a:t>
             </a:fld>
             <a:endParaRPr lang="zh-TW" altLang="en-US"/>
           </a:p>
@@ -1982,6 +2002,7 @@
           <a:p>
             <a:fld id="{A0D8E793-B28D-4B6F-BA0A-276EF6B3F31E}" type="slidenum">
               <a:rPr lang="zh-TW" altLang="en-US" smtClean="0"/>
+              <a:pPr/>
               <a:t>‹#›</a:t>
             </a:fld>
             <a:endParaRPr lang="zh-TW" altLang="en-US"/>
@@ -2212,7 +2233,8 @@
           <a:p>
             <a:fld id="{AB374245-5B8A-4302-894E-2CCC6B647891}" type="datetimeFigureOut">
               <a:rPr lang="zh-TW" altLang="en-US" smtClean="0"/>
-              <a:t>2018/1/13</a:t>
+              <a:pPr/>
+              <a:t>2019/2/19</a:t>
             </a:fld>
             <a:endParaRPr lang="zh-TW" altLang="en-US"/>
           </a:p>
@@ -2254,6 +2276,7 @@
           <a:p>
             <a:fld id="{A0D8E793-B28D-4B6F-BA0A-276EF6B3F31E}" type="slidenum">
               <a:rPr lang="zh-TW" altLang="en-US" smtClean="0"/>
+              <a:pPr/>
               <a:t>‹#›</a:t>
             </a:fld>
             <a:endParaRPr lang="zh-TW" altLang="en-US"/>
@@ -2464,7 +2487,8 @@
           <a:p>
             <a:fld id="{AB374245-5B8A-4302-894E-2CCC6B647891}" type="datetimeFigureOut">
               <a:rPr lang="zh-TW" altLang="en-US" smtClean="0"/>
-              <a:t>2018/1/13</a:t>
+              <a:pPr/>
+              <a:t>2019/2/19</a:t>
             </a:fld>
             <a:endParaRPr lang="zh-TW" altLang="en-US"/>
           </a:p>
@@ -2506,6 +2530,7 @@
           <a:p>
             <a:fld id="{A0D8E793-B28D-4B6F-BA0A-276EF6B3F31E}" type="slidenum">
               <a:rPr lang="zh-TW" altLang="en-US" smtClean="0"/>
+              <a:pPr/>
               <a:t>‹#›</a:t>
             </a:fld>
             <a:endParaRPr lang="zh-TW" altLang="en-US"/>
@@ -2677,7 +2702,8 @@
           <a:p>
             <a:fld id="{AB374245-5B8A-4302-894E-2CCC6B647891}" type="datetimeFigureOut">
               <a:rPr lang="zh-TW" altLang="en-US" smtClean="0"/>
-              <a:t>2018/1/13</a:t>
+              <a:pPr/>
+              <a:t>2019/2/19</a:t>
             </a:fld>
             <a:endParaRPr lang="zh-TW" altLang="en-US"/>
           </a:p>
@@ -2755,6 +2781,7 @@
           <a:p>
             <a:fld id="{A0D8E793-B28D-4B6F-BA0A-276EF6B3F31E}" type="slidenum">
               <a:rPr lang="zh-TW" altLang="en-US" smtClean="0"/>
+              <a:pPr/>
               <a:t>‹#›</a:t>
             </a:fld>
             <a:endParaRPr lang="zh-TW" altLang="en-US"/>
@@ -3802,6 +3829,535 @@
               </a:rPr>
               <a:t>我會勇敢走出去</a:t>
             </a:r>
+          </a:p>
+        </p:txBody>
+      </p:sp>
+    </p:spTree>
+  </p:cSld>
+  <p:clrMapOvr>
+    <a:masterClrMapping/>
+  </p:clrMapOvr>
+</p:sld>
+</file>
+
+<file path=ppt/slides/slide5.xml><?xml version="1.0" encoding="utf-8"?>
+<p:sld xmlns:a="http://schemas.openxmlformats.org/drawingml/2006/main" xmlns:r="http://schemas.openxmlformats.org/officeDocument/2006/relationships" xmlns:p="http://schemas.openxmlformats.org/presentationml/2006/main">
+  <p:cSld>
+    <p:spTree>
+      <p:nvGrpSpPr>
+        <p:cNvPr id="1" name=""/>
+        <p:cNvGrpSpPr/>
+        <p:nvPr/>
+      </p:nvGrpSpPr>
+      <p:grpSpPr>
+        <a:xfrm>
+          <a:off x="0" y="0"/>
+          <a:ext cx="0" cy="0"/>
+          <a:chOff x="0" y="0"/>
+          <a:chExt cx="0" cy="0"/>
+        </a:xfrm>
+      </p:grpSpPr>
+      <p:sp>
+        <p:nvSpPr>
+          <p:cNvPr id="4" name="標題 3"/>
+          <p:cNvSpPr>
+            <a:spLocks noGrp="1"/>
+          </p:cNvSpPr>
+          <p:nvPr>
+            <p:ph type="title"/>
+          </p:nvPr>
+        </p:nvSpPr>
+        <p:spPr>
+          <a:xfrm>
+            <a:off x="0" y="274638"/>
+            <a:ext cx="9144000" cy="1143000"/>
+          </a:xfrm>
+        </p:spPr>
+        <p:txBody>
+          <a:bodyPr/>
+          <a:lstStyle/>
+          <a:p>
+            <a:r>
+              <a:rPr lang="zh-TW" altLang="en-US" b="1" dirty="0">
+                <a:solidFill>
+                  <a:srgbClr val="000066"/>
+                </a:solidFill>
+                <a:latin typeface="微軟正黑體" pitchFamily="34" charset="-120"/>
+                <a:ea typeface="微軟正黑體" pitchFamily="34" charset="-120"/>
+              </a:rPr>
+              <a:t>傾倒</a:t>
+            </a:r>
+          </a:p>
+        </p:txBody>
+      </p:sp>
+      <p:sp>
+        <p:nvSpPr>
+          <p:cNvPr id="5" name="內容版面配置區 4"/>
+          <p:cNvSpPr>
+            <a:spLocks noGrp="1"/>
+          </p:cNvSpPr>
+          <p:nvPr>
+            <p:ph idx="1"/>
+          </p:nvPr>
+        </p:nvSpPr>
+        <p:spPr>
+          <a:xfrm>
+            <a:off x="0" y="1600200"/>
+            <a:ext cx="9144000" cy="4525963"/>
+          </a:xfrm>
+        </p:spPr>
+        <p:txBody>
+          <a:bodyPr>
+            <a:noAutofit/>
+          </a:bodyPr>
+          <a:lstStyle/>
+          <a:p>
+            <a:pPr algn="ctr">
+              <a:buNone/>
+            </a:pPr>
+            <a:r>
+              <a:rPr lang="zh-TW" altLang="en-US" sz="5400" b="1" dirty="0" smtClean="0">
+                <a:solidFill>
+                  <a:srgbClr val="000066"/>
+                </a:solidFill>
+                <a:latin typeface="微軟正黑體" pitchFamily="34" charset="-120"/>
+                <a:ea typeface="微軟正黑體" pitchFamily="34" charset="-120"/>
+              </a:rPr>
+              <a:t>打破這香膏在祢腳前</a:t>
+            </a:r>
+            <a:endParaRPr lang="en-US" altLang="zh-TW" sz="5400" b="1" dirty="0" smtClean="0">
+              <a:solidFill>
+                <a:srgbClr val="000066"/>
+              </a:solidFill>
+              <a:latin typeface="微軟正黑體" pitchFamily="34" charset="-120"/>
+              <a:ea typeface="微軟正黑體" pitchFamily="34" charset="-120"/>
+            </a:endParaRPr>
+          </a:p>
+          <a:p>
+            <a:pPr algn="ctr">
+              <a:buNone/>
+            </a:pPr>
+            <a:r>
+              <a:rPr lang="zh-TW" altLang="en-US" sz="5400" b="1" dirty="0" smtClean="0">
+                <a:solidFill>
+                  <a:srgbClr val="000066"/>
+                </a:solidFill>
+                <a:latin typeface="微軟正黑體" pitchFamily="34" charset="-120"/>
+                <a:ea typeface="微軟正黑體" pitchFamily="34" charset="-120"/>
+              </a:rPr>
+              <a:t>破碎我自己與祢面對面</a:t>
+            </a:r>
+            <a:endParaRPr lang="en-US" altLang="zh-TW" sz="5400" b="1" dirty="0" smtClean="0">
+              <a:solidFill>
+                <a:srgbClr val="000066"/>
+              </a:solidFill>
+              <a:latin typeface="微軟正黑體" pitchFamily="34" charset="-120"/>
+              <a:ea typeface="微軟正黑體" pitchFamily="34" charset="-120"/>
+            </a:endParaRPr>
+          </a:p>
+          <a:p>
+            <a:pPr algn="ctr">
+              <a:buNone/>
+            </a:pPr>
+            <a:r>
+              <a:rPr lang="zh-TW" altLang="en-US" sz="5400" b="1" dirty="0" smtClean="0">
+                <a:solidFill>
+                  <a:srgbClr val="000066"/>
+                </a:solidFill>
+                <a:latin typeface="微軟正黑體" pitchFamily="34" charset="-120"/>
+                <a:ea typeface="微軟正黑體" pitchFamily="34" charset="-120"/>
+              </a:rPr>
+              <a:t>我每口呼吸</a:t>
+            </a:r>
+            <a:endParaRPr lang="en-US" altLang="zh-TW" sz="5400" b="1" dirty="0" smtClean="0">
+              <a:solidFill>
+                <a:srgbClr val="000066"/>
+              </a:solidFill>
+              <a:latin typeface="微軟正黑體" pitchFamily="34" charset="-120"/>
+              <a:ea typeface="微軟正黑體" pitchFamily="34" charset="-120"/>
+            </a:endParaRPr>
+          </a:p>
+          <a:p>
+            <a:pPr algn="ctr">
+              <a:buNone/>
+            </a:pPr>
+            <a:r>
+              <a:rPr lang="zh-TW" altLang="en-US" sz="5400" b="1" dirty="0" smtClean="0">
+                <a:solidFill>
+                  <a:srgbClr val="000066"/>
+                </a:solidFill>
+                <a:latin typeface="微軟正黑體" pitchFamily="34" charset="-120"/>
+                <a:ea typeface="微軟正黑體" pitchFamily="34" charset="-120"/>
+              </a:rPr>
+              <a:t>我心渴望體貼祢靈</a:t>
+            </a:r>
+            <a:endParaRPr lang="en-US" altLang="zh-TW" sz="5400" b="1" dirty="0" smtClean="0">
+              <a:solidFill>
+                <a:srgbClr val="000066"/>
+              </a:solidFill>
+              <a:latin typeface="微軟正黑體" pitchFamily="34" charset="-120"/>
+              <a:ea typeface="微軟正黑體" pitchFamily="34" charset="-120"/>
+            </a:endParaRPr>
+          </a:p>
+          <a:p>
+            <a:pPr algn="ctr">
+              <a:buNone/>
+            </a:pPr>
+            <a:r>
+              <a:rPr lang="zh-TW" altLang="en-US" sz="5400" b="1" dirty="0" smtClean="0">
+                <a:solidFill>
+                  <a:srgbClr val="000066"/>
+                </a:solidFill>
+                <a:latin typeface="微軟正黑體" pitchFamily="34" charset="-120"/>
+                <a:ea typeface="微軟正黑體" pitchFamily="34" charset="-120"/>
+              </a:rPr>
+              <a:t>我生命只為祢</a:t>
+            </a:r>
+            <a:endParaRPr lang="zh-TW" altLang="en-US" sz="5400" b="1" dirty="0">
+              <a:solidFill>
+                <a:srgbClr val="000066"/>
+              </a:solidFill>
+              <a:latin typeface="微軟正黑體" pitchFamily="34" charset="-120"/>
+              <a:ea typeface="微軟正黑體" pitchFamily="34" charset="-120"/>
+            </a:endParaRPr>
+          </a:p>
+        </p:txBody>
+      </p:sp>
+    </p:spTree>
+  </p:cSld>
+  <p:clrMapOvr>
+    <a:masterClrMapping/>
+  </p:clrMapOvr>
+</p:sld>
+</file>
+
+<file path=ppt/slides/slide6.xml><?xml version="1.0" encoding="utf-8"?>
+<p:sld xmlns:a="http://schemas.openxmlformats.org/drawingml/2006/main" xmlns:r="http://schemas.openxmlformats.org/officeDocument/2006/relationships" xmlns:p="http://schemas.openxmlformats.org/presentationml/2006/main">
+  <p:cSld>
+    <p:spTree>
+      <p:nvGrpSpPr>
+        <p:cNvPr id="1" name=""/>
+        <p:cNvGrpSpPr/>
+        <p:nvPr/>
+      </p:nvGrpSpPr>
+      <p:grpSpPr>
+        <a:xfrm>
+          <a:off x="0" y="0"/>
+          <a:ext cx="0" cy="0"/>
+          <a:chOff x="0" y="0"/>
+          <a:chExt cx="0" cy="0"/>
+        </a:xfrm>
+      </p:grpSpPr>
+      <p:sp>
+        <p:nvSpPr>
+          <p:cNvPr id="4" name="標題 3"/>
+          <p:cNvSpPr>
+            <a:spLocks noGrp="1"/>
+          </p:cNvSpPr>
+          <p:nvPr>
+            <p:ph type="title"/>
+          </p:nvPr>
+        </p:nvSpPr>
+        <p:spPr>
+          <a:xfrm>
+            <a:off x="0" y="274638"/>
+            <a:ext cx="9144000" cy="1143000"/>
+          </a:xfrm>
+        </p:spPr>
+        <p:txBody>
+          <a:bodyPr/>
+          <a:lstStyle/>
+          <a:p>
+            <a:r>
+              <a:rPr lang="zh-TW" altLang="en-US" b="1" dirty="0">
+                <a:solidFill>
+                  <a:srgbClr val="000066"/>
+                </a:solidFill>
+                <a:latin typeface="微軟正黑體" pitchFamily="34" charset="-120"/>
+                <a:ea typeface="微軟正黑體" pitchFamily="34" charset="-120"/>
+              </a:rPr>
+              <a:t>傾倒</a:t>
+            </a:r>
+          </a:p>
+        </p:txBody>
+      </p:sp>
+      <p:sp>
+        <p:nvSpPr>
+          <p:cNvPr id="5" name="內容版面配置區 4"/>
+          <p:cNvSpPr>
+            <a:spLocks noGrp="1"/>
+          </p:cNvSpPr>
+          <p:nvPr>
+            <p:ph idx="1"/>
+          </p:nvPr>
+        </p:nvSpPr>
+        <p:spPr>
+          <a:xfrm>
+            <a:off x="0" y="1600200"/>
+            <a:ext cx="9144000" cy="4525963"/>
+          </a:xfrm>
+        </p:spPr>
+        <p:txBody>
+          <a:bodyPr>
+            <a:noAutofit/>
+          </a:bodyPr>
+          <a:lstStyle/>
+          <a:p>
+            <a:pPr algn="ctr">
+              <a:buNone/>
+            </a:pPr>
+            <a:r>
+              <a:rPr lang="zh-TW" altLang="en-US" sz="5400" b="1" dirty="0" smtClean="0">
+                <a:solidFill>
+                  <a:srgbClr val="000066"/>
+                </a:solidFill>
+                <a:latin typeface="微軟正黑體" pitchFamily="34" charset="-120"/>
+                <a:ea typeface="微軟正黑體" pitchFamily="34" charset="-120"/>
+              </a:rPr>
+              <a:t>傾倒我所有  願祢旨意成就</a:t>
+            </a:r>
+            <a:endParaRPr lang="en-US" altLang="zh-TW" sz="5400" b="1" dirty="0" smtClean="0">
+              <a:solidFill>
+                <a:srgbClr val="000066"/>
+              </a:solidFill>
+              <a:latin typeface="微軟正黑體" pitchFamily="34" charset="-120"/>
+              <a:ea typeface="微軟正黑體" pitchFamily="34" charset="-120"/>
+            </a:endParaRPr>
+          </a:p>
+          <a:p>
+            <a:pPr algn="ctr">
+              <a:buNone/>
+            </a:pPr>
+            <a:r>
+              <a:rPr lang="zh-TW" altLang="en-US" sz="5400" b="1" dirty="0" smtClean="0">
+                <a:solidFill>
+                  <a:srgbClr val="000066"/>
+                </a:solidFill>
+                <a:latin typeface="微軟正黑體" pitchFamily="34" charset="-120"/>
+                <a:ea typeface="微軟正黑體" pitchFamily="34" charset="-120"/>
+              </a:rPr>
+              <a:t>生命每分每秒毫無保留</a:t>
+            </a:r>
+            <a:endParaRPr lang="en-US" altLang="zh-TW" sz="5400" b="1" dirty="0" smtClean="0">
+              <a:solidFill>
+                <a:srgbClr val="000066"/>
+              </a:solidFill>
+              <a:latin typeface="微軟正黑體" pitchFamily="34" charset="-120"/>
+              <a:ea typeface="微軟正黑體" pitchFamily="34" charset="-120"/>
+            </a:endParaRPr>
+          </a:p>
+          <a:p>
+            <a:pPr algn="ctr">
+              <a:buNone/>
+            </a:pPr>
+            <a:r>
+              <a:rPr lang="zh-TW" altLang="en-US" sz="5400" b="1" dirty="0" smtClean="0">
+                <a:solidFill>
+                  <a:srgbClr val="000066"/>
+                </a:solidFill>
+                <a:latin typeface="微軟正黑體" pitchFamily="34" charset="-120"/>
+                <a:ea typeface="微軟正黑體" pitchFamily="34" charset="-120"/>
+              </a:rPr>
+              <a:t>能傾倒我所有  是我今生所求</a:t>
+            </a:r>
+            <a:endParaRPr lang="en-US" altLang="zh-TW" sz="5400" b="1" dirty="0" smtClean="0">
+              <a:solidFill>
+                <a:srgbClr val="000066"/>
+              </a:solidFill>
+              <a:latin typeface="微軟正黑體" pitchFamily="34" charset="-120"/>
+              <a:ea typeface="微軟正黑體" pitchFamily="34" charset="-120"/>
+            </a:endParaRPr>
+          </a:p>
+          <a:p>
+            <a:pPr algn="ctr">
+              <a:buNone/>
+            </a:pPr>
+            <a:r>
+              <a:rPr lang="zh-TW" altLang="en-US" sz="5400" b="1" dirty="0" smtClean="0">
+                <a:solidFill>
+                  <a:srgbClr val="000066"/>
+                </a:solidFill>
+                <a:latin typeface="微軟正黑體" pitchFamily="34" charset="-120"/>
+                <a:ea typeface="微軟正黑體" pitchFamily="34" charset="-120"/>
+              </a:rPr>
+              <a:t>從今以後永不回頭</a:t>
+            </a:r>
+            <a:endParaRPr lang="zh-TW" altLang="en-US" sz="5400" b="1" dirty="0">
+              <a:solidFill>
+                <a:srgbClr val="000066"/>
+              </a:solidFill>
+              <a:latin typeface="微軟正黑體" pitchFamily="34" charset="-120"/>
+              <a:ea typeface="微軟正黑體" pitchFamily="34" charset="-120"/>
+            </a:endParaRPr>
+          </a:p>
+        </p:txBody>
+      </p:sp>
+    </p:spTree>
+  </p:cSld>
+  <p:clrMapOvr>
+    <a:masterClrMapping/>
+  </p:clrMapOvr>
+</p:sld>
+</file>
+
+<file path=ppt/slides/slide7.xml><?xml version="1.0" encoding="utf-8"?>
+<p:sld xmlns:a="http://schemas.openxmlformats.org/drawingml/2006/main" xmlns:r="http://schemas.openxmlformats.org/officeDocument/2006/relationships" xmlns:p="http://schemas.openxmlformats.org/presentationml/2006/main">
+  <p:cSld>
+    <p:spTree>
+      <p:nvGrpSpPr>
+        <p:cNvPr id="1" name=""/>
+        <p:cNvGrpSpPr/>
+        <p:nvPr/>
+      </p:nvGrpSpPr>
+      <p:grpSpPr>
+        <a:xfrm>
+          <a:off x="0" y="0"/>
+          <a:ext cx="0" cy="0"/>
+          <a:chOff x="0" y="0"/>
+          <a:chExt cx="0" cy="0"/>
+        </a:xfrm>
+      </p:grpSpPr>
+      <p:sp>
+        <p:nvSpPr>
+          <p:cNvPr id="4" name="標題 3"/>
+          <p:cNvSpPr>
+            <a:spLocks noGrp="1"/>
+          </p:cNvSpPr>
+          <p:nvPr>
+            <p:ph type="title"/>
+          </p:nvPr>
+        </p:nvSpPr>
+        <p:spPr>
+          <a:xfrm>
+            <a:off x="0" y="274638"/>
+            <a:ext cx="9144000" cy="1143000"/>
+          </a:xfrm>
+        </p:spPr>
+        <p:txBody>
+          <a:bodyPr/>
+          <a:lstStyle/>
+          <a:p>
+            <a:r>
+              <a:rPr lang="zh-TW" altLang="en-US" b="1" dirty="0">
+                <a:solidFill>
+                  <a:srgbClr val="000066"/>
+                </a:solidFill>
+                <a:latin typeface="微軟正黑體" pitchFamily="34" charset="-120"/>
+                <a:ea typeface="微軟正黑體" pitchFamily="34" charset="-120"/>
+              </a:rPr>
+              <a:t>傾倒</a:t>
+            </a:r>
+          </a:p>
+        </p:txBody>
+      </p:sp>
+      <p:sp>
+        <p:nvSpPr>
+          <p:cNvPr id="5" name="內容版面配置區 4"/>
+          <p:cNvSpPr>
+            <a:spLocks noGrp="1"/>
+          </p:cNvSpPr>
+          <p:nvPr>
+            <p:ph idx="1"/>
+          </p:nvPr>
+        </p:nvSpPr>
+        <p:spPr>
+          <a:xfrm>
+            <a:off x="0" y="1600200"/>
+            <a:ext cx="9144000" cy="4525963"/>
+          </a:xfrm>
+        </p:spPr>
+        <p:txBody>
+          <a:bodyPr>
+            <a:noAutofit/>
+          </a:bodyPr>
+          <a:lstStyle/>
+          <a:p>
+            <a:pPr algn="ctr">
+              <a:buNone/>
+            </a:pPr>
+            <a:r>
+              <a:rPr lang="zh-TW" altLang="en-US" sz="5400" b="1" dirty="0" smtClean="0">
+                <a:solidFill>
+                  <a:srgbClr val="000066"/>
+                </a:solidFill>
+                <a:latin typeface="微軟正黑體" pitchFamily="34" charset="-120"/>
+                <a:ea typeface="微軟正黑體" pitchFamily="34" charset="-120"/>
+              </a:rPr>
+              <a:t>我的過去  我的未來</a:t>
+            </a:r>
+            <a:endParaRPr lang="en-US" altLang="zh-TW" sz="5400" b="1" dirty="0" smtClean="0">
+              <a:solidFill>
+                <a:srgbClr val="000066"/>
+              </a:solidFill>
+              <a:latin typeface="微軟正黑體" pitchFamily="34" charset="-120"/>
+              <a:ea typeface="微軟正黑體" pitchFamily="34" charset="-120"/>
+            </a:endParaRPr>
+          </a:p>
+          <a:p>
+            <a:pPr algn="ctr">
+              <a:buNone/>
+            </a:pPr>
+            <a:r>
+              <a:rPr lang="zh-TW" altLang="en-US" sz="5400" b="1" dirty="0" smtClean="0">
+                <a:solidFill>
+                  <a:srgbClr val="000066"/>
+                </a:solidFill>
+                <a:latin typeface="微軟正黑體" pitchFamily="34" charset="-120"/>
+                <a:ea typeface="微軟正黑體" pitchFamily="34" charset="-120"/>
+              </a:rPr>
+              <a:t>全然傾倒在祢腳前</a:t>
+            </a:r>
+            <a:endParaRPr lang="en-US" altLang="zh-TW" sz="5400" b="1" dirty="0" smtClean="0">
+              <a:solidFill>
+                <a:srgbClr val="000066"/>
+              </a:solidFill>
+              <a:latin typeface="微軟正黑體" pitchFamily="34" charset="-120"/>
+              <a:ea typeface="微軟正黑體" pitchFamily="34" charset="-120"/>
+            </a:endParaRPr>
+          </a:p>
+          <a:p>
+            <a:pPr algn="ctr">
+              <a:buNone/>
+            </a:pPr>
+            <a:r>
+              <a:rPr lang="zh-TW" altLang="en-US" sz="5400" b="1" dirty="0" smtClean="0">
+                <a:solidFill>
+                  <a:srgbClr val="000066"/>
+                </a:solidFill>
+                <a:latin typeface="微軟正黑體" pitchFamily="34" charset="-120"/>
+                <a:ea typeface="微軟正黑體" pitchFamily="34" charset="-120"/>
+              </a:rPr>
+              <a:t>我的過去  我的未來</a:t>
+            </a:r>
+            <a:endParaRPr lang="en-US" altLang="zh-TW" sz="5400" b="1" dirty="0" smtClean="0">
+              <a:solidFill>
+                <a:srgbClr val="000066"/>
+              </a:solidFill>
+              <a:latin typeface="微軟正黑體" pitchFamily="34" charset="-120"/>
+              <a:ea typeface="微軟正黑體" pitchFamily="34" charset="-120"/>
+            </a:endParaRPr>
+          </a:p>
+          <a:p>
+            <a:pPr algn="ctr">
+              <a:buNone/>
+            </a:pPr>
+            <a:r>
+              <a:rPr lang="zh-TW" altLang="en-US" sz="5400" b="1" dirty="0" smtClean="0">
+                <a:solidFill>
+                  <a:srgbClr val="000066"/>
+                </a:solidFill>
+                <a:latin typeface="微軟正黑體" pitchFamily="34" charset="-120"/>
+                <a:ea typeface="微軟正黑體" pitchFamily="34" charset="-120"/>
+              </a:rPr>
+              <a:t>全然傾倒給祢</a:t>
+            </a:r>
+            <a:endParaRPr lang="zh-TW" altLang="en-US" sz="5400" b="1" dirty="0">
+              <a:solidFill>
+                <a:srgbClr val="000066"/>
+              </a:solidFill>
+              <a:latin typeface="微軟正黑體" pitchFamily="34" charset="-120"/>
+              <a:ea typeface="微軟正黑體" pitchFamily="34" charset="-120"/>
+            </a:endParaRPr>
           </a:p>
         </p:txBody>
       </p:sp>

--- a/勇敢走出去(崇拜版).pptx
+++ b/勇敢走出去(崇拜版).pptx
@@ -9,9 +9,6 @@
     <p:sldId id="257" r:id="rId3"/>
     <p:sldId id="258" r:id="rId4"/>
     <p:sldId id="259" r:id="rId5"/>
-    <p:sldId id="260" r:id="rId6"/>
-    <p:sldId id="261" r:id="rId7"/>
-    <p:sldId id="262" r:id="rId8"/>
   </p:sldIdLst>
   <p:sldSz cx="9144000" cy="6858000" type="screen4x3"/>
   <p:notesSz cx="6858000" cy="9144000"/>
@@ -295,7 +292,7 @@
             <a:fld id="{AB374245-5B8A-4302-894E-2CCC6B647891}" type="datetimeFigureOut">
               <a:rPr lang="zh-TW" altLang="en-US" smtClean="0"/>
               <a:pPr/>
-              <a:t>2019/2/19</a:t>
+              <a:t>2019/5/21</a:t>
             </a:fld>
             <a:endParaRPr lang="zh-TW" altLang="en-US"/>
           </a:p>
@@ -462,7 +459,7 @@
             <a:fld id="{AB374245-5B8A-4302-894E-2CCC6B647891}" type="datetimeFigureOut">
               <a:rPr lang="zh-TW" altLang="en-US" smtClean="0"/>
               <a:pPr/>
-              <a:t>2019/2/19</a:t>
+              <a:t>2019/5/21</a:t>
             </a:fld>
             <a:endParaRPr lang="zh-TW" altLang="en-US"/>
           </a:p>
@@ -639,7 +636,7 @@
             <a:fld id="{AB374245-5B8A-4302-894E-2CCC6B647891}" type="datetimeFigureOut">
               <a:rPr lang="zh-TW" altLang="en-US" smtClean="0"/>
               <a:pPr/>
-              <a:t>2019/2/19</a:t>
+              <a:t>2019/5/21</a:t>
             </a:fld>
             <a:endParaRPr lang="zh-TW" altLang="en-US"/>
           </a:p>
@@ -806,7 +803,7 @@
             <a:fld id="{AB374245-5B8A-4302-894E-2CCC6B647891}" type="datetimeFigureOut">
               <a:rPr lang="zh-TW" altLang="en-US" smtClean="0"/>
               <a:pPr/>
-              <a:t>2019/2/19</a:t>
+              <a:t>2019/5/21</a:t>
             </a:fld>
             <a:endParaRPr lang="zh-TW" altLang="en-US"/>
           </a:p>
@@ -1049,7 +1046,7 @@
             <a:fld id="{AB374245-5B8A-4302-894E-2CCC6B647891}" type="datetimeFigureOut">
               <a:rPr lang="zh-TW" altLang="en-US" smtClean="0"/>
               <a:pPr/>
-              <a:t>2019/2/19</a:t>
+              <a:t>2019/5/21</a:t>
             </a:fld>
             <a:endParaRPr lang="zh-TW" altLang="en-US"/>
           </a:p>
@@ -1334,7 +1331,7 @@
             <a:fld id="{AB374245-5B8A-4302-894E-2CCC6B647891}" type="datetimeFigureOut">
               <a:rPr lang="zh-TW" altLang="en-US" smtClean="0"/>
               <a:pPr/>
-              <a:t>2019/2/19</a:t>
+              <a:t>2019/5/21</a:t>
             </a:fld>
             <a:endParaRPr lang="zh-TW" altLang="en-US"/>
           </a:p>
@@ -1753,7 +1750,7 @@
             <a:fld id="{AB374245-5B8A-4302-894E-2CCC6B647891}" type="datetimeFigureOut">
               <a:rPr lang="zh-TW" altLang="en-US" smtClean="0"/>
               <a:pPr/>
-              <a:t>2019/2/19</a:t>
+              <a:t>2019/5/21</a:t>
             </a:fld>
             <a:endParaRPr lang="zh-TW" altLang="en-US"/>
           </a:p>
@@ -1868,7 +1865,7 @@
             <a:fld id="{AB374245-5B8A-4302-894E-2CCC6B647891}" type="datetimeFigureOut">
               <a:rPr lang="zh-TW" altLang="en-US" smtClean="0"/>
               <a:pPr/>
-              <a:t>2019/2/19</a:t>
+              <a:t>2019/5/21</a:t>
             </a:fld>
             <a:endParaRPr lang="zh-TW" altLang="en-US"/>
           </a:p>
@@ -1960,7 +1957,7 @@
             <a:fld id="{AB374245-5B8A-4302-894E-2CCC6B647891}" type="datetimeFigureOut">
               <a:rPr lang="zh-TW" altLang="en-US" smtClean="0"/>
               <a:pPr/>
-              <a:t>2019/2/19</a:t>
+              <a:t>2019/5/21</a:t>
             </a:fld>
             <a:endParaRPr lang="zh-TW" altLang="en-US"/>
           </a:p>
@@ -2234,7 +2231,7 @@
             <a:fld id="{AB374245-5B8A-4302-894E-2CCC6B647891}" type="datetimeFigureOut">
               <a:rPr lang="zh-TW" altLang="en-US" smtClean="0"/>
               <a:pPr/>
-              <a:t>2019/2/19</a:t>
+              <a:t>2019/5/21</a:t>
             </a:fld>
             <a:endParaRPr lang="zh-TW" altLang="en-US"/>
           </a:p>
@@ -2488,7 +2485,7 @@
             <a:fld id="{AB374245-5B8A-4302-894E-2CCC6B647891}" type="datetimeFigureOut">
               <a:rPr lang="zh-TW" altLang="en-US" smtClean="0"/>
               <a:pPr/>
-              <a:t>2019/2/19</a:t>
+              <a:t>2019/5/21</a:t>
             </a:fld>
             <a:endParaRPr lang="zh-TW" altLang="en-US"/>
           </a:p>
@@ -2703,7 +2700,7 @@
             <a:fld id="{AB374245-5B8A-4302-894E-2CCC6B647891}" type="datetimeFigureOut">
               <a:rPr lang="zh-TW" altLang="en-US" smtClean="0"/>
               <a:pPr/>
-              <a:t>2019/2/19</a:t>
+              <a:t>2019/5/21</a:t>
             </a:fld>
             <a:endParaRPr lang="zh-TW" altLang="en-US"/>
           </a:p>
@@ -3829,535 +3826,6 @@
               </a:rPr>
               <a:t>我會勇敢走出去</a:t>
             </a:r>
-          </a:p>
-        </p:txBody>
-      </p:sp>
-    </p:spTree>
-  </p:cSld>
-  <p:clrMapOvr>
-    <a:masterClrMapping/>
-  </p:clrMapOvr>
-</p:sld>
-</file>
-
-<file path=ppt/slides/slide5.xml><?xml version="1.0" encoding="utf-8"?>
-<p:sld xmlns:a="http://schemas.openxmlformats.org/drawingml/2006/main" xmlns:r="http://schemas.openxmlformats.org/officeDocument/2006/relationships" xmlns:p="http://schemas.openxmlformats.org/presentationml/2006/main">
-  <p:cSld>
-    <p:spTree>
-      <p:nvGrpSpPr>
-        <p:cNvPr id="1" name=""/>
-        <p:cNvGrpSpPr/>
-        <p:nvPr/>
-      </p:nvGrpSpPr>
-      <p:grpSpPr>
-        <a:xfrm>
-          <a:off x="0" y="0"/>
-          <a:ext cx="0" cy="0"/>
-          <a:chOff x="0" y="0"/>
-          <a:chExt cx="0" cy="0"/>
-        </a:xfrm>
-      </p:grpSpPr>
-      <p:sp>
-        <p:nvSpPr>
-          <p:cNvPr id="4" name="標題 3"/>
-          <p:cNvSpPr>
-            <a:spLocks noGrp="1"/>
-          </p:cNvSpPr>
-          <p:nvPr>
-            <p:ph type="title"/>
-          </p:nvPr>
-        </p:nvSpPr>
-        <p:spPr>
-          <a:xfrm>
-            <a:off x="0" y="274638"/>
-            <a:ext cx="9144000" cy="1143000"/>
-          </a:xfrm>
-        </p:spPr>
-        <p:txBody>
-          <a:bodyPr/>
-          <a:lstStyle/>
-          <a:p>
-            <a:r>
-              <a:rPr lang="zh-TW" altLang="en-US" b="1" dirty="0">
-                <a:solidFill>
-                  <a:srgbClr val="000066"/>
-                </a:solidFill>
-                <a:latin typeface="微軟正黑體" pitchFamily="34" charset="-120"/>
-                <a:ea typeface="微軟正黑體" pitchFamily="34" charset="-120"/>
-              </a:rPr>
-              <a:t>傾倒</a:t>
-            </a:r>
-          </a:p>
-        </p:txBody>
-      </p:sp>
-      <p:sp>
-        <p:nvSpPr>
-          <p:cNvPr id="5" name="內容版面配置區 4"/>
-          <p:cNvSpPr>
-            <a:spLocks noGrp="1"/>
-          </p:cNvSpPr>
-          <p:nvPr>
-            <p:ph idx="1"/>
-          </p:nvPr>
-        </p:nvSpPr>
-        <p:spPr>
-          <a:xfrm>
-            <a:off x="0" y="1600200"/>
-            <a:ext cx="9144000" cy="4525963"/>
-          </a:xfrm>
-        </p:spPr>
-        <p:txBody>
-          <a:bodyPr>
-            <a:noAutofit/>
-          </a:bodyPr>
-          <a:lstStyle/>
-          <a:p>
-            <a:pPr algn="ctr">
-              <a:buNone/>
-            </a:pPr>
-            <a:r>
-              <a:rPr lang="zh-TW" altLang="en-US" sz="5400" b="1" dirty="0" smtClean="0">
-                <a:solidFill>
-                  <a:srgbClr val="000066"/>
-                </a:solidFill>
-                <a:latin typeface="微軟正黑體" pitchFamily="34" charset="-120"/>
-                <a:ea typeface="微軟正黑體" pitchFamily="34" charset="-120"/>
-              </a:rPr>
-              <a:t>打破這香膏在祢腳前</a:t>
-            </a:r>
-            <a:endParaRPr lang="en-US" altLang="zh-TW" sz="5400" b="1" dirty="0" smtClean="0">
-              <a:solidFill>
-                <a:srgbClr val="000066"/>
-              </a:solidFill>
-              <a:latin typeface="微軟正黑體" pitchFamily="34" charset="-120"/>
-              <a:ea typeface="微軟正黑體" pitchFamily="34" charset="-120"/>
-            </a:endParaRPr>
-          </a:p>
-          <a:p>
-            <a:pPr algn="ctr">
-              <a:buNone/>
-            </a:pPr>
-            <a:r>
-              <a:rPr lang="zh-TW" altLang="en-US" sz="5400" b="1" dirty="0" smtClean="0">
-                <a:solidFill>
-                  <a:srgbClr val="000066"/>
-                </a:solidFill>
-                <a:latin typeface="微軟正黑體" pitchFamily="34" charset="-120"/>
-                <a:ea typeface="微軟正黑體" pitchFamily="34" charset="-120"/>
-              </a:rPr>
-              <a:t>破碎我自己與祢面對面</a:t>
-            </a:r>
-            <a:endParaRPr lang="en-US" altLang="zh-TW" sz="5400" b="1" dirty="0" smtClean="0">
-              <a:solidFill>
-                <a:srgbClr val="000066"/>
-              </a:solidFill>
-              <a:latin typeface="微軟正黑體" pitchFamily="34" charset="-120"/>
-              <a:ea typeface="微軟正黑體" pitchFamily="34" charset="-120"/>
-            </a:endParaRPr>
-          </a:p>
-          <a:p>
-            <a:pPr algn="ctr">
-              <a:buNone/>
-            </a:pPr>
-            <a:r>
-              <a:rPr lang="zh-TW" altLang="en-US" sz="5400" b="1" dirty="0" smtClean="0">
-                <a:solidFill>
-                  <a:srgbClr val="000066"/>
-                </a:solidFill>
-                <a:latin typeface="微軟正黑體" pitchFamily="34" charset="-120"/>
-                <a:ea typeface="微軟正黑體" pitchFamily="34" charset="-120"/>
-              </a:rPr>
-              <a:t>我每口呼吸</a:t>
-            </a:r>
-            <a:endParaRPr lang="en-US" altLang="zh-TW" sz="5400" b="1" dirty="0" smtClean="0">
-              <a:solidFill>
-                <a:srgbClr val="000066"/>
-              </a:solidFill>
-              <a:latin typeface="微軟正黑體" pitchFamily="34" charset="-120"/>
-              <a:ea typeface="微軟正黑體" pitchFamily="34" charset="-120"/>
-            </a:endParaRPr>
-          </a:p>
-          <a:p>
-            <a:pPr algn="ctr">
-              <a:buNone/>
-            </a:pPr>
-            <a:r>
-              <a:rPr lang="zh-TW" altLang="en-US" sz="5400" b="1" dirty="0" smtClean="0">
-                <a:solidFill>
-                  <a:srgbClr val="000066"/>
-                </a:solidFill>
-                <a:latin typeface="微軟正黑體" pitchFamily="34" charset="-120"/>
-                <a:ea typeface="微軟正黑體" pitchFamily="34" charset="-120"/>
-              </a:rPr>
-              <a:t>我心渴望體貼祢靈</a:t>
-            </a:r>
-            <a:endParaRPr lang="en-US" altLang="zh-TW" sz="5400" b="1" dirty="0" smtClean="0">
-              <a:solidFill>
-                <a:srgbClr val="000066"/>
-              </a:solidFill>
-              <a:latin typeface="微軟正黑體" pitchFamily="34" charset="-120"/>
-              <a:ea typeface="微軟正黑體" pitchFamily="34" charset="-120"/>
-            </a:endParaRPr>
-          </a:p>
-          <a:p>
-            <a:pPr algn="ctr">
-              <a:buNone/>
-            </a:pPr>
-            <a:r>
-              <a:rPr lang="zh-TW" altLang="en-US" sz="5400" b="1" dirty="0" smtClean="0">
-                <a:solidFill>
-                  <a:srgbClr val="000066"/>
-                </a:solidFill>
-                <a:latin typeface="微軟正黑體" pitchFamily="34" charset="-120"/>
-                <a:ea typeface="微軟正黑體" pitchFamily="34" charset="-120"/>
-              </a:rPr>
-              <a:t>我生命只為祢</a:t>
-            </a:r>
-            <a:endParaRPr lang="zh-TW" altLang="en-US" sz="5400" b="1" dirty="0">
-              <a:solidFill>
-                <a:srgbClr val="000066"/>
-              </a:solidFill>
-              <a:latin typeface="微軟正黑體" pitchFamily="34" charset="-120"/>
-              <a:ea typeface="微軟正黑體" pitchFamily="34" charset="-120"/>
-            </a:endParaRPr>
-          </a:p>
-        </p:txBody>
-      </p:sp>
-    </p:spTree>
-  </p:cSld>
-  <p:clrMapOvr>
-    <a:masterClrMapping/>
-  </p:clrMapOvr>
-</p:sld>
-</file>
-
-<file path=ppt/slides/slide6.xml><?xml version="1.0" encoding="utf-8"?>
-<p:sld xmlns:a="http://schemas.openxmlformats.org/drawingml/2006/main" xmlns:r="http://schemas.openxmlformats.org/officeDocument/2006/relationships" xmlns:p="http://schemas.openxmlformats.org/presentationml/2006/main">
-  <p:cSld>
-    <p:spTree>
-      <p:nvGrpSpPr>
-        <p:cNvPr id="1" name=""/>
-        <p:cNvGrpSpPr/>
-        <p:nvPr/>
-      </p:nvGrpSpPr>
-      <p:grpSpPr>
-        <a:xfrm>
-          <a:off x="0" y="0"/>
-          <a:ext cx="0" cy="0"/>
-          <a:chOff x="0" y="0"/>
-          <a:chExt cx="0" cy="0"/>
-        </a:xfrm>
-      </p:grpSpPr>
-      <p:sp>
-        <p:nvSpPr>
-          <p:cNvPr id="4" name="標題 3"/>
-          <p:cNvSpPr>
-            <a:spLocks noGrp="1"/>
-          </p:cNvSpPr>
-          <p:nvPr>
-            <p:ph type="title"/>
-          </p:nvPr>
-        </p:nvSpPr>
-        <p:spPr>
-          <a:xfrm>
-            <a:off x="0" y="274638"/>
-            <a:ext cx="9144000" cy="1143000"/>
-          </a:xfrm>
-        </p:spPr>
-        <p:txBody>
-          <a:bodyPr/>
-          <a:lstStyle/>
-          <a:p>
-            <a:r>
-              <a:rPr lang="zh-TW" altLang="en-US" b="1" dirty="0">
-                <a:solidFill>
-                  <a:srgbClr val="000066"/>
-                </a:solidFill>
-                <a:latin typeface="微軟正黑體" pitchFamily="34" charset="-120"/>
-                <a:ea typeface="微軟正黑體" pitchFamily="34" charset="-120"/>
-              </a:rPr>
-              <a:t>傾倒</a:t>
-            </a:r>
-          </a:p>
-        </p:txBody>
-      </p:sp>
-      <p:sp>
-        <p:nvSpPr>
-          <p:cNvPr id="5" name="內容版面配置區 4"/>
-          <p:cNvSpPr>
-            <a:spLocks noGrp="1"/>
-          </p:cNvSpPr>
-          <p:nvPr>
-            <p:ph idx="1"/>
-          </p:nvPr>
-        </p:nvSpPr>
-        <p:spPr>
-          <a:xfrm>
-            <a:off x="0" y="1600200"/>
-            <a:ext cx="9144000" cy="4525963"/>
-          </a:xfrm>
-        </p:spPr>
-        <p:txBody>
-          <a:bodyPr>
-            <a:noAutofit/>
-          </a:bodyPr>
-          <a:lstStyle/>
-          <a:p>
-            <a:pPr algn="ctr">
-              <a:buNone/>
-            </a:pPr>
-            <a:r>
-              <a:rPr lang="zh-TW" altLang="en-US" sz="5400" b="1" dirty="0" smtClean="0">
-                <a:solidFill>
-                  <a:srgbClr val="000066"/>
-                </a:solidFill>
-                <a:latin typeface="微軟正黑體" pitchFamily="34" charset="-120"/>
-                <a:ea typeface="微軟正黑體" pitchFamily="34" charset="-120"/>
-              </a:rPr>
-              <a:t>傾倒我所有  願祢旨意成就</a:t>
-            </a:r>
-            <a:endParaRPr lang="en-US" altLang="zh-TW" sz="5400" b="1" dirty="0" smtClean="0">
-              <a:solidFill>
-                <a:srgbClr val="000066"/>
-              </a:solidFill>
-              <a:latin typeface="微軟正黑體" pitchFamily="34" charset="-120"/>
-              <a:ea typeface="微軟正黑體" pitchFamily="34" charset="-120"/>
-            </a:endParaRPr>
-          </a:p>
-          <a:p>
-            <a:pPr algn="ctr">
-              <a:buNone/>
-            </a:pPr>
-            <a:r>
-              <a:rPr lang="zh-TW" altLang="en-US" sz="5400" b="1" dirty="0" smtClean="0">
-                <a:solidFill>
-                  <a:srgbClr val="000066"/>
-                </a:solidFill>
-                <a:latin typeface="微軟正黑體" pitchFamily="34" charset="-120"/>
-                <a:ea typeface="微軟正黑體" pitchFamily="34" charset="-120"/>
-              </a:rPr>
-              <a:t>生命每分每秒毫無保留</a:t>
-            </a:r>
-            <a:endParaRPr lang="en-US" altLang="zh-TW" sz="5400" b="1" dirty="0" smtClean="0">
-              <a:solidFill>
-                <a:srgbClr val="000066"/>
-              </a:solidFill>
-              <a:latin typeface="微軟正黑體" pitchFamily="34" charset="-120"/>
-              <a:ea typeface="微軟正黑體" pitchFamily="34" charset="-120"/>
-            </a:endParaRPr>
-          </a:p>
-          <a:p>
-            <a:pPr algn="ctr">
-              <a:buNone/>
-            </a:pPr>
-            <a:r>
-              <a:rPr lang="zh-TW" altLang="en-US" sz="5400" b="1" dirty="0" smtClean="0">
-                <a:solidFill>
-                  <a:srgbClr val="000066"/>
-                </a:solidFill>
-                <a:latin typeface="微軟正黑體" pitchFamily="34" charset="-120"/>
-                <a:ea typeface="微軟正黑體" pitchFamily="34" charset="-120"/>
-              </a:rPr>
-              <a:t>能傾倒我所有  是我今生所求</a:t>
-            </a:r>
-            <a:endParaRPr lang="en-US" altLang="zh-TW" sz="5400" b="1" dirty="0" smtClean="0">
-              <a:solidFill>
-                <a:srgbClr val="000066"/>
-              </a:solidFill>
-              <a:latin typeface="微軟正黑體" pitchFamily="34" charset="-120"/>
-              <a:ea typeface="微軟正黑體" pitchFamily="34" charset="-120"/>
-            </a:endParaRPr>
-          </a:p>
-          <a:p>
-            <a:pPr algn="ctr">
-              <a:buNone/>
-            </a:pPr>
-            <a:r>
-              <a:rPr lang="zh-TW" altLang="en-US" sz="5400" b="1" dirty="0" smtClean="0">
-                <a:solidFill>
-                  <a:srgbClr val="000066"/>
-                </a:solidFill>
-                <a:latin typeface="微軟正黑體" pitchFamily="34" charset="-120"/>
-                <a:ea typeface="微軟正黑體" pitchFamily="34" charset="-120"/>
-              </a:rPr>
-              <a:t>從今以後永不回頭</a:t>
-            </a:r>
-            <a:endParaRPr lang="zh-TW" altLang="en-US" sz="5400" b="1" dirty="0">
-              <a:solidFill>
-                <a:srgbClr val="000066"/>
-              </a:solidFill>
-              <a:latin typeface="微軟正黑體" pitchFamily="34" charset="-120"/>
-              <a:ea typeface="微軟正黑體" pitchFamily="34" charset="-120"/>
-            </a:endParaRPr>
-          </a:p>
-        </p:txBody>
-      </p:sp>
-    </p:spTree>
-  </p:cSld>
-  <p:clrMapOvr>
-    <a:masterClrMapping/>
-  </p:clrMapOvr>
-</p:sld>
-</file>
-
-<file path=ppt/slides/slide7.xml><?xml version="1.0" encoding="utf-8"?>
-<p:sld xmlns:a="http://schemas.openxmlformats.org/drawingml/2006/main" xmlns:r="http://schemas.openxmlformats.org/officeDocument/2006/relationships" xmlns:p="http://schemas.openxmlformats.org/presentationml/2006/main">
-  <p:cSld>
-    <p:spTree>
-      <p:nvGrpSpPr>
-        <p:cNvPr id="1" name=""/>
-        <p:cNvGrpSpPr/>
-        <p:nvPr/>
-      </p:nvGrpSpPr>
-      <p:grpSpPr>
-        <a:xfrm>
-          <a:off x="0" y="0"/>
-          <a:ext cx="0" cy="0"/>
-          <a:chOff x="0" y="0"/>
-          <a:chExt cx="0" cy="0"/>
-        </a:xfrm>
-      </p:grpSpPr>
-      <p:sp>
-        <p:nvSpPr>
-          <p:cNvPr id="4" name="標題 3"/>
-          <p:cNvSpPr>
-            <a:spLocks noGrp="1"/>
-          </p:cNvSpPr>
-          <p:nvPr>
-            <p:ph type="title"/>
-          </p:nvPr>
-        </p:nvSpPr>
-        <p:spPr>
-          <a:xfrm>
-            <a:off x="0" y="274638"/>
-            <a:ext cx="9144000" cy="1143000"/>
-          </a:xfrm>
-        </p:spPr>
-        <p:txBody>
-          <a:bodyPr/>
-          <a:lstStyle/>
-          <a:p>
-            <a:r>
-              <a:rPr lang="zh-TW" altLang="en-US" b="1" dirty="0">
-                <a:solidFill>
-                  <a:srgbClr val="000066"/>
-                </a:solidFill>
-                <a:latin typeface="微軟正黑體" pitchFamily="34" charset="-120"/>
-                <a:ea typeface="微軟正黑體" pitchFamily="34" charset="-120"/>
-              </a:rPr>
-              <a:t>傾倒</a:t>
-            </a:r>
-          </a:p>
-        </p:txBody>
-      </p:sp>
-      <p:sp>
-        <p:nvSpPr>
-          <p:cNvPr id="5" name="內容版面配置區 4"/>
-          <p:cNvSpPr>
-            <a:spLocks noGrp="1"/>
-          </p:cNvSpPr>
-          <p:nvPr>
-            <p:ph idx="1"/>
-          </p:nvPr>
-        </p:nvSpPr>
-        <p:spPr>
-          <a:xfrm>
-            <a:off x="0" y="1600200"/>
-            <a:ext cx="9144000" cy="4525963"/>
-          </a:xfrm>
-        </p:spPr>
-        <p:txBody>
-          <a:bodyPr>
-            <a:noAutofit/>
-          </a:bodyPr>
-          <a:lstStyle/>
-          <a:p>
-            <a:pPr algn="ctr">
-              <a:buNone/>
-            </a:pPr>
-            <a:r>
-              <a:rPr lang="zh-TW" altLang="en-US" sz="5400" b="1" dirty="0" smtClean="0">
-                <a:solidFill>
-                  <a:srgbClr val="000066"/>
-                </a:solidFill>
-                <a:latin typeface="微軟正黑體" pitchFamily="34" charset="-120"/>
-                <a:ea typeface="微軟正黑體" pitchFamily="34" charset="-120"/>
-              </a:rPr>
-              <a:t>我的過去  我的未來</a:t>
-            </a:r>
-            <a:endParaRPr lang="en-US" altLang="zh-TW" sz="5400" b="1" dirty="0" smtClean="0">
-              <a:solidFill>
-                <a:srgbClr val="000066"/>
-              </a:solidFill>
-              <a:latin typeface="微軟正黑體" pitchFamily="34" charset="-120"/>
-              <a:ea typeface="微軟正黑體" pitchFamily="34" charset="-120"/>
-            </a:endParaRPr>
-          </a:p>
-          <a:p>
-            <a:pPr algn="ctr">
-              <a:buNone/>
-            </a:pPr>
-            <a:r>
-              <a:rPr lang="zh-TW" altLang="en-US" sz="5400" b="1" dirty="0" smtClean="0">
-                <a:solidFill>
-                  <a:srgbClr val="000066"/>
-                </a:solidFill>
-                <a:latin typeface="微軟正黑體" pitchFamily="34" charset="-120"/>
-                <a:ea typeface="微軟正黑體" pitchFamily="34" charset="-120"/>
-              </a:rPr>
-              <a:t>全然傾倒在祢腳前</a:t>
-            </a:r>
-            <a:endParaRPr lang="en-US" altLang="zh-TW" sz="5400" b="1" dirty="0" smtClean="0">
-              <a:solidFill>
-                <a:srgbClr val="000066"/>
-              </a:solidFill>
-              <a:latin typeface="微軟正黑體" pitchFamily="34" charset="-120"/>
-              <a:ea typeface="微軟正黑體" pitchFamily="34" charset="-120"/>
-            </a:endParaRPr>
-          </a:p>
-          <a:p>
-            <a:pPr algn="ctr">
-              <a:buNone/>
-            </a:pPr>
-            <a:r>
-              <a:rPr lang="zh-TW" altLang="en-US" sz="5400" b="1" dirty="0" smtClean="0">
-                <a:solidFill>
-                  <a:srgbClr val="000066"/>
-                </a:solidFill>
-                <a:latin typeface="微軟正黑體" pitchFamily="34" charset="-120"/>
-                <a:ea typeface="微軟正黑體" pitchFamily="34" charset="-120"/>
-              </a:rPr>
-              <a:t>我的過去  我的未來</a:t>
-            </a:r>
-            <a:endParaRPr lang="en-US" altLang="zh-TW" sz="5400" b="1" dirty="0" smtClean="0">
-              <a:solidFill>
-                <a:srgbClr val="000066"/>
-              </a:solidFill>
-              <a:latin typeface="微軟正黑體" pitchFamily="34" charset="-120"/>
-              <a:ea typeface="微軟正黑體" pitchFamily="34" charset="-120"/>
-            </a:endParaRPr>
-          </a:p>
-          <a:p>
-            <a:pPr algn="ctr">
-              <a:buNone/>
-            </a:pPr>
-            <a:r>
-              <a:rPr lang="zh-TW" altLang="en-US" sz="5400" b="1" dirty="0" smtClean="0">
-                <a:solidFill>
-                  <a:srgbClr val="000066"/>
-                </a:solidFill>
-                <a:latin typeface="微軟正黑體" pitchFamily="34" charset="-120"/>
-                <a:ea typeface="微軟正黑體" pitchFamily="34" charset="-120"/>
-              </a:rPr>
-              <a:t>全然傾倒給祢</a:t>
-            </a:r>
-            <a:endParaRPr lang="zh-TW" altLang="en-US" sz="5400" b="1" dirty="0">
-              <a:solidFill>
-                <a:srgbClr val="000066"/>
-              </a:solidFill>
-              <a:latin typeface="微軟正黑體" pitchFamily="34" charset="-120"/>
-              <a:ea typeface="微軟正黑體" pitchFamily="34" charset="-120"/>
-            </a:endParaRPr>
           </a:p>
         </p:txBody>
       </p:sp>

--- a/勇敢走出去(崇拜版).pptx
+++ b/勇敢走出去(崇拜版).pptx
@@ -9,6 +9,9 @@
     <p:sldId id="257" r:id="rId3"/>
     <p:sldId id="258" r:id="rId4"/>
     <p:sldId id="259" r:id="rId5"/>
+    <p:sldId id="260" r:id="rId6"/>
+    <p:sldId id="261" r:id="rId7"/>
+    <p:sldId id="262" r:id="rId8"/>
   </p:sldIdLst>
   <p:sldSz cx="9144000" cy="6858000" type="screen4x3"/>
   <p:notesSz cx="6858000" cy="9144000"/>
@@ -292,7 +295,7 @@
             <a:fld id="{AB374245-5B8A-4302-894E-2CCC6B647891}" type="datetimeFigureOut">
               <a:rPr lang="zh-TW" altLang="en-US" smtClean="0"/>
               <a:pPr/>
-              <a:t>2019/5/21</a:t>
+              <a:t>2019/2/19</a:t>
             </a:fld>
             <a:endParaRPr lang="zh-TW" altLang="en-US"/>
           </a:p>
@@ -459,7 +462,7 @@
             <a:fld id="{AB374245-5B8A-4302-894E-2CCC6B647891}" type="datetimeFigureOut">
               <a:rPr lang="zh-TW" altLang="en-US" smtClean="0"/>
               <a:pPr/>
-              <a:t>2019/5/21</a:t>
+              <a:t>2019/2/19</a:t>
             </a:fld>
             <a:endParaRPr lang="zh-TW" altLang="en-US"/>
           </a:p>
@@ -636,7 +639,7 @@
             <a:fld id="{AB374245-5B8A-4302-894E-2CCC6B647891}" type="datetimeFigureOut">
               <a:rPr lang="zh-TW" altLang="en-US" smtClean="0"/>
               <a:pPr/>
-              <a:t>2019/5/21</a:t>
+              <a:t>2019/2/19</a:t>
             </a:fld>
             <a:endParaRPr lang="zh-TW" altLang="en-US"/>
           </a:p>
@@ -803,7 +806,7 @@
             <a:fld id="{AB374245-5B8A-4302-894E-2CCC6B647891}" type="datetimeFigureOut">
               <a:rPr lang="zh-TW" altLang="en-US" smtClean="0"/>
               <a:pPr/>
-              <a:t>2019/5/21</a:t>
+              <a:t>2019/2/19</a:t>
             </a:fld>
             <a:endParaRPr lang="zh-TW" altLang="en-US"/>
           </a:p>
@@ -1046,7 +1049,7 @@
             <a:fld id="{AB374245-5B8A-4302-894E-2CCC6B647891}" type="datetimeFigureOut">
               <a:rPr lang="zh-TW" altLang="en-US" smtClean="0"/>
               <a:pPr/>
-              <a:t>2019/5/21</a:t>
+              <a:t>2019/2/19</a:t>
             </a:fld>
             <a:endParaRPr lang="zh-TW" altLang="en-US"/>
           </a:p>
@@ -1331,7 +1334,7 @@
             <a:fld id="{AB374245-5B8A-4302-894E-2CCC6B647891}" type="datetimeFigureOut">
               <a:rPr lang="zh-TW" altLang="en-US" smtClean="0"/>
               <a:pPr/>
-              <a:t>2019/5/21</a:t>
+              <a:t>2019/2/19</a:t>
             </a:fld>
             <a:endParaRPr lang="zh-TW" altLang="en-US"/>
           </a:p>
@@ -1750,7 +1753,7 @@
             <a:fld id="{AB374245-5B8A-4302-894E-2CCC6B647891}" type="datetimeFigureOut">
               <a:rPr lang="zh-TW" altLang="en-US" smtClean="0"/>
               <a:pPr/>
-              <a:t>2019/5/21</a:t>
+              <a:t>2019/2/19</a:t>
             </a:fld>
             <a:endParaRPr lang="zh-TW" altLang="en-US"/>
           </a:p>
@@ -1865,7 +1868,7 @@
             <a:fld id="{AB374245-5B8A-4302-894E-2CCC6B647891}" type="datetimeFigureOut">
               <a:rPr lang="zh-TW" altLang="en-US" smtClean="0"/>
               <a:pPr/>
-              <a:t>2019/5/21</a:t>
+              <a:t>2019/2/19</a:t>
             </a:fld>
             <a:endParaRPr lang="zh-TW" altLang="en-US"/>
           </a:p>
@@ -1957,7 +1960,7 @@
             <a:fld id="{AB374245-5B8A-4302-894E-2CCC6B647891}" type="datetimeFigureOut">
               <a:rPr lang="zh-TW" altLang="en-US" smtClean="0"/>
               <a:pPr/>
-              <a:t>2019/5/21</a:t>
+              <a:t>2019/2/19</a:t>
             </a:fld>
             <a:endParaRPr lang="zh-TW" altLang="en-US"/>
           </a:p>
@@ -2231,7 +2234,7 @@
             <a:fld id="{AB374245-5B8A-4302-894E-2CCC6B647891}" type="datetimeFigureOut">
               <a:rPr lang="zh-TW" altLang="en-US" smtClean="0"/>
               <a:pPr/>
-              <a:t>2019/5/21</a:t>
+              <a:t>2019/2/19</a:t>
             </a:fld>
             <a:endParaRPr lang="zh-TW" altLang="en-US"/>
           </a:p>
@@ -2485,7 +2488,7 @@
             <a:fld id="{AB374245-5B8A-4302-894E-2CCC6B647891}" type="datetimeFigureOut">
               <a:rPr lang="zh-TW" altLang="en-US" smtClean="0"/>
               <a:pPr/>
-              <a:t>2019/5/21</a:t>
+              <a:t>2019/2/19</a:t>
             </a:fld>
             <a:endParaRPr lang="zh-TW" altLang="en-US"/>
           </a:p>
@@ -2700,7 +2703,7 @@
             <a:fld id="{AB374245-5B8A-4302-894E-2CCC6B647891}" type="datetimeFigureOut">
               <a:rPr lang="zh-TW" altLang="en-US" smtClean="0"/>
               <a:pPr/>
-              <a:t>2019/5/21</a:t>
+              <a:t>2019/2/19</a:t>
             </a:fld>
             <a:endParaRPr lang="zh-TW" altLang="en-US"/>
           </a:p>
@@ -3826,6 +3829,535 @@
               </a:rPr>
               <a:t>我會勇敢走出去</a:t>
             </a:r>
+          </a:p>
+        </p:txBody>
+      </p:sp>
+    </p:spTree>
+  </p:cSld>
+  <p:clrMapOvr>
+    <a:masterClrMapping/>
+  </p:clrMapOvr>
+</p:sld>
+</file>
+
+<file path=ppt/slides/slide5.xml><?xml version="1.0" encoding="utf-8"?>
+<p:sld xmlns:a="http://schemas.openxmlformats.org/drawingml/2006/main" xmlns:r="http://schemas.openxmlformats.org/officeDocument/2006/relationships" xmlns:p="http://schemas.openxmlformats.org/presentationml/2006/main">
+  <p:cSld>
+    <p:spTree>
+      <p:nvGrpSpPr>
+        <p:cNvPr id="1" name=""/>
+        <p:cNvGrpSpPr/>
+        <p:nvPr/>
+      </p:nvGrpSpPr>
+      <p:grpSpPr>
+        <a:xfrm>
+          <a:off x="0" y="0"/>
+          <a:ext cx="0" cy="0"/>
+          <a:chOff x="0" y="0"/>
+          <a:chExt cx="0" cy="0"/>
+        </a:xfrm>
+      </p:grpSpPr>
+      <p:sp>
+        <p:nvSpPr>
+          <p:cNvPr id="4" name="標題 3"/>
+          <p:cNvSpPr>
+            <a:spLocks noGrp="1"/>
+          </p:cNvSpPr>
+          <p:nvPr>
+            <p:ph type="title"/>
+          </p:nvPr>
+        </p:nvSpPr>
+        <p:spPr>
+          <a:xfrm>
+            <a:off x="0" y="274638"/>
+            <a:ext cx="9144000" cy="1143000"/>
+          </a:xfrm>
+        </p:spPr>
+        <p:txBody>
+          <a:bodyPr/>
+          <a:lstStyle/>
+          <a:p>
+            <a:r>
+              <a:rPr lang="zh-TW" altLang="en-US" b="1" dirty="0">
+                <a:solidFill>
+                  <a:srgbClr val="000066"/>
+                </a:solidFill>
+                <a:latin typeface="微軟正黑體" pitchFamily="34" charset="-120"/>
+                <a:ea typeface="微軟正黑體" pitchFamily="34" charset="-120"/>
+              </a:rPr>
+              <a:t>傾倒</a:t>
+            </a:r>
+          </a:p>
+        </p:txBody>
+      </p:sp>
+      <p:sp>
+        <p:nvSpPr>
+          <p:cNvPr id="5" name="內容版面配置區 4"/>
+          <p:cNvSpPr>
+            <a:spLocks noGrp="1"/>
+          </p:cNvSpPr>
+          <p:nvPr>
+            <p:ph idx="1"/>
+          </p:nvPr>
+        </p:nvSpPr>
+        <p:spPr>
+          <a:xfrm>
+            <a:off x="0" y="1600200"/>
+            <a:ext cx="9144000" cy="4525963"/>
+          </a:xfrm>
+        </p:spPr>
+        <p:txBody>
+          <a:bodyPr>
+            <a:noAutofit/>
+          </a:bodyPr>
+          <a:lstStyle/>
+          <a:p>
+            <a:pPr algn="ctr">
+              <a:buNone/>
+            </a:pPr>
+            <a:r>
+              <a:rPr lang="zh-TW" altLang="en-US" sz="5400" b="1" dirty="0" smtClean="0">
+                <a:solidFill>
+                  <a:srgbClr val="000066"/>
+                </a:solidFill>
+                <a:latin typeface="微軟正黑體" pitchFamily="34" charset="-120"/>
+                <a:ea typeface="微軟正黑體" pitchFamily="34" charset="-120"/>
+              </a:rPr>
+              <a:t>打破這香膏在祢腳前</a:t>
+            </a:r>
+            <a:endParaRPr lang="en-US" altLang="zh-TW" sz="5400" b="1" dirty="0" smtClean="0">
+              <a:solidFill>
+                <a:srgbClr val="000066"/>
+              </a:solidFill>
+              <a:latin typeface="微軟正黑體" pitchFamily="34" charset="-120"/>
+              <a:ea typeface="微軟正黑體" pitchFamily="34" charset="-120"/>
+            </a:endParaRPr>
+          </a:p>
+          <a:p>
+            <a:pPr algn="ctr">
+              <a:buNone/>
+            </a:pPr>
+            <a:r>
+              <a:rPr lang="zh-TW" altLang="en-US" sz="5400" b="1" dirty="0" smtClean="0">
+                <a:solidFill>
+                  <a:srgbClr val="000066"/>
+                </a:solidFill>
+                <a:latin typeface="微軟正黑體" pitchFamily="34" charset="-120"/>
+                <a:ea typeface="微軟正黑體" pitchFamily="34" charset="-120"/>
+              </a:rPr>
+              <a:t>破碎我自己與祢面對面</a:t>
+            </a:r>
+            <a:endParaRPr lang="en-US" altLang="zh-TW" sz="5400" b="1" dirty="0" smtClean="0">
+              <a:solidFill>
+                <a:srgbClr val="000066"/>
+              </a:solidFill>
+              <a:latin typeface="微軟正黑體" pitchFamily="34" charset="-120"/>
+              <a:ea typeface="微軟正黑體" pitchFamily="34" charset="-120"/>
+            </a:endParaRPr>
+          </a:p>
+          <a:p>
+            <a:pPr algn="ctr">
+              <a:buNone/>
+            </a:pPr>
+            <a:r>
+              <a:rPr lang="zh-TW" altLang="en-US" sz="5400" b="1" dirty="0" smtClean="0">
+                <a:solidFill>
+                  <a:srgbClr val="000066"/>
+                </a:solidFill>
+                <a:latin typeface="微軟正黑體" pitchFamily="34" charset="-120"/>
+                <a:ea typeface="微軟正黑體" pitchFamily="34" charset="-120"/>
+              </a:rPr>
+              <a:t>我每口呼吸</a:t>
+            </a:r>
+            <a:endParaRPr lang="en-US" altLang="zh-TW" sz="5400" b="1" dirty="0" smtClean="0">
+              <a:solidFill>
+                <a:srgbClr val="000066"/>
+              </a:solidFill>
+              <a:latin typeface="微軟正黑體" pitchFamily="34" charset="-120"/>
+              <a:ea typeface="微軟正黑體" pitchFamily="34" charset="-120"/>
+            </a:endParaRPr>
+          </a:p>
+          <a:p>
+            <a:pPr algn="ctr">
+              <a:buNone/>
+            </a:pPr>
+            <a:r>
+              <a:rPr lang="zh-TW" altLang="en-US" sz="5400" b="1" dirty="0" smtClean="0">
+                <a:solidFill>
+                  <a:srgbClr val="000066"/>
+                </a:solidFill>
+                <a:latin typeface="微軟正黑體" pitchFamily="34" charset="-120"/>
+                <a:ea typeface="微軟正黑體" pitchFamily="34" charset="-120"/>
+              </a:rPr>
+              <a:t>我心渴望體貼祢靈</a:t>
+            </a:r>
+            <a:endParaRPr lang="en-US" altLang="zh-TW" sz="5400" b="1" dirty="0" smtClean="0">
+              <a:solidFill>
+                <a:srgbClr val="000066"/>
+              </a:solidFill>
+              <a:latin typeface="微軟正黑體" pitchFamily="34" charset="-120"/>
+              <a:ea typeface="微軟正黑體" pitchFamily="34" charset="-120"/>
+            </a:endParaRPr>
+          </a:p>
+          <a:p>
+            <a:pPr algn="ctr">
+              <a:buNone/>
+            </a:pPr>
+            <a:r>
+              <a:rPr lang="zh-TW" altLang="en-US" sz="5400" b="1" dirty="0" smtClean="0">
+                <a:solidFill>
+                  <a:srgbClr val="000066"/>
+                </a:solidFill>
+                <a:latin typeface="微軟正黑體" pitchFamily="34" charset="-120"/>
+                <a:ea typeface="微軟正黑體" pitchFamily="34" charset="-120"/>
+              </a:rPr>
+              <a:t>我生命只為祢</a:t>
+            </a:r>
+            <a:endParaRPr lang="zh-TW" altLang="en-US" sz="5400" b="1" dirty="0">
+              <a:solidFill>
+                <a:srgbClr val="000066"/>
+              </a:solidFill>
+              <a:latin typeface="微軟正黑體" pitchFamily="34" charset="-120"/>
+              <a:ea typeface="微軟正黑體" pitchFamily="34" charset="-120"/>
+            </a:endParaRPr>
+          </a:p>
+        </p:txBody>
+      </p:sp>
+    </p:spTree>
+  </p:cSld>
+  <p:clrMapOvr>
+    <a:masterClrMapping/>
+  </p:clrMapOvr>
+</p:sld>
+</file>
+
+<file path=ppt/slides/slide6.xml><?xml version="1.0" encoding="utf-8"?>
+<p:sld xmlns:a="http://schemas.openxmlformats.org/drawingml/2006/main" xmlns:r="http://schemas.openxmlformats.org/officeDocument/2006/relationships" xmlns:p="http://schemas.openxmlformats.org/presentationml/2006/main">
+  <p:cSld>
+    <p:spTree>
+      <p:nvGrpSpPr>
+        <p:cNvPr id="1" name=""/>
+        <p:cNvGrpSpPr/>
+        <p:nvPr/>
+      </p:nvGrpSpPr>
+      <p:grpSpPr>
+        <a:xfrm>
+          <a:off x="0" y="0"/>
+          <a:ext cx="0" cy="0"/>
+          <a:chOff x="0" y="0"/>
+          <a:chExt cx="0" cy="0"/>
+        </a:xfrm>
+      </p:grpSpPr>
+      <p:sp>
+        <p:nvSpPr>
+          <p:cNvPr id="4" name="標題 3"/>
+          <p:cNvSpPr>
+            <a:spLocks noGrp="1"/>
+          </p:cNvSpPr>
+          <p:nvPr>
+            <p:ph type="title"/>
+          </p:nvPr>
+        </p:nvSpPr>
+        <p:spPr>
+          <a:xfrm>
+            <a:off x="0" y="274638"/>
+            <a:ext cx="9144000" cy="1143000"/>
+          </a:xfrm>
+        </p:spPr>
+        <p:txBody>
+          <a:bodyPr/>
+          <a:lstStyle/>
+          <a:p>
+            <a:r>
+              <a:rPr lang="zh-TW" altLang="en-US" b="1" dirty="0">
+                <a:solidFill>
+                  <a:srgbClr val="000066"/>
+                </a:solidFill>
+                <a:latin typeface="微軟正黑體" pitchFamily="34" charset="-120"/>
+                <a:ea typeface="微軟正黑體" pitchFamily="34" charset="-120"/>
+              </a:rPr>
+              <a:t>傾倒</a:t>
+            </a:r>
+          </a:p>
+        </p:txBody>
+      </p:sp>
+      <p:sp>
+        <p:nvSpPr>
+          <p:cNvPr id="5" name="內容版面配置區 4"/>
+          <p:cNvSpPr>
+            <a:spLocks noGrp="1"/>
+          </p:cNvSpPr>
+          <p:nvPr>
+            <p:ph idx="1"/>
+          </p:nvPr>
+        </p:nvSpPr>
+        <p:spPr>
+          <a:xfrm>
+            <a:off x="0" y="1600200"/>
+            <a:ext cx="9144000" cy="4525963"/>
+          </a:xfrm>
+        </p:spPr>
+        <p:txBody>
+          <a:bodyPr>
+            <a:noAutofit/>
+          </a:bodyPr>
+          <a:lstStyle/>
+          <a:p>
+            <a:pPr algn="ctr">
+              <a:buNone/>
+            </a:pPr>
+            <a:r>
+              <a:rPr lang="zh-TW" altLang="en-US" sz="5400" b="1" dirty="0" smtClean="0">
+                <a:solidFill>
+                  <a:srgbClr val="000066"/>
+                </a:solidFill>
+                <a:latin typeface="微軟正黑體" pitchFamily="34" charset="-120"/>
+                <a:ea typeface="微軟正黑體" pitchFamily="34" charset="-120"/>
+              </a:rPr>
+              <a:t>傾倒我所有  願祢旨意成就</a:t>
+            </a:r>
+            <a:endParaRPr lang="en-US" altLang="zh-TW" sz="5400" b="1" dirty="0" smtClean="0">
+              <a:solidFill>
+                <a:srgbClr val="000066"/>
+              </a:solidFill>
+              <a:latin typeface="微軟正黑體" pitchFamily="34" charset="-120"/>
+              <a:ea typeface="微軟正黑體" pitchFamily="34" charset="-120"/>
+            </a:endParaRPr>
+          </a:p>
+          <a:p>
+            <a:pPr algn="ctr">
+              <a:buNone/>
+            </a:pPr>
+            <a:r>
+              <a:rPr lang="zh-TW" altLang="en-US" sz="5400" b="1" dirty="0" smtClean="0">
+                <a:solidFill>
+                  <a:srgbClr val="000066"/>
+                </a:solidFill>
+                <a:latin typeface="微軟正黑體" pitchFamily="34" charset="-120"/>
+                <a:ea typeface="微軟正黑體" pitchFamily="34" charset="-120"/>
+              </a:rPr>
+              <a:t>生命每分每秒毫無保留</a:t>
+            </a:r>
+            <a:endParaRPr lang="en-US" altLang="zh-TW" sz="5400" b="1" dirty="0" smtClean="0">
+              <a:solidFill>
+                <a:srgbClr val="000066"/>
+              </a:solidFill>
+              <a:latin typeface="微軟正黑體" pitchFamily="34" charset="-120"/>
+              <a:ea typeface="微軟正黑體" pitchFamily="34" charset="-120"/>
+            </a:endParaRPr>
+          </a:p>
+          <a:p>
+            <a:pPr algn="ctr">
+              <a:buNone/>
+            </a:pPr>
+            <a:r>
+              <a:rPr lang="zh-TW" altLang="en-US" sz="5400" b="1" dirty="0" smtClean="0">
+                <a:solidFill>
+                  <a:srgbClr val="000066"/>
+                </a:solidFill>
+                <a:latin typeface="微軟正黑體" pitchFamily="34" charset="-120"/>
+                <a:ea typeface="微軟正黑體" pitchFamily="34" charset="-120"/>
+              </a:rPr>
+              <a:t>能傾倒我所有  是我今生所求</a:t>
+            </a:r>
+            <a:endParaRPr lang="en-US" altLang="zh-TW" sz="5400" b="1" dirty="0" smtClean="0">
+              <a:solidFill>
+                <a:srgbClr val="000066"/>
+              </a:solidFill>
+              <a:latin typeface="微軟正黑體" pitchFamily="34" charset="-120"/>
+              <a:ea typeface="微軟正黑體" pitchFamily="34" charset="-120"/>
+            </a:endParaRPr>
+          </a:p>
+          <a:p>
+            <a:pPr algn="ctr">
+              <a:buNone/>
+            </a:pPr>
+            <a:r>
+              <a:rPr lang="zh-TW" altLang="en-US" sz="5400" b="1" dirty="0" smtClean="0">
+                <a:solidFill>
+                  <a:srgbClr val="000066"/>
+                </a:solidFill>
+                <a:latin typeface="微軟正黑體" pitchFamily="34" charset="-120"/>
+                <a:ea typeface="微軟正黑體" pitchFamily="34" charset="-120"/>
+              </a:rPr>
+              <a:t>從今以後永不回頭</a:t>
+            </a:r>
+            <a:endParaRPr lang="zh-TW" altLang="en-US" sz="5400" b="1" dirty="0">
+              <a:solidFill>
+                <a:srgbClr val="000066"/>
+              </a:solidFill>
+              <a:latin typeface="微軟正黑體" pitchFamily="34" charset="-120"/>
+              <a:ea typeface="微軟正黑體" pitchFamily="34" charset="-120"/>
+            </a:endParaRPr>
+          </a:p>
+        </p:txBody>
+      </p:sp>
+    </p:spTree>
+  </p:cSld>
+  <p:clrMapOvr>
+    <a:masterClrMapping/>
+  </p:clrMapOvr>
+</p:sld>
+</file>
+
+<file path=ppt/slides/slide7.xml><?xml version="1.0" encoding="utf-8"?>
+<p:sld xmlns:a="http://schemas.openxmlformats.org/drawingml/2006/main" xmlns:r="http://schemas.openxmlformats.org/officeDocument/2006/relationships" xmlns:p="http://schemas.openxmlformats.org/presentationml/2006/main">
+  <p:cSld>
+    <p:spTree>
+      <p:nvGrpSpPr>
+        <p:cNvPr id="1" name=""/>
+        <p:cNvGrpSpPr/>
+        <p:nvPr/>
+      </p:nvGrpSpPr>
+      <p:grpSpPr>
+        <a:xfrm>
+          <a:off x="0" y="0"/>
+          <a:ext cx="0" cy="0"/>
+          <a:chOff x="0" y="0"/>
+          <a:chExt cx="0" cy="0"/>
+        </a:xfrm>
+      </p:grpSpPr>
+      <p:sp>
+        <p:nvSpPr>
+          <p:cNvPr id="4" name="標題 3"/>
+          <p:cNvSpPr>
+            <a:spLocks noGrp="1"/>
+          </p:cNvSpPr>
+          <p:nvPr>
+            <p:ph type="title"/>
+          </p:nvPr>
+        </p:nvSpPr>
+        <p:spPr>
+          <a:xfrm>
+            <a:off x="0" y="274638"/>
+            <a:ext cx="9144000" cy="1143000"/>
+          </a:xfrm>
+        </p:spPr>
+        <p:txBody>
+          <a:bodyPr/>
+          <a:lstStyle/>
+          <a:p>
+            <a:r>
+              <a:rPr lang="zh-TW" altLang="en-US" b="1" dirty="0">
+                <a:solidFill>
+                  <a:srgbClr val="000066"/>
+                </a:solidFill>
+                <a:latin typeface="微軟正黑體" pitchFamily="34" charset="-120"/>
+                <a:ea typeface="微軟正黑體" pitchFamily="34" charset="-120"/>
+              </a:rPr>
+              <a:t>傾倒</a:t>
+            </a:r>
+          </a:p>
+        </p:txBody>
+      </p:sp>
+      <p:sp>
+        <p:nvSpPr>
+          <p:cNvPr id="5" name="內容版面配置區 4"/>
+          <p:cNvSpPr>
+            <a:spLocks noGrp="1"/>
+          </p:cNvSpPr>
+          <p:nvPr>
+            <p:ph idx="1"/>
+          </p:nvPr>
+        </p:nvSpPr>
+        <p:spPr>
+          <a:xfrm>
+            <a:off x="0" y="1600200"/>
+            <a:ext cx="9144000" cy="4525963"/>
+          </a:xfrm>
+        </p:spPr>
+        <p:txBody>
+          <a:bodyPr>
+            <a:noAutofit/>
+          </a:bodyPr>
+          <a:lstStyle/>
+          <a:p>
+            <a:pPr algn="ctr">
+              <a:buNone/>
+            </a:pPr>
+            <a:r>
+              <a:rPr lang="zh-TW" altLang="en-US" sz="5400" b="1" dirty="0" smtClean="0">
+                <a:solidFill>
+                  <a:srgbClr val="000066"/>
+                </a:solidFill>
+                <a:latin typeface="微軟正黑體" pitchFamily="34" charset="-120"/>
+                <a:ea typeface="微軟正黑體" pitchFamily="34" charset="-120"/>
+              </a:rPr>
+              <a:t>我的過去  我的未來</a:t>
+            </a:r>
+            <a:endParaRPr lang="en-US" altLang="zh-TW" sz="5400" b="1" dirty="0" smtClean="0">
+              <a:solidFill>
+                <a:srgbClr val="000066"/>
+              </a:solidFill>
+              <a:latin typeface="微軟正黑體" pitchFamily="34" charset="-120"/>
+              <a:ea typeface="微軟正黑體" pitchFamily="34" charset="-120"/>
+            </a:endParaRPr>
+          </a:p>
+          <a:p>
+            <a:pPr algn="ctr">
+              <a:buNone/>
+            </a:pPr>
+            <a:r>
+              <a:rPr lang="zh-TW" altLang="en-US" sz="5400" b="1" dirty="0" smtClean="0">
+                <a:solidFill>
+                  <a:srgbClr val="000066"/>
+                </a:solidFill>
+                <a:latin typeface="微軟正黑體" pitchFamily="34" charset="-120"/>
+                <a:ea typeface="微軟正黑體" pitchFamily="34" charset="-120"/>
+              </a:rPr>
+              <a:t>全然傾倒在祢腳前</a:t>
+            </a:r>
+            <a:endParaRPr lang="en-US" altLang="zh-TW" sz="5400" b="1" dirty="0" smtClean="0">
+              <a:solidFill>
+                <a:srgbClr val="000066"/>
+              </a:solidFill>
+              <a:latin typeface="微軟正黑體" pitchFamily="34" charset="-120"/>
+              <a:ea typeface="微軟正黑體" pitchFamily="34" charset="-120"/>
+            </a:endParaRPr>
+          </a:p>
+          <a:p>
+            <a:pPr algn="ctr">
+              <a:buNone/>
+            </a:pPr>
+            <a:r>
+              <a:rPr lang="zh-TW" altLang="en-US" sz="5400" b="1" dirty="0" smtClean="0">
+                <a:solidFill>
+                  <a:srgbClr val="000066"/>
+                </a:solidFill>
+                <a:latin typeface="微軟正黑體" pitchFamily="34" charset="-120"/>
+                <a:ea typeface="微軟正黑體" pitchFamily="34" charset="-120"/>
+              </a:rPr>
+              <a:t>我的過去  我的未來</a:t>
+            </a:r>
+            <a:endParaRPr lang="en-US" altLang="zh-TW" sz="5400" b="1" dirty="0" smtClean="0">
+              <a:solidFill>
+                <a:srgbClr val="000066"/>
+              </a:solidFill>
+              <a:latin typeface="微軟正黑體" pitchFamily="34" charset="-120"/>
+              <a:ea typeface="微軟正黑體" pitchFamily="34" charset="-120"/>
+            </a:endParaRPr>
+          </a:p>
+          <a:p>
+            <a:pPr algn="ctr">
+              <a:buNone/>
+            </a:pPr>
+            <a:r>
+              <a:rPr lang="zh-TW" altLang="en-US" sz="5400" b="1" dirty="0" smtClean="0">
+                <a:solidFill>
+                  <a:srgbClr val="000066"/>
+                </a:solidFill>
+                <a:latin typeface="微軟正黑體" pitchFamily="34" charset="-120"/>
+                <a:ea typeface="微軟正黑體" pitchFamily="34" charset="-120"/>
+              </a:rPr>
+              <a:t>全然傾倒給祢</a:t>
+            </a:r>
+            <a:endParaRPr lang="zh-TW" altLang="en-US" sz="5400" b="1" dirty="0">
+              <a:solidFill>
+                <a:srgbClr val="000066"/>
+              </a:solidFill>
+              <a:latin typeface="微軟正黑體" pitchFamily="34" charset="-120"/>
+              <a:ea typeface="微軟正黑體" pitchFamily="34" charset="-120"/>
+            </a:endParaRPr>
           </a:p>
         </p:txBody>
       </p:sp>

--- a/勇敢走出去(崇拜版).pptx
+++ b/勇敢走出去(崇拜版).pptx
@@ -9,11 +9,8 @@
     <p:sldId id="257" r:id="rId3"/>
     <p:sldId id="258" r:id="rId4"/>
     <p:sldId id="259" r:id="rId5"/>
-    <p:sldId id="260" r:id="rId6"/>
-    <p:sldId id="261" r:id="rId7"/>
-    <p:sldId id="262" r:id="rId8"/>
   </p:sldIdLst>
-  <p:sldSz cx="9144000" cy="6858000" type="screen4x3"/>
+  <p:sldSz cx="12192000" cy="6858000"/>
   <p:notesSz cx="6858000" cy="9144000"/>
   <p:defaultTextStyle>
     <a:defPPr>
@@ -110,6 +107,22 @@
       </a:defRPr>
     </a:lvl9pPr>
   </p:defaultTextStyle>
+  <p:extLst>
+    <p:ext uri="{EFAFB233-063F-42B5-8137-9DF3F51BA10A}">
+      <p15:sldGuideLst xmlns:p15="http://schemas.microsoft.com/office/powerpoint/2012/main">
+        <p15:guide id="1" orient="horz" pos="2160" userDrawn="1">
+          <p15:clr>
+            <a:srgbClr val="A4A3A4"/>
+          </p15:clr>
+        </p15:guide>
+        <p15:guide id="2" pos="3840" userDrawn="1">
+          <p15:clr>
+            <a:srgbClr val="A4A3A4"/>
+          </p15:clr>
+        </p15:guide>
+      </p15:sldGuideLst>
+    </p:ext>
+  </p:extLst>
 </p:presentation>
 </file>
 
@@ -142,8 +155,8 @@
         </p:nvSpPr>
         <p:spPr>
           <a:xfrm>
-            <a:off x="685800" y="2130425"/>
-            <a:ext cx="7772400" cy="1470025"/>
+            <a:off x="914400" y="2130426"/>
+            <a:ext cx="10363200" cy="1470025"/>
           </a:xfrm>
         </p:spPr>
         <p:txBody>
@@ -170,8 +183,8 @@
         </p:nvSpPr>
         <p:spPr>
           <a:xfrm>
-            <a:off x="1371600" y="3886200"/>
-            <a:ext cx="6400800" cy="1752600"/>
+            <a:off x="1828800" y="3886200"/>
+            <a:ext cx="8534400" cy="1752600"/>
           </a:xfrm>
         </p:spPr>
         <p:txBody>
@@ -295,7 +308,7 @@
             <a:fld id="{AB374245-5B8A-4302-894E-2CCC6B647891}" type="datetimeFigureOut">
               <a:rPr lang="zh-TW" altLang="en-US" smtClean="0"/>
               <a:pPr/>
-              <a:t>2019/2/19</a:t>
+              <a:t>2020/5/23</a:t>
             </a:fld>
             <a:endParaRPr lang="zh-TW" altLang="en-US"/>
           </a:p>
@@ -462,7 +475,7 @@
             <a:fld id="{AB374245-5B8A-4302-894E-2CCC6B647891}" type="datetimeFigureOut">
               <a:rPr lang="zh-TW" altLang="en-US" smtClean="0"/>
               <a:pPr/>
-              <a:t>2019/2/19</a:t>
+              <a:t>2020/5/23</a:t>
             </a:fld>
             <a:endParaRPr lang="zh-TW" altLang="en-US"/>
           </a:p>
@@ -548,8 +561,8 @@
         </p:nvSpPr>
         <p:spPr>
           <a:xfrm>
-            <a:off x="6629400" y="274638"/>
-            <a:ext cx="2057400" cy="5851525"/>
+            <a:off x="8839200" y="274639"/>
+            <a:ext cx="2743200" cy="5851525"/>
           </a:xfrm>
         </p:spPr>
         <p:txBody>
@@ -576,8 +589,8 @@
         </p:nvSpPr>
         <p:spPr>
           <a:xfrm>
-            <a:off x="457200" y="274638"/>
-            <a:ext cx="6019800" cy="5851525"/>
+            <a:off x="609600" y="274639"/>
+            <a:ext cx="8026400" cy="5851525"/>
           </a:xfrm>
         </p:spPr>
         <p:txBody>
@@ -639,7 +652,7 @@
             <a:fld id="{AB374245-5B8A-4302-894E-2CCC6B647891}" type="datetimeFigureOut">
               <a:rPr lang="zh-TW" altLang="en-US" smtClean="0"/>
               <a:pPr/>
-              <a:t>2019/2/19</a:t>
+              <a:t>2020/5/23</a:t>
             </a:fld>
             <a:endParaRPr lang="zh-TW" altLang="en-US"/>
           </a:p>
@@ -806,7 +819,7 @@
             <a:fld id="{AB374245-5B8A-4302-894E-2CCC6B647891}" type="datetimeFigureOut">
               <a:rPr lang="zh-TW" altLang="en-US" smtClean="0"/>
               <a:pPr/>
-              <a:t>2019/2/19</a:t>
+              <a:t>2020/5/23</a:t>
             </a:fld>
             <a:endParaRPr lang="zh-TW" altLang="en-US"/>
           </a:p>
@@ -892,8 +905,8 @@
         </p:nvSpPr>
         <p:spPr>
           <a:xfrm>
-            <a:off x="722313" y="4406900"/>
-            <a:ext cx="7772400" cy="1362075"/>
+            <a:off x="963084" y="4406901"/>
+            <a:ext cx="10363200" cy="1362075"/>
           </a:xfrm>
         </p:spPr>
         <p:txBody>
@@ -924,8 +937,8 @@
         </p:nvSpPr>
         <p:spPr>
           <a:xfrm>
-            <a:off x="722313" y="2906713"/>
-            <a:ext cx="7772400" cy="1500187"/>
+            <a:off x="963084" y="2906713"/>
+            <a:ext cx="10363200" cy="1500187"/>
           </a:xfrm>
         </p:spPr>
         <p:txBody>
@@ -1049,7 +1062,7 @@
             <a:fld id="{AB374245-5B8A-4302-894E-2CCC6B647891}" type="datetimeFigureOut">
               <a:rPr lang="zh-TW" altLang="en-US" smtClean="0"/>
               <a:pPr/>
-              <a:t>2019/2/19</a:t>
+              <a:t>2020/5/23</a:t>
             </a:fld>
             <a:endParaRPr lang="zh-TW" altLang="en-US"/>
           </a:p>
@@ -1158,8 +1171,8 @@
         </p:nvSpPr>
         <p:spPr>
           <a:xfrm>
-            <a:off x="457200" y="1600200"/>
-            <a:ext cx="4038600" cy="4525963"/>
+            <a:off x="609600" y="1600201"/>
+            <a:ext cx="5384800" cy="4525963"/>
           </a:xfrm>
         </p:spPr>
         <p:txBody>
@@ -1243,8 +1256,8 @@
         </p:nvSpPr>
         <p:spPr>
           <a:xfrm>
-            <a:off x="4648200" y="1600200"/>
-            <a:ext cx="4038600" cy="4525963"/>
+            <a:off x="6197600" y="1600201"/>
+            <a:ext cx="5384800" cy="4525963"/>
           </a:xfrm>
         </p:spPr>
         <p:txBody>
@@ -1334,7 +1347,7 @@
             <a:fld id="{AB374245-5B8A-4302-894E-2CCC6B647891}" type="datetimeFigureOut">
               <a:rPr lang="zh-TW" altLang="en-US" smtClean="0"/>
               <a:pPr/>
-              <a:t>2019/2/19</a:t>
+              <a:t>2020/5/23</a:t>
             </a:fld>
             <a:endParaRPr lang="zh-TW" altLang="en-US"/>
           </a:p>
@@ -1447,8 +1460,8 @@
         </p:nvSpPr>
         <p:spPr>
           <a:xfrm>
-            <a:off x="457200" y="1535113"/>
-            <a:ext cx="4040188" cy="639762"/>
+            <a:off x="609600" y="1535113"/>
+            <a:ext cx="5386917" cy="639762"/>
           </a:xfrm>
         </p:spPr>
         <p:txBody>
@@ -1512,8 +1525,8 @@
         </p:nvSpPr>
         <p:spPr>
           <a:xfrm>
-            <a:off x="457200" y="2174875"/>
-            <a:ext cx="4040188" cy="3951288"/>
+            <a:off x="609600" y="2174875"/>
+            <a:ext cx="5386917" cy="3951288"/>
           </a:xfrm>
         </p:spPr>
         <p:txBody>
@@ -1597,8 +1610,8 @@
         </p:nvSpPr>
         <p:spPr>
           <a:xfrm>
-            <a:off x="4645025" y="1535113"/>
-            <a:ext cx="4041775" cy="639762"/>
+            <a:off x="6193368" y="1535113"/>
+            <a:ext cx="5389033" cy="639762"/>
           </a:xfrm>
         </p:spPr>
         <p:txBody>
@@ -1662,8 +1675,8 @@
         </p:nvSpPr>
         <p:spPr>
           <a:xfrm>
-            <a:off x="4645025" y="2174875"/>
-            <a:ext cx="4041775" cy="3951288"/>
+            <a:off x="6193368" y="2174875"/>
+            <a:ext cx="5389033" cy="3951288"/>
           </a:xfrm>
         </p:spPr>
         <p:txBody>
@@ -1753,7 +1766,7 @@
             <a:fld id="{AB374245-5B8A-4302-894E-2CCC6B647891}" type="datetimeFigureOut">
               <a:rPr lang="zh-TW" altLang="en-US" smtClean="0"/>
               <a:pPr/>
-              <a:t>2019/2/19</a:t>
+              <a:t>2020/5/23</a:t>
             </a:fld>
             <a:endParaRPr lang="zh-TW" altLang="en-US"/>
           </a:p>
@@ -1868,7 +1881,7 @@
             <a:fld id="{AB374245-5B8A-4302-894E-2CCC6B647891}" type="datetimeFigureOut">
               <a:rPr lang="zh-TW" altLang="en-US" smtClean="0"/>
               <a:pPr/>
-              <a:t>2019/2/19</a:t>
+              <a:t>2020/5/23</a:t>
             </a:fld>
             <a:endParaRPr lang="zh-TW" altLang="en-US"/>
           </a:p>
@@ -1960,7 +1973,7 @@
             <a:fld id="{AB374245-5B8A-4302-894E-2CCC6B647891}" type="datetimeFigureOut">
               <a:rPr lang="zh-TW" altLang="en-US" smtClean="0"/>
               <a:pPr/>
-              <a:t>2019/2/19</a:t>
+              <a:t>2020/5/23</a:t>
             </a:fld>
             <a:endParaRPr lang="zh-TW" altLang="en-US"/>
           </a:p>
@@ -2046,8 +2059,8 @@
         </p:nvSpPr>
         <p:spPr>
           <a:xfrm>
-            <a:off x="457200" y="273050"/>
-            <a:ext cx="3008313" cy="1162050"/>
+            <a:off x="609601" y="273050"/>
+            <a:ext cx="4011084" cy="1162050"/>
           </a:xfrm>
         </p:spPr>
         <p:txBody>
@@ -2078,8 +2091,8 @@
         </p:nvSpPr>
         <p:spPr>
           <a:xfrm>
-            <a:off x="3575050" y="273050"/>
-            <a:ext cx="5111750" cy="5853113"/>
+            <a:off x="4766733" y="273051"/>
+            <a:ext cx="6815667" cy="5853113"/>
           </a:xfrm>
         </p:spPr>
         <p:txBody>
@@ -2163,8 +2176,8 @@
         </p:nvSpPr>
         <p:spPr>
           <a:xfrm>
-            <a:off x="457200" y="1435100"/>
-            <a:ext cx="3008313" cy="4691063"/>
+            <a:off x="609601" y="1435101"/>
+            <a:ext cx="4011084" cy="4691063"/>
           </a:xfrm>
         </p:spPr>
         <p:txBody>
@@ -2234,7 +2247,7 @@
             <a:fld id="{AB374245-5B8A-4302-894E-2CCC6B647891}" type="datetimeFigureOut">
               <a:rPr lang="zh-TW" altLang="en-US" smtClean="0"/>
               <a:pPr/>
-              <a:t>2019/2/19</a:t>
+              <a:t>2020/5/23</a:t>
             </a:fld>
             <a:endParaRPr lang="zh-TW" altLang="en-US"/>
           </a:p>
@@ -2320,8 +2333,8 @@
         </p:nvSpPr>
         <p:spPr>
           <a:xfrm>
-            <a:off x="1792288" y="4800600"/>
-            <a:ext cx="5486400" cy="566738"/>
+            <a:off x="2389717" y="4800600"/>
+            <a:ext cx="7315200" cy="566738"/>
           </a:xfrm>
         </p:spPr>
         <p:txBody>
@@ -2352,8 +2365,8 @@
         </p:nvSpPr>
         <p:spPr>
           <a:xfrm>
-            <a:off x="1792288" y="612775"/>
-            <a:ext cx="5486400" cy="4114800"/>
+            <a:off x="2389717" y="612775"/>
+            <a:ext cx="7315200" cy="4114800"/>
           </a:xfrm>
         </p:spPr>
         <p:txBody>
@@ -2417,8 +2430,8 @@
         </p:nvSpPr>
         <p:spPr>
           <a:xfrm>
-            <a:off x="1792288" y="5367338"/>
-            <a:ext cx="5486400" cy="804862"/>
+            <a:off x="2389717" y="5367338"/>
+            <a:ext cx="7315200" cy="804862"/>
           </a:xfrm>
         </p:spPr>
         <p:txBody>
@@ -2488,7 +2501,7 @@
             <a:fld id="{AB374245-5B8A-4302-894E-2CCC6B647891}" type="datetimeFigureOut">
               <a:rPr lang="zh-TW" altLang="en-US" smtClean="0"/>
               <a:pPr/>
-              <a:t>2019/2/19</a:t>
+              <a:t>2020/5/23</a:t>
             </a:fld>
             <a:endParaRPr lang="zh-TW" altLang="en-US"/>
           </a:p>
@@ -2584,8 +2597,8 @@
         </p:nvSpPr>
         <p:spPr>
           <a:xfrm>
-            <a:off x="457200" y="274638"/>
-            <a:ext cx="8229600" cy="1143000"/>
+            <a:off x="609600" y="274638"/>
+            <a:ext cx="10972800" cy="1143000"/>
           </a:xfrm>
           <a:prstGeom prst="rect">
             <a:avLst/>
@@ -2617,8 +2630,8 @@
         </p:nvSpPr>
         <p:spPr>
           <a:xfrm>
-            <a:off x="457200" y="1600200"/>
-            <a:ext cx="8229600" cy="4525963"/>
+            <a:off x="609600" y="1600201"/>
+            <a:ext cx="10972800" cy="4525963"/>
           </a:xfrm>
           <a:prstGeom prst="rect">
             <a:avLst/>
@@ -2679,8 +2692,8 @@
         </p:nvSpPr>
         <p:spPr>
           <a:xfrm>
-            <a:off x="457200" y="6356350"/>
-            <a:ext cx="2133600" cy="365125"/>
+            <a:off x="609600" y="6356351"/>
+            <a:ext cx="2844800" cy="365125"/>
           </a:xfrm>
           <a:prstGeom prst="rect">
             <a:avLst/>
@@ -2703,7 +2716,7 @@
             <a:fld id="{AB374245-5B8A-4302-894E-2CCC6B647891}" type="datetimeFigureOut">
               <a:rPr lang="zh-TW" altLang="en-US" smtClean="0"/>
               <a:pPr/>
-              <a:t>2019/2/19</a:t>
+              <a:t>2020/5/23</a:t>
             </a:fld>
             <a:endParaRPr lang="zh-TW" altLang="en-US"/>
           </a:p>
@@ -2721,8 +2734,8 @@
         </p:nvSpPr>
         <p:spPr>
           <a:xfrm>
-            <a:off x="3124200" y="6356350"/>
-            <a:ext cx="2895600" cy="365125"/>
+            <a:off x="4165600" y="6356351"/>
+            <a:ext cx="3860800" cy="365125"/>
           </a:xfrm>
           <a:prstGeom prst="rect">
             <a:avLst/>
@@ -2758,8 +2771,8 @@
         </p:nvSpPr>
         <p:spPr>
           <a:xfrm>
-            <a:off x="6553200" y="6356350"/>
-            <a:ext cx="2133600" cy="365125"/>
+            <a:off x="8737600" y="6356351"/>
+            <a:ext cx="2844800" cy="365125"/>
           </a:xfrm>
           <a:prstGeom prst="rect">
             <a:avLst/>
@@ -3086,16 +3099,18 @@
         </p:nvSpPr>
         <p:spPr>
           <a:xfrm>
-            <a:off x="428596" y="285728"/>
+            <a:off x="1952596" y="285728"/>
             <a:ext cx="8229600" cy="1143000"/>
           </a:xfrm>
         </p:spPr>
         <p:txBody>
-          <a:bodyPr/>
-          <a:lstStyle/>
-          <a:p>
-            <a:r>
-              <a:rPr lang="zh-CN" altLang="en-US" b="1" dirty="0" smtClean="0">
+          <a:bodyPr>
+            <a:normAutofit/>
+          </a:bodyPr>
+          <a:lstStyle/>
+          <a:p>
+            <a:r>
+              <a:rPr lang="zh-CN" altLang="en-US" sz="4800" b="1" dirty="0" smtClean="0">
                 <a:solidFill>
                   <a:srgbClr val="660033"/>
                 </a:solidFill>
@@ -3104,7 +3119,7 @@
               </a:rPr>
               <a:t>勇敢走出去</a:t>
             </a:r>
-            <a:endParaRPr lang="zh-TW" altLang="en-US" b="1" dirty="0">
+            <a:endParaRPr lang="zh-TW" altLang="en-US" sz="4800" b="1" dirty="0">
               <a:solidFill>
                 <a:srgbClr val="660033"/>
               </a:solidFill>
@@ -3126,7 +3141,7 @@
         </p:nvSpPr>
         <p:spPr>
           <a:xfrm>
-            <a:off x="0" y="1600200"/>
+            <a:off x="1524000" y="1600201"/>
             <a:ext cx="9144000" cy="4525963"/>
           </a:xfrm>
         </p:spPr>
@@ -3150,7 +3165,7 @@
               <a:t>我並不</a:t>
             </a:r>
             <a:r>
-              <a:rPr lang="zh-TW" altLang="en-US" sz="5400" b="1" dirty="0" smtClean="0">
+              <a:rPr lang="zh-TW" altLang="en-US" sz="5400" b="1" dirty="0">
                 <a:solidFill>
                   <a:srgbClr val="660033"/>
                 </a:solidFill>
@@ -3170,7 +3185,7 @@
               <a:t>並不</a:t>
             </a:r>
             <a:r>
-              <a:rPr lang="zh-TW" altLang="en-US" sz="5400" b="1" dirty="0" smtClean="0">
+              <a:rPr lang="zh-TW" altLang="en-US" sz="5400" b="1" dirty="0">
                 <a:solidFill>
                   <a:srgbClr val="660033"/>
                 </a:solidFill>
@@ -3178,48 +3193,6 @@
                 <a:ea typeface="微軟正黑體" pitchFamily="34" charset="-120"/>
               </a:rPr>
               <a:t>特別</a:t>
-            </a:r>
-            <a:endParaRPr lang="en-US" altLang="zh-TW" sz="5400" b="1" dirty="0" smtClean="0">
-              <a:solidFill>
-                <a:srgbClr val="660033"/>
-              </a:solidFill>
-              <a:latin typeface="微軟正黑體" pitchFamily="34" charset="-120"/>
-              <a:ea typeface="微軟正黑體" pitchFamily="34" charset="-120"/>
-            </a:endParaRPr>
-          </a:p>
-          <a:p>
-            <a:pPr algn="ctr">
-              <a:buNone/>
-            </a:pPr>
-            <a:r>
-              <a:rPr lang="zh-TW" altLang="en-US" sz="5400" b="1" dirty="0" smtClean="0">
-                <a:solidFill>
-                  <a:srgbClr val="660033"/>
-                </a:solidFill>
-                <a:latin typeface="微軟正黑體" pitchFamily="34" charset="-120"/>
-                <a:ea typeface="微軟正黑體" pitchFamily="34" charset="-120"/>
-              </a:rPr>
-              <a:t>而</a:t>
-            </a:r>
-            <a:r>
-              <a:rPr lang="zh-TW" altLang="en-US" sz="5400" b="1" dirty="0">
-                <a:solidFill>
-                  <a:srgbClr val="660033"/>
-                </a:solidFill>
-                <a:latin typeface="微軟正黑體" pitchFamily="34" charset="-120"/>
-                <a:ea typeface="微軟正黑體" pitchFamily="34" charset="-120"/>
-              </a:rPr>
-              <a:t>你卻是為我捨棄生命的</a:t>
-            </a:r>
-            <a:r>
-              <a:rPr lang="zh-TW" altLang="en-US" sz="5400" b="1" dirty="0" smtClean="0">
-                <a:solidFill>
-                  <a:srgbClr val="660033"/>
-                </a:solidFill>
-                <a:latin typeface="微軟正黑體" pitchFamily="34" charset="-120"/>
-                <a:ea typeface="微軟正黑體" pitchFamily="34" charset="-120"/>
-              </a:rPr>
-              <a:t>主</a:t>
             </a:r>
             <a:endParaRPr lang="en-US" altLang="zh-TW" sz="5400" b="1" dirty="0">
               <a:solidFill>
@@ -3234,14 +3207,14 @@
               <a:buNone/>
             </a:pPr>
             <a:r>
-              <a:rPr lang="zh-TW" altLang="en-US" sz="5400" b="1" dirty="0" smtClean="0">
+              <a:rPr lang="zh-TW" altLang="en-US" sz="5400" b="1" dirty="0">
                 <a:solidFill>
                   <a:srgbClr val="660033"/>
                 </a:solidFill>
                 <a:latin typeface="微軟正黑體" pitchFamily="34" charset="-120"/>
                 <a:ea typeface="微軟正黑體" pitchFamily="34" charset="-120"/>
               </a:rPr>
-              <a:t>我</a:t>
+              <a:t>而</a:t>
             </a:r>
             <a:r>
               <a:rPr lang="zh-TW" altLang="en-US" sz="5400" b="1" dirty="0">
@@ -3251,39 +3224,19 @@
                 <a:latin typeface="微軟正黑體" pitchFamily="34" charset="-120"/>
                 <a:ea typeface="微軟正黑體" pitchFamily="34" charset="-120"/>
               </a:rPr>
-              <a:t>時常</a:t>
-            </a:r>
-            <a:r>
-              <a:rPr lang="zh-TW" altLang="en-US" sz="5400" b="1" dirty="0" smtClean="0">
+              <a:t>你卻是為我捨棄生命的</a:t>
+            </a:r>
+            <a:r>
+              <a:rPr lang="zh-TW" altLang="en-US" sz="5400" b="1" dirty="0">
                 <a:solidFill>
                   <a:srgbClr val="660033"/>
                 </a:solidFill>
                 <a:latin typeface="微軟正黑體" pitchFamily="34" charset="-120"/>
                 <a:ea typeface="微軟正黑體" pitchFamily="34" charset="-120"/>
               </a:rPr>
-              <a:t>軟弱  有</a:t>
-            </a:r>
-            <a:r>
-              <a:rPr lang="zh-TW" altLang="en-US" sz="5400" b="1" dirty="0">
-                <a:solidFill>
-                  <a:srgbClr val="660033"/>
-                </a:solidFill>
-                <a:latin typeface="微軟正黑體" pitchFamily="34" charset="-120"/>
-                <a:ea typeface="微軟正黑體" pitchFamily="34" charset="-120"/>
-              </a:rPr>
-              <a:t>時會</a:t>
-            </a:r>
-            <a:r>
-              <a:rPr lang="zh-TW" altLang="en-US" sz="5400" b="1" dirty="0" smtClean="0">
-                <a:solidFill>
-                  <a:srgbClr val="660033"/>
-                </a:solidFill>
-                <a:latin typeface="微軟正黑體" pitchFamily="34" charset="-120"/>
-                <a:ea typeface="微軟正黑體" pitchFamily="34" charset="-120"/>
-              </a:rPr>
-              <a:t>迷惑</a:t>
-            </a:r>
-            <a:endParaRPr lang="en-US" altLang="zh-TW" sz="5400" b="1" dirty="0" smtClean="0">
+              <a:t>主</a:t>
+            </a:r>
+            <a:endParaRPr lang="en-US" altLang="zh-TW" sz="5400" b="1" dirty="0">
               <a:solidFill>
                 <a:srgbClr val="660033"/>
               </a:solidFill>
@@ -3296,6 +3249,68 @@
               <a:buNone/>
             </a:pPr>
             <a:r>
+              <a:rPr lang="zh-TW" altLang="en-US" sz="5400" b="1" dirty="0">
+                <a:solidFill>
+                  <a:srgbClr val="660033"/>
+                </a:solidFill>
+                <a:latin typeface="微軟正黑體" pitchFamily="34" charset="-120"/>
+                <a:ea typeface="微軟正黑體" pitchFamily="34" charset="-120"/>
+              </a:rPr>
+              <a:t>我</a:t>
+            </a:r>
+            <a:r>
+              <a:rPr lang="zh-TW" altLang="en-US" sz="5400" b="1" dirty="0">
+                <a:solidFill>
+                  <a:srgbClr val="660033"/>
+                </a:solidFill>
+                <a:latin typeface="微軟正黑體" pitchFamily="34" charset="-120"/>
+                <a:ea typeface="微軟正黑體" pitchFamily="34" charset="-120"/>
+              </a:rPr>
+              <a:t>時常</a:t>
+            </a:r>
+            <a:r>
+              <a:rPr lang="zh-TW" altLang="en-US" sz="5400" b="1" dirty="0">
+                <a:solidFill>
+                  <a:srgbClr val="660033"/>
+                </a:solidFill>
+                <a:latin typeface="微軟正黑體" pitchFamily="34" charset="-120"/>
+                <a:ea typeface="微軟正黑體" pitchFamily="34" charset="-120"/>
+              </a:rPr>
+              <a:t>軟弱  有</a:t>
+            </a:r>
+            <a:r>
+              <a:rPr lang="zh-TW" altLang="en-US" sz="5400" b="1" dirty="0">
+                <a:solidFill>
+                  <a:srgbClr val="660033"/>
+                </a:solidFill>
+                <a:latin typeface="微軟正黑體" pitchFamily="34" charset="-120"/>
+                <a:ea typeface="微軟正黑體" pitchFamily="34" charset="-120"/>
+              </a:rPr>
+              <a:t>時會</a:t>
+            </a:r>
+            <a:r>
+              <a:rPr lang="zh-TW" altLang="en-US" sz="5400" b="1" dirty="0">
+                <a:solidFill>
+                  <a:srgbClr val="660033"/>
+                </a:solidFill>
+                <a:latin typeface="微軟正黑體" pitchFamily="34" charset="-120"/>
+                <a:ea typeface="微軟正黑體" pitchFamily="34" charset="-120"/>
+              </a:rPr>
+              <a:t>迷惑</a:t>
+            </a:r>
+            <a:endParaRPr lang="en-US" altLang="zh-TW" sz="5400" b="1" dirty="0">
+              <a:solidFill>
+                <a:srgbClr val="660033"/>
+              </a:solidFill>
+              <a:latin typeface="微軟正黑體" pitchFamily="34" charset="-120"/>
+              <a:ea typeface="微軟正黑體" pitchFamily="34" charset="-120"/>
+            </a:endParaRPr>
+          </a:p>
+          <a:p>
+            <a:pPr algn="ctr">
+              <a:buNone/>
+            </a:pPr>
+            <a:r>
               <a:rPr lang="zh-TW" altLang="en-US" sz="5400" b="1" dirty="0" smtClean="0">
                 <a:solidFill>
                   <a:srgbClr val="660033"/>
@@ -3306,14 +3321,34 @@
               <a:t>但</a:t>
             </a:r>
             <a:r>
-              <a:rPr lang="zh-TW" altLang="en-US" sz="5400" b="1" dirty="0">
+              <a:rPr lang="zh-CN" altLang="en-US" sz="5400" b="1" dirty="0">
                 <a:solidFill>
                   <a:srgbClr val="660033"/>
                 </a:solidFill>
                 <a:latin typeface="微軟正黑體" pitchFamily="34" charset="-120"/>
                 <a:ea typeface="微軟正黑體" pitchFamily="34" charset="-120"/>
               </a:rPr>
-              <a:t>你是道路真理和生命</a:t>
+              <a:t>袮</a:t>
+            </a:r>
+            <a:r>
+              <a:rPr lang="zh-TW" altLang="en-US" sz="5400" b="1" dirty="0" smtClean="0">
+                <a:solidFill>
+                  <a:srgbClr val="660033"/>
+                </a:solidFill>
+                <a:latin typeface="微軟正黑體" pitchFamily="34" charset="-120"/>
+                <a:ea typeface="微軟正黑體" pitchFamily="34" charset="-120"/>
+              </a:rPr>
+              <a:t>是</a:t>
+            </a:r>
+            <a:r>
+              <a:rPr lang="zh-TW" altLang="en-US" sz="5400" b="1" dirty="0">
+                <a:solidFill>
+                  <a:srgbClr val="660033"/>
+                </a:solidFill>
+                <a:latin typeface="微軟正黑體" pitchFamily="34" charset="-120"/>
+                <a:ea typeface="微軟正黑體" pitchFamily="34" charset="-120"/>
+              </a:rPr>
+              <a:t>道路真理和生命</a:t>
             </a:r>
           </a:p>
         </p:txBody>
@@ -3355,16 +3390,18 @@
         </p:nvSpPr>
         <p:spPr>
           <a:xfrm>
-            <a:off x="428596" y="285728"/>
+            <a:off x="1952596" y="285728"/>
             <a:ext cx="8229600" cy="1143000"/>
           </a:xfrm>
         </p:spPr>
         <p:txBody>
-          <a:bodyPr/>
-          <a:lstStyle/>
-          <a:p>
-            <a:r>
-              <a:rPr lang="zh-CN" altLang="en-US" b="1" dirty="0" smtClean="0">
+          <a:bodyPr>
+            <a:normAutofit/>
+          </a:bodyPr>
+          <a:lstStyle/>
+          <a:p>
+            <a:r>
+              <a:rPr lang="zh-CN" altLang="en-US" sz="4800" b="1" dirty="0">
                 <a:solidFill>
                   <a:srgbClr val="660033"/>
                 </a:solidFill>
@@ -3373,7 +3410,7 @@
               </a:rPr>
               <a:t>勇敢走出去</a:t>
             </a:r>
-            <a:endParaRPr lang="zh-TW" altLang="en-US" b="1" dirty="0">
+            <a:endParaRPr lang="zh-TW" altLang="en-US" sz="4800" b="1" dirty="0">
               <a:solidFill>
                 <a:srgbClr val="660033"/>
               </a:solidFill>
@@ -3395,7 +3432,7 @@
         </p:nvSpPr>
         <p:spPr>
           <a:xfrm>
-            <a:off x="0" y="1600200"/>
+            <a:off x="1524000" y="1600201"/>
             <a:ext cx="9144000" cy="4525963"/>
           </a:xfrm>
         </p:spPr>
@@ -3416,9 +3453,39 @@
                 <a:latin typeface="微軟正黑體" pitchFamily="34" charset="-120"/>
                 <a:ea typeface="微軟正黑體" pitchFamily="34" charset="-120"/>
               </a:rPr>
-              <a:t>主你要往哪裡走</a:t>
-            </a:r>
-            <a:endParaRPr lang="en-US" altLang="zh-TW" sz="5400" b="1" dirty="0" smtClean="0">
+              <a:t>主</a:t>
+            </a:r>
+            <a:r>
+              <a:rPr lang="zh-CN" altLang="en-US" sz="5400" b="1" dirty="0">
+                <a:solidFill>
+                  <a:srgbClr val="660033"/>
+                </a:solidFill>
+                <a:latin typeface="微軟正黑體" pitchFamily="34" charset="-120"/>
+                <a:ea typeface="微軟正黑體" pitchFamily="34" charset="-120"/>
+              </a:rPr>
+              <a:t>袮</a:t>
+            </a:r>
+            <a:r>
+              <a:rPr lang="zh-TW" altLang="en-US" sz="5400" b="1" dirty="0" smtClean="0">
+                <a:solidFill>
+                  <a:srgbClr val="660033"/>
+                </a:solidFill>
+                <a:latin typeface="微軟正黑體" pitchFamily="34" charset="-120"/>
+                <a:ea typeface="微軟正黑體" pitchFamily="34" charset="-120"/>
+              </a:rPr>
+              <a:t>要</a:t>
+            </a:r>
+            <a:r>
+              <a:rPr lang="zh-TW" altLang="en-US" sz="5400" b="1" dirty="0">
+                <a:solidFill>
+                  <a:srgbClr val="660033"/>
+                </a:solidFill>
+                <a:latin typeface="微軟正黑體" pitchFamily="34" charset="-120"/>
+                <a:ea typeface="微軟正黑體" pitchFamily="34" charset="-120"/>
+              </a:rPr>
+              <a:t>往哪裡走</a:t>
+            </a:r>
+            <a:endParaRPr lang="en-US" altLang="zh-TW" sz="5400" b="1" dirty="0">
               <a:solidFill>
                 <a:srgbClr val="660033"/>
               </a:solidFill>
@@ -3431,16 +3498,46 @@
               <a:buNone/>
             </a:pPr>
             <a:r>
-              <a:rPr lang="zh-TW" altLang="en-US" sz="5400" b="1" dirty="0" smtClean="0">
+              <a:rPr lang="zh-TW" altLang="en-US" sz="5400" b="1" dirty="0">
                 <a:solidFill>
                   <a:srgbClr val="660033"/>
                 </a:solidFill>
                 <a:latin typeface="微軟正黑體" pitchFamily="34" charset="-120"/>
                 <a:ea typeface="微軟正黑體" pitchFamily="34" charset="-120"/>
               </a:rPr>
-              <a:t>我就跟你走</a:t>
-            </a:r>
-            <a:endParaRPr lang="en-US" altLang="zh-TW" sz="5400" b="1" dirty="0" smtClean="0">
+              <a:t>我就</a:t>
+            </a:r>
+            <a:r>
+              <a:rPr lang="zh-TW" altLang="en-US" sz="5400" b="1" dirty="0" smtClean="0">
+                <a:solidFill>
+                  <a:srgbClr val="660033"/>
+                </a:solidFill>
+                <a:latin typeface="微軟正黑體" pitchFamily="34" charset="-120"/>
+                <a:ea typeface="微軟正黑體" pitchFamily="34" charset="-120"/>
+              </a:rPr>
+              <a:t>跟</a:t>
+            </a:r>
+            <a:r>
+              <a:rPr lang="zh-CN" altLang="en-US" sz="5400" b="1" dirty="0">
+                <a:solidFill>
+                  <a:srgbClr val="660033"/>
+                </a:solidFill>
+                <a:latin typeface="微軟正黑體" pitchFamily="34" charset="-120"/>
+                <a:ea typeface="微軟正黑體" pitchFamily="34" charset="-120"/>
+              </a:rPr>
+              <a:t>袮</a:t>
+            </a:r>
+            <a:r>
+              <a:rPr lang="zh-TW" altLang="en-US" sz="5400" b="1" dirty="0" smtClean="0">
+                <a:solidFill>
+                  <a:srgbClr val="660033"/>
+                </a:solidFill>
+                <a:latin typeface="微軟正黑體" pitchFamily="34" charset="-120"/>
+                <a:ea typeface="微軟正黑體" pitchFamily="34" charset="-120"/>
+              </a:rPr>
+              <a:t>走</a:t>
+            </a:r>
+            <a:endParaRPr lang="en-US" altLang="zh-TW" sz="5400" b="1" dirty="0">
               <a:solidFill>
                 <a:srgbClr val="660033"/>
               </a:solidFill>
@@ -3453,7 +3550,7 @@
               <a:buNone/>
             </a:pPr>
             <a:r>
-              <a:rPr lang="zh-TW" altLang="en-US" sz="5400" b="1" dirty="0" smtClean="0">
+              <a:rPr lang="zh-TW" altLang="en-US" sz="5400" b="1" dirty="0">
                 <a:solidFill>
                   <a:srgbClr val="660033"/>
                 </a:solidFill>
@@ -3462,7 +3559,7 @@
               </a:rPr>
               <a:t>領我走到世界盡頭</a:t>
             </a:r>
-            <a:endParaRPr lang="en-US" altLang="zh-TW" sz="5400" b="1" dirty="0" smtClean="0">
+            <a:endParaRPr lang="en-US" altLang="zh-TW" sz="5400" b="1" dirty="0">
               <a:solidFill>
                 <a:srgbClr val="660033"/>
               </a:solidFill>
@@ -3475,7 +3572,7 @@
               <a:buNone/>
             </a:pPr>
             <a:r>
-              <a:rPr lang="zh-TW" altLang="en-US" sz="5400" b="1" dirty="0" smtClean="0">
+              <a:rPr lang="zh-TW" altLang="en-US" sz="5400" b="1" dirty="0">
                 <a:solidFill>
                   <a:srgbClr val="660033"/>
                 </a:solidFill>
@@ -3531,16 +3628,18 @@
         </p:nvSpPr>
         <p:spPr>
           <a:xfrm>
-            <a:off x="428596" y="285728"/>
+            <a:off x="1952596" y="285728"/>
             <a:ext cx="8229600" cy="1143000"/>
           </a:xfrm>
         </p:spPr>
         <p:txBody>
-          <a:bodyPr/>
-          <a:lstStyle/>
-          <a:p>
-            <a:r>
-              <a:rPr lang="zh-CN" altLang="en-US" b="1" dirty="0" smtClean="0">
+          <a:bodyPr>
+            <a:normAutofit/>
+          </a:bodyPr>
+          <a:lstStyle/>
+          <a:p>
+            <a:r>
+              <a:rPr lang="zh-CN" altLang="en-US" sz="4800" b="1" dirty="0">
                 <a:solidFill>
                   <a:srgbClr val="660033"/>
                 </a:solidFill>
@@ -3549,7 +3648,7 @@
               </a:rPr>
               <a:t>勇敢走出去</a:t>
             </a:r>
-            <a:endParaRPr lang="zh-TW" altLang="en-US" b="1" dirty="0">
+            <a:endParaRPr lang="zh-TW" altLang="en-US" sz="4800" b="1" dirty="0">
               <a:solidFill>
                 <a:srgbClr val="660033"/>
               </a:solidFill>
@@ -3571,7 +3670,7 @@
         </p:nvSpPr>
         <p:spPr>
           <a:xfrm>
-            <a:off x="0" y="1600200"/>
+            <a:off x="1524000" y="1600201"/>
             <a:ext cx="9144000" cy="4525963"/>
           </a:xfrm>
         </p:spPr>
@@ -3585,7 +3684,7 @@
               <a:buNone/>
             </a:pPr>
             <a:r>
-              <a:rPr lang="zh-TW" altLang="en-US" sz="5400" b="1" dirty="0" smtClean="0">
+              <a:rPr lang="zh-TW" altLang="en-US" sz="5400" b="1" dirty="0">
                 <a:solidFill>
                   <a:srgbClr val="660033"/>
                 </a:solidFill>
@@ -3594,7 +3693,7 @@
               </a:rPr>
               <a:t>讓世界聽到我們敬拜</a:t>
             </a:r>
-            <a:endParaRPr lang="en-US" altLang="zh-TW" sz="5400" b="1" dirty="0" smtClean="0">
+            <a:endParaRPr lang="en-US" altLang="zh-TW" sz="5400" b="1" dirty="0">
               <a:solidFill>
                 <a:srgbClr val="660033"/>
               </a:solidFill>
@@ -3607,7 +3706,7 @@
               <a:buNone/>
             </a:pPr>
             <a:r>
-              <a:rPr lang="zh-TW" altLang="en-US" sz="5400" b="1" dirty="0" smtClean="0">
+              <a:rPr lang="zh-TW" altLang="en-US" sz="5400" b="1" dirty="0">
                 <a:solidFill>
                   <a:srgbClr val="660033"/>
                 </a:solidFill>
@@ -3616,7 +3715,7 @@
               </a:rPr>
               <a:t>我們的禱告</a:t>
             </a:r>
-            <a:endParaRPr lang="en-US" altLang="zh-TW" sz="5400" b="1" dirty="0" smtClean="0">
+            <a:endParaRPr lang="en-US" altLang="zh-TW" sz="5400" b="1" dirty="0">
               <a:solidFill>
                 <a:srgbClr val="660033"/>
               </a:solidFill>
@@ -3629,7 +3728,7 @@
               <a:buNone/>
             </a:pPr>
             <a:r>
-              <a:rPr lang="zh-TW" altLang="en-US" sz="5400" b="1" dirty="0" smtClean="0">
+              <a:rPr lang="zh-TW" altLang="en-US" sz="5400" b="1" dirty="0">
                 <a:solidFill>
                   <a:srgbClr val="660033"/>
                 </a:solidFill>
@@ -3638,7 +3737,7 @@
               </a:rPr>
               <a:t>讓復興從我們開始</a:t>
             </a:r>
-            <a:endParaRPr lang="en-US" altLang="zh-TW" sz="5400" b="1" dirty="0" smtClean="0">
+            <a:endParaRPr lang="en-US" altLang="zh-TW" sz="5400" b="1" dirty="0">
               <a:solidFill>
                 <a:srgbClr val="660033"/>
               </a:solidFill>
@@ -3651,7 +3750,7 @@
               <a:buNone/>
             </a:pPr>
             <a:r>
-              <a:rPr lang="zh-TW" altLang="en-US" sz="5400" b="1" dirty="0" smtClean="0">
+              <a:rPr lang="zh-TW" altLang="en-US" sz="5400" b="1" dirty="0">
                 <a:solidFill>
                   <a:srgbClr val="660033"/>
                 </a:solidFill>
@@ -3700,16 +3799,18 @@
         </p:nvSpPr>
         <p:spPr>
           <a:xfrm>
-            <a:off x="428596" y="285728"/>
+            <a:off x="1952596" y="285728"/>
             <a:ext cx="8229600" cy="1143000"/>
           </a:xfrm>
         </p:spPr>
         <p:txBody>
-          <a:bodyPr/>
-          <a:lstStyle/>
-          <a:p>
-            <a:r>
-              <a:rPr lang="zh-CN" altLang="en-US" b="1" dirty="0" smtClean="0">
+          <a:bodyPr>
+            <a:normAutofit/>
+          </a:bodyPr>
+          <a:lstStyle/>
+          <a:p>
+            <a:r>
+              <a:rPr lang="zh-CN" altLang="en-US" sz="4800" b="1" dirty="0">
                 <a:solidFill>
                   <a:srgbClr val="660033"/>
                 </a:solidFill>
@@ -3718,7 +3819,7 @@
               </a:rPr>
               <a:t>勇敢走出去</a:t>
             </a:r>
-            <a:endParaRPr lang="zh-TW" altLang="en-US" b="1" dirty="0">
+            <a:endParaRPr lang="zh-TW" altLang="en-US" sz="4800" b="1" dirty="0">
               <a:solidFill>
                 <a:srgbClr val="660033"/>
               </a:solidFill>
@@ -3740,7 +3841,7 @@
         </p:nvSpPr>
         <p:spPr>
           <a:xfrm>
-            <a:off x="0" y="1600200"/>
+            <a:off x="1524000" y="1600201"/>
             <a:ext cx="9144000" cy="4525963"/>
           </a:xfrm>
         </p:spPr>
@@ -3754,7 +3855,7 @@
               <a:buNone/>
             </a:pPr>
             <a:r>
-              <a:rPr lang="zh-TW" altLang="en-US" sz="5400" b="1" dirty="0" smtClean="0">
+              <a:rPr lang="zh-TW" altLang="en-US" sz="5400" b="1" dirty="0">
                 <a:solidFill>
                   <a:srgbClr val="660033"/>
                 </a:solidFill>
@@ -3763,7 +3864,7 @@
               </a:rPr>
               <a:t>縱然有許多的問題</a:t>
             </a:r>
-            <a:endParaRPr lang="en-US" altLang="zh-TW" sz="5400" b="1" dirty="0" smtClean="0">
+            <a:endParaRPr lang="en-US" altLang="zh-TW" sz="5400" b="1" dirty="0">
               <a:solidFill>
                 <a:srgbClr val="660033"/>
               </a:solidFill>
@@ -3776,7 +3877,7 @@
               <a:buNone/>
             </a:pPr>
             <a:r>
-              <a:rPr lang="zh-TW" altLang="en-US" sz="5400" b="1" dirty="0" smtClean="0">
+              <a:rPr lang="zh-TW" altLang="en-US" sz="5400" b="1" dirty="0">
                 <a:solidFill>
                   <a:srgbClr val="660033"/>
                 </a:solidFill>
@@ -3785,7 +3886,7 @@
               </a:rPr>
               <a:t>我也不放棄</a:t>
             </a:r>
-            <a:endParaRPr lang="en-US" altLang="zh-TW" sz="5400" b="1" dirty="0" smtClean="0">
+            <a:endParaRPr lang="en-US" altLang="zh-TW" sz="5400" b="1" dirty="0">
               <a:solidFill>
                 <a:srgbClr val="660033"/>
               </a:solidFill>
@@ -3798,16 +3899,36 @@
               <a:buNone/>
             </a:pPr>
             <a:r>
-              <a:rPr lang="zh-TW" altLang="en-US" sz="5400" b="1" dirty="0" smtClean="0">
+              <a:rPr lang="zh-CN" altLang="en-US" sz="5400" b="1" dirty="0">
                 <a:solidFill>
                   <a:srgbClr val="660033"/>
                 </a:solidFill>
                 <a:latin typeface="微軟正黑體" pitchFamily="34" charset="-120"/>
                 <a:ea typeface="微軟正黑體" pitchFamily="34" charset="-120"/>
               </a:rPr>
-              <a:t>你大能賜給我勇氣</a:t>
-            </a:r>
-            <a:endParaRPr lang="en-US" altLang="zh-TW" sz="5400" b="1" dirty="0" smtClean="0">
+              <a:t>袮</a:t>
+            </a:r>
+            <a:r>
+              <a:rPr lang="zh-TW" altLang="en-US" sz="5400" b="1" dirty="0" smtClean="0">
+                <a:solidFill>
+                  <a:srgbClr val="660033"/>
+                </a:solidFill>
+                <a:latin typeface="微軟正黑體" pitchFamily="34" charset="-120"/>
+                <a:ea typeface="微軟正黑體" pitchFamily="34" charset="-120"/>
+              </a:rPr>
+              <a:t>大</a:t>
+            </a:r>
+            <a:r>
+              <a:rPr lang="zh-TW" altLang="en-US" sz="5400" b="1" dirty="0">
+                <a:solidFill>
+                  <a:srgbClr val="660033"/>
+                </a:solidFill>
+                <a:latin typeface="微軟正黑體" pitchFamily="34" charset="-120"/>
+                <a:ea typeface="微軟正黑體" pitchFamily="34" charset="-120"/>
+              </a:rPr>
+              <a:t>能賜給我勇氣</a:t>
+            </a:r>
+            <a:endParaRPr lang="en-US" altLang="zh-TW" sz="5400" b="1" dirty="0">
               <a:solidFill>
                 <a:srgbClr val="660033"/>
               </a:solidFill>
@@ -3820,7 +3941,7 @@
               <a:buNone/>
             </a:pPr>
             <a:r>
-              <a:rPr lang="zh-TW" altLang="en-US" sz="5400" b="1" dirty="0" smtClean="0">
+              <a:rPr lang="zh-TW" altLang="en-US" sz="5400" b="1" dirty="0">
                 <a:solidFill>
                   <a:srgbClr val="660033"/>
                 </a:solidFill>
@@ -3829,535 +3950,6 @@
               </a:rPr>
               <a:t>我會勇敢走出去</a:t>
             </a:r>
-          </a:p>
-        </p:txBody>
-      </p:sp>
-    </p:spTree>
-  </p:cSld>
-  <p:clrMapOvr>
-    <a:masterClrMapping/>
-  </p:clrMapOvr>
-</p:sld>
-</file>
-
-<file path=ppt/slides/slide5.xml><?xml version="1.0" encoding="utf-8"?>
-<p:sld xmlns:a="http://schemas.openxmlformats.org/drawingml/2006/main" xmlns:r="http://schemas.openxmlformats.org/officeDocument/2006/relationships" xmlns:p="http://schemas.openxmlformats.org/presentationml/2006/main">
-  <p:cSld>
-    <p:spTree>
-      <p:nvGrpSpPr>
-        <p:cNvPr id="1" name=""/>
-        <p:cNvGrpSpPr/>
-        <p:nvPr/>
-      </p:nvGrpSpPr>
-      <p:grpSpPr>
-        <a:xfrm>
-          <a:off x="0" y="0"/>
-          <a:ext cx="0" cy="0"/>
-          <a:chOff x="0" y="0"/>
-          <a:chExt cx="0" cy="0"/>
-        </a:xfrm>
-      </p:grpSpPr>
-      <p:sp>
-        <p:nvSpPr>
-          <p:cNvPr id="4" name="標題 3"/>
-          <p:cNvSpPr>
-            <a:spLocks noGrp="1"/>
-          </p:cNvSpPr>
-          <p:nvPr>
-            <p:ph type="title"/>
-          </p:nvPr>
-        </p:nvSpPr>
-        <p:spPr>
-          <a:xfrm>
-            <a:off x="0" y="274638"/>
-            <a:ext cx="9144000" cy="1143000"/>
-          </a:xfrm>
-        </p:spPr>
-        <p:txBody>
-          <a:bodyPr/>
-          <a:lstStyle/>
-          <a:p>
-            <a:r>
-              <a:rPr lang="zh-TW" altLang="en-US" b="1" dirty="0">
-                <a:solidFill>
-                  <a:srgbClr val="000066"/>
-                </a:solidFill>
-                <a:latin typeface="微軟正黑體" pitchFamily="34" charset="-120"/>
-                <a:ea typeface="微軟正黑體" pitchFamily="34" charset="-120"/>
-              </a:rPr>
-              <a:t>傾倒</a:t>
-            </a:r>
-          </a:p>
-        </p:txBody>
-      </p:sp>
-      <p:sp>
-        <p:nvSpPr>
-          <p:cNvPr id="5" name="內容版面配置區 4"/>
-          <p:cNvSpPr>
-            <a:spLocks noGrp="1"/>
-          </p:cNvSpPr>
-          <p:nvPr>
-            <p:ph idx="1"/>
-          </p:nvPr>
-        </p:nvSpPr>
-        <p:spPr>
-          <a:xfrm>
-            <a:off x="0" y="1600200"/>
-            <a:ext cx="9144000" cy="4525963"/>
-          </a:xfrm>
-        </p:spPr>
-        <p:txBody>
-          <a:bodyPr>
-            <a:noAutofit/>
-          </a:bodyPr>
-          <a:lstStyle/>
-          <a:p>
-            <a:pPr algn="ctr">
-              <a:buNone/>
-            </a:pPr>
-            <a:r>
-              <a:rPr lang="zh-TW" altLang="en-US" sz="5400" b="1" dirty="0" smtClean="0">
-                <a:solidFill>
-                  <a:srgbClr val="000066"/>
-                </a:solidFill>
-                <a:latin typeface="微軟正黑體" pitchFamily="34" charset="-120"/>
-                <a:ea typeface="微軟正黑體" pitchFamily="34" charset="-120"/>
-              </a:rPr>
-              <a:t>打破這香膏在祢腳前</a:t>
-            </a:r>
-            <a:endParaRPr lang="en-US" altLang="zh-TW" sz="5400" b="1" dirty="0" smtClean="0">
-              <a:solidFill>
-                <a:srgbClr val="000066"/>
-              </a:solidFill>
-              <a:latin typeface="微軟正黑體" pitchFamily="34" charset="-120"/>
-              <a:ea typeface="微軟正黑體" pitchFamily="34" charset="-120"/>
-            </a:endParaRPr>
-          </a:p>
-          <a:p>
-            <a:pPr algn="ctr">
-              <a:buNone/>
-            </a:pPr>
-            <a:r>
-              <a:rPr lang="zh-TW" altLang="en-US" sz="5400" b="1" dirty="0" smtClean="0">
-                <a:solidFill>
-                  <a:srgbClr val="000066"/>
-                </a:solidFill>
-                <a:latin typeface="微軟正黑體" pitchFamily="34" charset="-120"/>
-                <a:ea typeface="微軟正黑體" pitchFamily="34" charset="-120"/>
-              </a:rPr>
-              <a:t>破碎我自己與祢面對面</a:t>
-            </a:r>
-            <a:endParaRPr lang="en-US" altLang="zh-TW" sz="5400" b="1" dirty="0" smtClean="0">
-              <a:solidFill>
-                <a:srgbClr val="000066"/>
-              </a:solidFill>
-              <a:latin typeface="微軟正黑體" pitchFamily="34" charset="-120"/>
-              <a:ea typeface="微軟正黑體" pitchFamily="34" charset="-120"/>
-            </a:endParaRPr>
-          </a:p>
-          <a:p>
-            <a:pPr algn="ctr">
-              <a:buNone/>
-            </a:pPr>
-            <a:r>
-              <a:rPr lang="zh-TW" altLang="en-US" sz="5400" b="1" dirty="0" smtClean="0">
-                <a:solidFill>
-                  <a:srgbClr val="000066"/>
-                </a:solidFill>
-                <a:latin typeface="微軟正黑體" pitchFamily="34" charset="-120"/>
-                <a:ea typeface="微軟正黑體" pitchFamily="34" charset="-120"/>
-              </a:rPr>
-              <a:t>我每口呼吸</a:t>
-            </a:r>
-            <a:endParaRPr lang="en-US" altLang="zh-TW" sz="5400" b="1" dirty="0" smtClean="0">
-              <a:solidFill>
-                <a:srgbClr val="000066"/>
-              </a:solidFill>
-              <a:latin typeface="微軟正黑體" pitchFamily="34" charset="-120"/>
-              <a:ea typeface="微軟正黑體" pitchFamily="34" charset="-120"/>
-            </a:endParaRPr>
-          </a:p>
-          <a:p>
-            <a:pPr algn="ctr">
-              <a:buNone/>
-            </a:pPr>
-            <a:r>
-              <a:rPr lang="zh-TW" altLang="en-US" sz="5400" b="1" dirty="0" smtClean="0">
-                <a:solidFill>
-                  <a:srgbClr val="000066"/>
-                </a:solidFill>
-                <a:latin typeface="微軟正黑體" pitchFamily="34" charset="-120"/>
-                <a:ea typeface="微軟正黑體" pitchFamily="34" charset="-120"/>
-              </a:rPr>
-              <a:t>我心渴望體貼祢靈</a:t>
-            </a:r>
-            <a:endParaRPr lang="en-US" altLang="zh-TW" sz="5400" b="1" dirty="0" smtClean="0">
-              <a:solidFill>
-                <a:srgbClr val="000066"/>
-              </a:solidFill>
-              <a:latin typeface="微軟正黑體" pitchFamily="34" charset="-120"/>
-              <a:ea typeface="微軟正黑體" pitchFamily="34" charset="-120"/>
-            </a:endParaRPr>
-          </a:p>
-          <a:p>
-            <a:pPr algn="ctr">
-              <a:buNone/>
-            </a:pPr>
-            <a:r>
-              <a:rPr lang="zh-TW" altLang="en-US" sz="5400" b="1" dirty="0" smtClean="0">
-                <a:solidFill>
-                  <a:srgbClr val="000066"/>
-                </a:solidFill>
-                <a:latin typeface="微軟正黑體" pitchFamily="34" charset="-120"/>
-                <a:ea typeface="微軟正黑體" pitchFamily="34" charset="-120"/>
-              </a:rPr>
-              <a:t>我生命只為祢</a:t>
-            </a:r>
-            <a:endParaRPr lang="zh-TW" altLang="en-US" sz="5400" b="1" dirty="0">
-              <a:solidFill>
-                <a:srgbClr val="000066"/>
-              </a:solidFill>
-              <a:latin typeface="微軟正黑體" pitchFamily="34" charset="-120"/>
-              <a:ea typeface="微軟正黑體" pitchFamily="34" charset="-120"/>
-            </a:endParaRPr>
-          </a:p>
-        </p:txBody>
-      </p:sp>
-    </p:spTree>
-  </p:cSld>
-  <p:clrMapOvr>
-    <a:masterClrMapping/>
-  </p:clrMapOvr>
-</p:sld>
-</file>
-
-<file path=ppt/slides/slide6.xml><?xml version="1.0" encoding="utf-8"?>
-<p:sld xmlns:a="http://schemas.openxmlformats.org/drawingml/2006/main" xmlns:r="http://schemas.openxmlformats.org/officeDocument/2006/relationships" xmlns:p="http://schemas.openxmlformats.org/presentationml/2006/main">
-  <p:cSld>
-    <p:spTree>
-      <p:nvGrpSpPr>
-        <p:cNvPr id="1" name=""/>
-        <p:cNvGrpSpPr/>
-        <p:nvPr/>
-      </p:nvGrpSpPr>
-      <p:grpSpPr>
-        <a:xfrm>
-          <a:off x="0" y="0"/>
-          <a:ext cx="0" cy="0"/>
-          <a:chOff x="0" y="0"/>
-          <a:chExt cx="0" cy="0"/>
-        </a:xfrm>
-      </p:grpSpPr>
-      <p:sp>
-        <p:nvSpPr>
-          <p:cNvPr id="4" name="標題 3"/>
-          <p:cNvSpPr>
-            <a:spLocks noGrp="1"/>
-          </p:cNvSpPr>
-          <p:nvPr>
-            <p:ph type="title"/>
-          </p:nvPr>
-        </p:nvSpPr>
-        <p:spPr>
-          <a:xfrm>
-            <a:off x="0" y="274638"/>
-            <a:ext cx="9144000" cy="1143000"/>
-          </a:xfrm>
-        </p:spPr>
-        <p:txBody>
-          <a:bodyPr/>
-          <a:lstStyle/>
-          <a:p>
-            <a:r>
-              <a:rPr lang="zh-TW" altLang="en-US" b="1" dirty="0">
-                <a:solidFill>
-                  <a:srgbClr val="000066"/>
-                </a:solidFill>
-                <a:latin typeface="微軟正黑體" pitchFamily="34" charset="-120"/>
-                <a:ea typeface="微軟正黑體" pitchFamily="34" charset="-120"/>
-              </a:rPr>
-              <a:t>傾倒</a:t>
-            </a:r>
-          </a:p>
-        </p:txBody>
-      </p:sp>
-      <p:sp>
-        <p:nvSpPr>
-          <p:cNvPr id="5" name="內容版面配置區 4"/>
-          <p:cNvSpPr>
-            <a:spLocks noGrp="1"/>
-          </p:cNvSpPr>
-          <p:nvPr>
-            <p:ph idx="1"/>
-          </p:nvPr>
-        </p:nvSpPr>
-        <p:spPr>
-          <a:xfrm>
-            <a:off x="0" y="1600200"/>
-            <a:ext cx="9144000" cy="4525963"/>
-          </a:xfrm>
-        </p:spPr>
-        <p:txBody>
-          <a:bodyPr>
-            <a:noAutofit/>
-          </a:bodyPr>
-          <a:lstStyle/>
-          <a:p>
-            <a:pPr algn="ctr">
-              <a:buNone/>
-            </a:pPr>
-            <a:r>
-              <a:rPr lang="zh-TW" altLang="en-US" sz="5400" b="1" dirty="0" smtClean="0">
-                <a:solidFill>
-                  <a:srgbClr val="000066"/>
-                </a:solidFill>
-                <a:latin typeface="微軟正黑體" pitchFamily="34" charset="-120"/>
-                <a:ea typeface="微軟正黑體" pitchFamily="34" charset="-120"/>
-              </a:rPr>
-              <a:t>傾倒我所有  願祢旨意成就</a:t>
-            </a:r>
-            <a:endParaRPr lang="en-US" altLang="zh-TW" sz="5400" b="1" dirty="0" smtClean="0">
-              <a:solidFill>
-                <a:srgbClr val="000066"/>
-              </a:solidFill>
-              <a:latin typeface="微軟正黑體" pitchFamily="34" charset="-120"/>
-              <a:ea typeface="微軟正黑體" pitchFamily="34" charset="-120"/>
-            </a:endParaRPr>
-          </a:p>
-          <a:p>
-            <a:pPr algn="ctr">
-              <a:buNone/>
-            </a:pPr>
-            <a:r>
-              <a:rPr lang="zh-TW" altLang="en-US" sz="5400" b="1" dirty="0" smtClean="0">
-                <a:solidFill>
-                  <a:srgbClr val="000066"/>
-                </a:solidFill>
-                <a:latin typeface="微軟正黑體" pitchFamily="34" charset="-120"/>
-                <a:ea typeface="微軟正黑體" pitchFamily="34" charset="-120"/>
-              </a:rPr>
-              <a:t>生命每分每秒毫無保留</a:t>
-            </a:r>
-            <a:endParaRPr lang="en-US" altLang="zh-TW" sz="5400" b="1" dirty="0" smtClean="0">
-              <a:solidFill>
-                <a:srgbClr val="000066"/>
-              </a:solidFill>
-              <a:latin typeface="微軟正黑體" pitchFamily="34" charset="-120"/>
-              <a:ea typeface="微軟正黑體" pitchFamily="34" charset="-120"/>
-            </a:endParaRPr>
-          </a:p>
-          <a:p>
-            <a:pPr algn="ctr">
-              <a:buNone/>
-            </a:pPr>
-            <a:r>
-              <a:rPr lang="zh-TW" altLang="en-US" sz="5400" b="1" dirty="0" smtClean="0">
-                <a:solidFill>
-                  <a:srgbClr val="000066"/>
-                </a:solidFill>
-                <a:latin typeface="微軟正黑體" pitchFamily="34" charset="-120"/>
-                <a:ea typeface="微軟正黑體" pitchFamily="34" charset="-120"/>
-              </a:rPr>
-              <a:t>能傾倒我所有  是我今生所求</a:t>
-            </a:r>
-            <a:endParaRPr lang="en-US" altLang="zh-TW" sz="5400" b="1" dirty="0" smtClean="0">
-              <a:solidFill>
-                <a:srgbClr val="000066"/>
-              </a:solidFill>
-              <a:latin typeface="微軟正黑體" pitchFamily="34" charset="-120"/>
-              <a:ea typeface="微軟正黑體" pitchFamily="34" charset="-120"/>
-            </a:endParaRPr>
-          </a:p>
-          <a:p>
-            <a:pPr algn="ctr">
-              <a:buNone/>
-            </a:pPr>
-            <a:r>
-              <a:rPr lang="zh-TW" altLang="en-US" sz="5400" b="1" dirty="0" smtClean="0">
-                <a:solidFill>
-                  <a:srgbClr val="000066"/>
-                </a:solidFill>
-                <a:latin typeface="微軟正黑體" pitchFamily="34" charset="-120"/>
-                <a:ea typeface="微軟正黑體" pitchFamily="34" charset="-120"/>
-              </a:rPr>
-              <a:t>從今以後永不回頭</a:t>
-            </a:r>
-            <a:endParaRPr lang="zh-TW" altLang="en-US" sz="5400" b="1" dirty="0">
-              <a:solidFill>
-                <a:srgbClr val="000066"/>
-              </a:solidFill>
-              <a:latin typeface="微軟正黑體" pitchFamily="34" charset="-120"/>
-              <a:ea typeface="微軟正黑體" pitchFamily="34" charset="-120"/>
-            </a:endParaRPr>
-          </a:p>
-        </p:txBody>
-      </p:sp>
-    </p:spTree>
-  </p:cSld>
-  <p:clrMapOvr>
-    <a:masterClrMapping/>
-  </p:clrMapOvr>
-</p:sld>
-</file>
-
-<file path=ppt/slides/slide7.xml><?xml version="1.0" encoding="utf-8"?>
-<p:sld xmlns:a="http://schemas.openxmlformats.org/drawingml/2006/main" xmlns:r="http://schemas.openxmlformats.org/officeDocument/2006/relationships" xmlns:p="http://schemas.openxmlformats.org/presentationml/2006/main">
-  <p:cSld>
-    <p:spTree>
-      <p:nvGrpSpPr>
-        <p:cNvPr id="1" name=""/>
-        <p:cNvGrpSpPr/>
-        <p:nvPr/>
-      </p:nvGrpSpPr>
-      <p:grpSpPr>
-        <a:xfrm>
-          <a:off x="0" y="0"/>
-          <a:ext cx="0" cy="0"/>
-          <a:chOff x="0" y="0"/>
-          <a:chExt cx="0" cy="0"/>
-        </a:xfrm>
-      </p:grpSpPr>
-      <p:sp>
-        <p:nvSpPr>
-          <p:cNvPr id="4" name="標題 3"/>
-          <p:cNvSpPr>
-            <a:spLocks noGrp="1"/>
-          </p:cNvSpPr>
-          <p:nvPr>
-            <p:ph type="title"/>
-          </p:nvPr>
-        </p:nvSpPr>
-        <p:spPr>
-          <a:xfrm>
-            <a:off x="0" y="274638"/>
-            <a:ext cx="9144000" cy="1143000"/>
-          </a:xfrm>
-        </p:spPr>
-        <p:txBody>
-          <a:bodyPr/>
-          <a:lstStyle/>
-          <a:p>
-            <a:r>
-              <a:rPr lang="zh-TW" altLang="en-US" b="1" dirty="0">
-                <a:solidFill>
-                  <a:srgbClr val="000066"/>
-                </a:solidFill>
-                <a:latin typeface="微軟正黑體" pitchFamily="34" charset="-120"/>
-                <a:ea typeface="微軟正黑體" pitchFamily="34" charset="-120"/>
-              </a:rPr>
-              <a:t>傾倒</a:t>
-            </a:r>
-          </a:p>
-        </p:txBody>
-      </p:sp>
-      <p:sp>
-        <p:nvSpPr>
-          <p:cNvPr id="5" name="內容版面配置區 4"/>
-          <p:cNvSpPr>
-            <a:spLocks noGrp="1"/>
-          </p:cNvSpPr>
-          <p:nvPr>
-            <p:ph idx="1"/>
-          </p:nvPr>
-        </p:nvSpPr>
-        <p:spPr>
-          <a:xfrm>
-            <a:off x="0" y="1600200"/>
-            <a:ext cx="9144000" cy="4525963"/>
-          </a:xfrm>
-        </p:spPr>
-        <p:txBody>
-          <a:bodyPr>
-            <a:noAutofit/>
-          </a:bodyPr>
-          <a:lstStyle/>
-          <a:p>
-            <a:pPr algn="ctr">
-              <a:buNone/>
-            </a:pPr>
-            <a:r>
-              <a:rPr lang="zh-TW" altLang="en-US" sz="5400" b="1" dirty="0" smtClean="0">
-                <a:solidFill>
-                  <a:srgbClr val="000066"/>
-                </a:solidFill>
-                <a:latin typeface="微軟正黑體" pitchFamily="34" charset="-120"/>
-                <a:ea typeface="微軟正黑體" pitchFamily="34" charset="-120"/>
-              </a:rPr>
-              <a:t>我的過去  我的未來</a:t>
-            </a:r>
-            <a:endParaRPr lang="en-US" altLang="zh-TW" sz="5400" b="1" dirty="0" smtClean="0">
-              <a:solidFill>
-                <a:srgbClr val="000066"/>
-              </a:solidFill>
-              <a:latin typeface="微軟正黑體" pitchFamily="34" charset="-120"/>
-              <a:ea typeface="微軟正黑體" pitchFamily="34" charset="-120"/>
-            </a:endParaRPr>
-          </a:p>
-          <a:p>
-            <a:pPr algn="ctr">
-              <a:buNone/>
-            </a:pPr>
-            <a:r>
-              <a:rPr lang="zh-TW" altLang="en-US" sz="5400" b="1" dirty="0" smtClean="0">
-                <a:solidFill>
-                  <a:srgbClr val="000066"/>
-                </a:solidFill>
-                <a:latin typeface="微軟正黑體" pitchFamily="34" charset="-120"/>
-                <a:ea typeface="微軟正黑體" pitchFamily="34" charset="-120"/>
-              </a:rPr>
-              <a:t>全然傾倒在祢腳前</a:t>
-            </a:r>
-            <a:endParaRPr lang="en-US" altLang="zh-TW" sz="5400" b="1" dirty="0" smtClean="0">
-              <a:solidFill>
-                <a:srgbClr val="000066"/>
-              </a:solidFill>
-              <a:latin typeface="微軟正黑體" pitchFamily="34" charset="-120"/>
-              <a:ea typeface="微軟正黑體" pitchFamily="34" charset="-120"/>
-            </a:endParaRPr>
-          </a:p>
-          <a:p>
-            <a:pPr algn="ctr">
-              <a:buNone/>
-            </a:pPr>
-            <a:r>
-              <a:rPr lang="zh-TW" altLang="en-US" sz="5400" b="1" dirty="0" smtClean="0">
-                <a:solidFill>
-                  <a:srgbClr val="000066"/>
-                </a:solidFill>
-                <a:latin typeface="微軟正黑體" pitchFamily="34" charset="-120"/>
-                <a:ea typeface="微軟正黑體" pitchFamily="34" charset="-120"/>
-              </a:rPr>
-              <a:t>我的過去  我的未來</a:t>
-            </a:r>
-            <a:endParaRPr lang="en-US" altLang="zh-TW" sz="5400" b="1" dirty="0" smtClean="0">
-              <a:solidFill>
-                <a:srgbClr val="000066"/>
-              </a:solidFill>
-              <a:latin typeface="微軟正黑體" pitchFamily="34" charset="-120"/>
-              <a:ea typeface="微軟正黑體" pitchFamily="34" charset="-120"/>
-            </a:endParaRPr>
-          </a:p>
-          <a:p>
-            <a:pPr algn="ctr">
-              <a:buNone/>
-            </a:pPr>
-            <a:r>
-              <a:rPr lang="zh-TW" altLang="en-US" sz="5400" b="1" dirty="0" smtClean="0">
-                <a:solidFill>
-                  <a:srgbClr val="000066"/>
-                </a:solidFill>
-                <a:latin typeface="微軟正黑體" pitchFamily="34" charset="-120"/>
-                <a:ea typeface="微軟正黑體" pitchFamily="34" charset="-120"/>
-              </a:rPr>
-              <a:t>全然傾倒給祢</a:t>
-            </a:r>
-            <a:endParaRPr lang="zh-TW" altLang="en-US" sz="5400" b="1" dirty="0">
-              <a:solidFill>
-                <a:srgbClr val="000066"/>
-              </a:solidFill>
-              <a:latin typeface="微軟正黑體" pitchFamily="34" charset="-120"/>
-              <a:ea typeface="微軟正黑體" pitchFamily="34" charset="-120"/>
-            </a:endParaRPr>
           </a:p>
         </p:txBody>
       </p:sp>

--- a/勇敢走出去(崇拜版).pptx
+++ b/勇敢走出去(崇拜版).pptx
@@ -9,6 +9,11 @@
     <p:sldId id="257" r:id="rId3"/>
     <p:sldId id="258" r:id="rId4"/>
     <p:sldId id="259" r:id="rId5"/>
+    <p:sldId id="260" r:id="rId6"/>
+    <p:sldId id="261" r:id="rId7"/>
+    <p:sldId id="262" r:id="rId8"/>
+    <p:sldId id="263" r:id="rId9"/>
+    <p:sldId id="264" r:id="rId10"/>
   </p:sldIdLst>
   <p:sldSz cx="12192000" cy="6858000"/>
   <p:notesSz cx="6858000" cy="9144000"/>
@@ -308,7 +313,7 @@
             <a:fld id="{AB374245-5B8A-4302-894E-2CCC6B647891}" type="datetimeFigureOut">
               <a:rPr lang="zh-TW" altLang="en-US" smtClean="0"/>
               <a:pPr/>
-              <a:t>2020/5/23</a:t>
+              <a:t>2020/12/12</a:t>
             </a:fld>
             <a:endParaRPr lang="zh-TW" altLang="en-US"/>
           </a:p>
@@ -475,7 +480,7 @@
             <a:fld id="{AB374245-5B8A-4302-894E-2CCC6B647891}" type="datetimeFigureOut">
               <a:rPr lang="zh-TW" altLang="en-US" smtClean="0"/>
               <a:pPr/>
-              <a:t>2020/5/23</a:t>
+              <a:t>2020/12/12</a:t>
             </a:fld>
             <a:endParaRPr lang="zh-TW" altLang="en-US"/>
           </a:p>
@@ -652,7 +657,7 @@
             <a:fld id="{AB374245-5B8A-4302-894E-2CCC6B647891}" type="datetimeFigureOut">
               <a:rPr lang="zh-TW" altLang="en-US" smtClean="0"/>
               <a:pPr/>
-              <a:t>2020/5/23</a:t>
+              <a:t>2020/12/12</a:t>
             </a:fld>
             <a:endParaRPr lang="zh-TW" altLang="en-US"/>
           </a:p>
@@ -819,7 +824,7 @@
             <a:fld id="{AB374245-5B8A-4302-894E-2CCC6B647891}" type="datetimeFigureOut">
               <a:rPr lang="zh-TW" altLang="en-US" smtClean="0"/>
               <a:pPr/>
-              <a:t>2020/5/23</a:t>
+              <a:t>2020/12/12</a:t>
             </a:fld>
             <a:endParaRPr lang="zh-TW" altLang="en-US"/>
           </a:p>
@@ -1062,7 +1067,7 @@
             <a:fld id="{AB374245-5B8A-4302-894E-2CCC6B647891}" type="datetimeFigureOut">
               <a:rPr lang="zh-TW" altLang="en-US" smtClean="0"/>
               <a:pPr/>
-              <a:t>2020/5/23</a:t>
+              <a:t>2020/12/12</a:t>
             </a:fld>
             <a:endParaRPr lang="zh-TW" altLang="en-US"/>
           </a:p>
@@ -1347,7 +1352,7 @@
             <a:fld id="{AB374245-5B8A-4302-894E-2CCC6B647891}" type="datetimeFigureOut">
               <a:rPr lang="zh-TW" altLang="en-US" smtClean="0"/>
               <a:pPr/>
-              <a:t>2020/5/23</a:t>
+              <a:t>2020/12/12</a:t>
             </a:fld>
             <a:endParaRPr lang="zh-TW" altLang="en-US"/>
           </a:p>
@@ -1766,7 +1771,7 @@
             <a:fld id="{AB374245-5B8A-4302-894E-2CCC6B647891}" type="datetimeFigureOut">
               <a:rPr lang="zh-TW" altLang="en-US" smtClean="0"/>
               <a:pPr/>
-              <a:t>2020/5/23</a:t>
+              <a:t>2020/12/12</a:t>
             </a:fld>
             <a:endParaRPr lang="zh-TW" altLang="en-US"/>
           </a:p>
@@ -1881,7 +1886,7 @@
             <a:fld id="{AB374245-5B8A-4302-894E-2CCC6B647891}" type="datetimeFigureOut">
               <a:rPr lang="zh-TW" altLang="en-US" smtClean="0"/>
               <a:pPr/>
-              <a:t>2020/5/23</a:t>
+              <a:t>2020/12/12</a:t>
             </a:fld>
             <a:endParaRPr lang="zh-TW" altLang="en-US"/>
           </a:p>
@@ -1973,7 +1978,7 @@
             <a:fld id="{AB374245-5B8A-4302-894E-2CCC6B647891}" type="datetimeFigureOut">
               <a:rPr lang="zh-TW" altLang="en-US" smtClean="0"/>
               <a:pPr/>
-              <a:t>2020/5/23</a:t>
+              <a:t>2020/12/12</a:t>
             </a:fld>
             <a:endParaRPr lang="zh-TW" altLang="en-US"/>
           </a:p>
@@ -2247,7 +2252,7 @@
             <a:fld id="{AB374245-5B8A-4302-894E-2CCC6B647891}" type="datetimeFigureOut">
               <a:rPr lang="zh-TW" altLang="en-US" smtClean="0"/>
               <a:pPr/>
-              <a:t>2020/5/23</a:t>
+              <a:t>2020/12/12</a:t>
             </a:fld>
             <a:endParaRPr lang="zh-TW" altLang="en-US"/>
           </a:p>
@@ -2501,7 +2506,7 @@
             <a:fld id="{AB374245-5B8A-4302-894E-2CCC6B647891}" type="datetimeFigureOut">
               <a:rPr lang="zh-TW" altLang="en-US" smtClean="0"/>
               <a:pPr/>
-              <a:t>2020/5/23</a:t>
+              <a:t>2020/12/12</a:t>
             </a:fld>
             <a:endParaRPr lang="zh-TW" altLang="en-US"/>
           </a:p>
@@ -2716,7 +2721,7 @@
             <a:fld id="{AB374245-5B8A-4302-894E-2CCC6B647891}" type="datetimeFigureOut">
               <a:rPr lang="zh-TW" altLang="en-US" smtClean="0"/>
               <a:pPr/>
-              <a:t>2020/5/23</a:t>
+              <a:t>2020/12/12</a:t>
             </a:fld>
             <a:endParaRPr lang="zh-TW" altLang="en-US"/>
           </a:p>
@@ -3099,261 +3104,73 @@
         </p:nvSpPr>
         <p:spPr>
           <a:xfrm>
-            <a:off x="1952596" y="285728"/>
-            <a:ext cx="8229600" cy="1143000"/>
+            <a:off x="0" y="2857513"/>
+            <a:ext cx="12192000" cy="1143000"/>
           </a:xfrm>
         </p:spPr>
         <p:txBody>
           <a:bodyPr>
-            <a:normAutofit/>
+            <a:noAutofit/>
           </a:bodyPr>
           <a:lstStyle/>
           <a:p>
             <a:r>
-              <a:rPr lang="zh-CN" altLang="en-US" sz="4800" b="1" dirty="0" smtClean="0">
+              <a:rPr lang="zh-CN" altLang="en-US" sz="7200" b="1" i="1" dirty="0">
                 <a:solidFill>
                   <a:srgbClr val="660033"/>
                 </a:solidFill>
+                <a:effectLst>
+                  <a:outerShdw blurRad="38100" dist="38100" dir="2700000" algn="tl">
+                    <a:srgbClr val="000000">
+                      <a:alpha val="43137"/>
+                    </a:srgbClr>
+                  </a:outerShdw>
+                </a:effectLst>
                 <a:latin typeface="微軟正黑體" pitchFamily="34" charset="-120"/>
                 <a:ea typeface="微軟正黑體" pitchFamily="34" charset="-120"/>
               </a:rPr>
-              <a:t>勇敢走出去</a:t>
-            </a:r>
-            <a:endParaRPr lang="zh-TW" altLang="en-US" sz="4800" b="1" dirty="0">
+              <a:t>勇</a:t>
+            </a:r>
+            <a:r>
+              <a:rPr lang="zh-CN" altLang="en-US" sz="7200" b="1" i="1" dirty="0">
+                <a:solidFill>
+                  <a:srgbClr val="660033"/>
+                </a:solidFill>
+                <a:effectLst>
+                  <a:outerShdw blurRad="38100" dist="38100" dir="2700000" algn="tl">
+                    <a:srgbClr val="000000">
+                      <a:alpha val="43137"/>
+                    </a:srgbClr>
+                  </a:outerShdw>
+                </a:effectLst>
+                <a:latin typeface="微軟正黑體" pitchFamily="34" charset="-120"/>
+                <a:ea typeface="微軟正黑體" pitchFamily="34" charset="-120"/>
+              </a:rPr>
+              <a:t>敢走出去</a:t>
+            </a:r>
+            <a:endParaRPr lang="zh-TW" altLang="en-US" sz="7200" b="1" i="1" dirty="0">
               <a:solidFill>
                 <a:srgbClr val="660033"/>
               </a:solidFill>
+              <a:effectLst>
+                <a:outerShdw blurRad="38100" dist="38100" dir="2700000" algn="tl">
+                  <a:srgbClr val="000000">
+                    <a:alpha val="43137"/>
+                  </a:srgbClr>
+                </a:outerShdw>
+              </a:effectLst>
               <a:latin typeface="微軟正黑體" pitchFamily="34" charset="-120"/>
               <a:ea typeface="微軟正黑體" pitchFamily="34" charset="-120"/>
             </a:endParaRPr>
           </a:p>
         </p:txBody>
       </p:sp>
-      <p:sp>
-        <p:nvSpPr>
-          <p:cNvPr id="5" name="內容版面配置區 4"/>
-          <p:cNvSpPr>
-            <a:spLocks noGrp="1"/>
-          </p:cNvSpPr>
-          <p:nvPr>
-            <p:ph idx="1"/>
-          </p:nvPr>
-        </p:nvSpPr>
-        <p:spPr>
-          <a:xfrm>
-            <a:off x="1524000" y="1600201"/>
-            <a:ext cx="9144000" cy="4525963"/>
-          </a:xfrm>
-        </p:spPr>
-        <p:txBody>
-          <a:bodyPr>
-            <a:noAutofit/>
-          </a:bodyPr>
-          <a:lstStyle/>
-          <a:p>
-            <a:pPr algn="ctr">
-              <a:buNone/>
-            </a:pPr>
-            <a:r>
-              <a:rPr lang="zh-TW" altLang="en-US" sz="5400" b="1" dirty="0">
-                <a:solidFill>
-                  <a:srgbClr val="660033"/>
-                </a:solidFill>
-                <a:latin typeface="微軟正黑體" pitchFamily="34" charset="-120"/>
-                <a:ea typeface="微軟正黑體" pitchFamily="34" charset="-120"/>
-              </a:rPr>
-              <a:t>我並不</a:t>
-            </a:r>
-            <a:r>
-              <a:rPr lang="zh-TW" altLang="en-US" sz="5400" b="1" dirty="0">
-                <a:solidFill>
-                  <a:srgbClr val="660033"/>
-                </a:solidFill>
-                <a:latin typeface="微軟正黑體" pitchFamily="34" charset="-120"/>
-                <a:ea typeface="微軟正黑體" pitchFamily="34" charset="-120"/>
-              </a:rPr>
-              <a:t>完美  也</a:t>
-            </a:r>
-            <a:r>
-              <a:rPr lang="zh-TW" altLang="en-US" sz="5400" b="1" dirty="0">
-                <a:solidFill>
-                  <a:srgbClr val="660033"/>
-                </a:solidFill>
-                <a:latin typeface="微軟正黑體" pitchFamily="34" charset="-120"/>
-                <a:ea typeface="微軟正黑體" pitchFamily="34" charset="-120"/>
-              </a:rPr>
-              <a:t>並不</a:t>
-            </a:r>
-            <a:r>
-              <a:rPr lang="zh-TW" altLang="en-US" sz="5400" b="1" dirty="0">
-                <a:solidFill>
-                  <a:srgbClr val="660033"/>
-                </a:solidFill>
-                <a:latin typeface="微軟正黑體" pitchFamily="34" charset="-120"/>
-                <a:ea typeface="微軟正黑體" pitchFamily="34" charset="-120"/>
-              </a:rPr>
-              <a:t>特別</a:t>
-            </a:r>
-            <a:endParaRPr lang="en-US" altLang="zh-TW" sz="5400" b="1" dirty="0">
-              <a:solidFill>
-                <a:srgbClr val="660033"/>
-              </a:solidFill>
-              <a:latin typeface="微軟正黑體" pitchFamily="34" charset="-120"/>
-              <a:ea typeface="微軟正黑體" pitchFamily="34" charset="-120"/>
-            </a:endParaRPr>
-          </a:p>
-          <a:p>
-            <a:pPr algn="ctr">
-              <a:buNone/>
-            </a:pPr>
-            <a:r>
-              <a:rPr lang="zh-TW" altLang="en-US" sz="5400" b="1" dirty="0">
-                <a:solidFill>
-                  <a:srgbClr val="660033"/>
-                </a:solidFill>
-                <a:latin typeface="微軟正黑體" pitchFamily="34" charset="-120"/>
-                <a:ea typeface="微軟正黑體" pitchFamily="34" charset="-120"/>
-              </a:rPr>
-              <a:t>而</a:t>
-            </a:r>
-            <a:r>
-              <a:rPr lang="zh-TW" altLang="en-US" sz="5400" b="1" dirty="0">
-                <a:solidFill>
-                  <a:srgbClr val="660033"/>
-                </a:solidFill>
-                <a:latin typeface="微軟正黑體" pitchFamily="34" charset="-120"/>
-                <a:ea typeface="微軟正黑體" pitchFamily="34" charset="-120"/>
-              </a:rPr>
-              <a:t>你卻是為我捨棄生命的</a:t>
-            </a:r>
-            <a:r>
-              <a:rPr lang="zh-TW" altLang="en-US" sz="5400" b="1" dirty="0">
-                <a:solidFill>
-                  <a:srgbClr val="660033"/>
-                </a:solidFill>
-                <a:latin typeface="微軟正黑體" pitchFamily="34" charset="-120"/>
-                <a:ea typeface="微軟正黑體" pitchFamily="34" charset="-120"/>
-              </a:rPr>
-              <a:t>主</a:t>
-            </a:r>
-            <a:endParaRPr lang="en-US" altLang="zh-TW" sz="5400" b="1" dirty="0">
-              <a:solidFill>
-                <a:srgbClr val="660033"/>
-              </a:solidFill>
-              <a:latin typeface="微軟正黑體" pitchFamily="34" charset="-120"/>
-              <a:ea typeface="微軟正黑體" pitchFamily="34" charset="-120"/>
-            </a:endParaRPr>
-          </a:p>
-          <a:p>
-            <a:pPr algn="ctr">
-              <a:buNone/>
-            </a:pPr>
-            <a:r>
-              <a:rPr lang="zh-TW" altLang="en-US" sz="5400" b="1" dirty="0">
-                <a:solidFill>
-                  <a:srgbClr val="660033"/>
-                </a:solidFill>
-                <a:latin typeface="微軟正黑體" pitchFamily="34" charset="-120"/>
-                <a:ea typeface="微軟正黑體" pitchFamily="34" charset="-120"/>
-              </a:rPr>
-              <a:t>我</a:t>
-            </a:r>
-            <a:r>
-              <a:rPr lang="zh-TW" altLang="en-US" sz="5400" b="1" dirty="0">
-                <a:solidFill>
-                  <a:srgbClr val="660033"/>
-                </a:solidFill>
-                <a:latin typeface="微軟正黑體" pitchFamily="34" charset="-120"/>
-                <a:ea typeface="微軟正黑體" pitchFamily="34" charset="-120"/>
-              </a:rPr>
-              <a:t>時常</a:t>
-            </a:r>
-            <a:r>
-              <a:rPr lang="zh-TW" altLang="en-US" sz="5400" b="1" dirty="0">
-                <a:solidFill>
-                  <a:srgbClr val="660033"/>
-                </a:solidFill>
-                <a:latin typeface="微軟正黑體" pitchFamily="34" charset="-120"/>
-                <a:ea typeface="微軟正黑體" pitchFamily="34" charset="-120"/>
-              </a:rPr>
-              <a:t>軟弱  有</a:t>
-            </a:r>
-            <a:r>
-              <a:rPr lang="zh-TW" altLang="en-US" sz="5400" b="1" dirty="0">
-                <a:solidFill>
-                  <a:srgbClr val="660033"/>
-                </a:solidFill>
-                <a:latin typeface="微軟正黑體" pitchFamily="34" charset="-120"/>
-                <a:ea typeface="微軟正黑體" pitchFamily="34" charset="-120"/>
-              </a:rPr>
-              <a:t>時會</a:t>
-            </a:r>
-            <a:r>
-              <a:rPr lang="zh-TW" altLang="en-US" sz="5400" b="1" dirty="0">
-                <a:solidFill>
-                  <a:srgbClr val="660033"/>
-                </a:solidFill>
-                <a:latin typeface="微軟正黑體" pitchFamily="34" charset="-120"/>
-                <a:ea typeface="微軟正黑體" pitchFamily="34" charset="-120"/>
-              </a:rPr>
-              <a:t>迷惑</a:t>
-            </a:r>
-            <a:endParaRPr lang="en-US" altLang="zh-TW" sz="5400" b="1" dirty="0">
-              <a:solidFill>
-                <a:srgbClr val="660033"/>
-              </a:solidFill>
-              <a:latin typeface="微軟正黑體" pitchFamily="34" charset="-120"/>
-              <a:ea typeface="微軟正黑體" pitchFamily="34" charset="-120"/>
-            </a:endParaRPr>
-          </a:p>
-          <a:p>
-            <a:pPr algn="ctr">
-              <a:buNone/>
-            </a:pPr>
-            <a:r>
-              <a:rPr lang="zh-TW" altLang="en-US" sz="5400" b="1" dirty="0" smtClean="0">
-                <a:solidFill>
-                  <a:srgbClr val="660033"/>
-                </a:solidFill>
-                <a:latin typeface="微軟正黑體" pitchFamily="34" charset="-120"/>
-                <a:ea typeface="微軟正黑體" pitchFamily="34" charset="-120"/>
-              </a:rPr>
-              <a:t>但</a:t>
-            </a:r>
-            <a:r>
-              <a:rPr lang="zh-CN" altLang="en-US" sz="5400" b="1" dirty="0">
-                <a:solidFill>
-                  <a:srgbClr val="660033"/>
-                </a:solidFill>
-                <a:latin typeface="微軟正黑體" pitchFamily="34" charset="-120"/>
-                <a:ea typeface="微軟正黑體" pitchFamily="34" charset="-120"/>
-              </a:rPr>
-              <a:t>袮</a:t>
-            </a:r>
-            <a:r>
-              <a:rPr lang="zh-TW" altLang="en-US" sz="5400" b="1" dirty="0" smtClean="0">
-                <a:solidFill>
-                  <a:srgbClr val="660033"/>
-                </a:solidFill>
-                <a:latin typeface="微軟正黑體" pitchFamily="34" charset="-120"/>
-                <a:ea typeface="微軟正黑體" pitchFamily="34" charset="-120"/>
-              </a:rPr>
-              <a:t>是</a:t>
-            </a:r>
-            <a:r>
-              <a:rPr lang="zh-TW" altLang="en-US" sz="5400" b="1" dirty="0">
-                <a:solidFill>
-                  <a:srgbClr val="660033"/>
-                </a:solidFill>
-                <a:latin typeface="微軟正黑體" pitchFamily="34" charset="-120"/>
-                <a:ea typeface="微軟正黑體" pitchFamily="34" charset="-120"/>
-              </a:rPr>
-              <a:t>道路真理和生命</a:t>
-            </a:r>
-          </a:p>
-        </p:txBody>
-      </p:sp>
     </p:spTree>
+    <p:extLst>
+      <p:ext uri="{BB962C8B-B14F-4D97-AF65-F5344CB8AC3E}">
+        <p14:creationId xmlns:p14="http://schemas.microsoft.com/office/powerpoint/2010/main" val="460799801"/>
+      </p:ext>
+    </p:extLst>
   </p:cSld>
   <p:clrMapOvr>
     <a:masterClrMapping/>
@@ -3380,37 +3197,40 @@
       </p:grpSpPr>
       <p:sp>
         <p:nvSpPr>
-          <p:cNvPr id="4" name="標題 3"/>
-          <p:cNvSpPr>
-            <a:spLocks noGrp="1"/>
-          </p:cNvSpPr>
-          <p:nvPr>
-            <p:ph type="title"/>
+          <p:cNvPr id="5" name="內容版面配置區 4"/>
+          <p:cNvSpPr>
+            <a:spLocks noGrp="1"/>
+          </p:cNvSpPr>
+          <p:nvPr>
+            <p:ph idx="1"/>
           </p:nvPr>
         </p:nvSpPr>
         <p:spPr>
           <a:xfrm>
-            <a:off x="1952596" y="285728"/>
-            <a:ext cx="8229600" cy="1143000"/>
+            <a:off x="0" y="2084851"/>
+            <a:ext cx="12192000" cy="2404863"/>
           </a:xfrm>
         </p:spPr>
         <p:txBody>
-          <a:bodyPr>
+          <a:bodyPr anchor="ctr">
             <a:normAutofit/>
           </a:bodyPr>
           <a:lstStyle/>
           <a:p>
-            <a:r>
-              <a:rPr lang="zh-CN" altLang="en-US" sz="4800" b="1" dirty="0">
+            <a:pPr algn="ctr">
+              <a:buNone/>
+            </a:pPr>
+            <a:r>
+              <a:rPr lang="zh-TW" altLang="en-US" sz="6400" b="1" dirty="0">
                 <a:solidFill>
                   <a:srgbClr val="660033"/>
                 </a:solidFill>
                 <a:latin typeface="微軟正黑體" pitchFamily="34" charset="-120"/>
                 <a:ea typeface="微軟正黑體" pitchFamily="34" charset="-120"/>
               </a:rPr>
-              <a:t>勇敢走出去</a:t>
-            </a:r>
-            <a:endParaRPr lang="zh-TW" altLang="en-US" sz="4800" b="1" dirty="0">
+              <a:t>我並不完美  也並不特別</a:t>
+            </a:r>
+            <a:endParaRPr lang="en-US" altLang="zh-TW" sz="6400" b="1" dirty="0">
               <a:solidFill>
                 <a:srgbClr val="660033"/>
               </a:solidFill>
@@ -3418,74 +3238,21 @@
               <a:ea typeface="微軟正黑體" pitchFamily="34" charset="-120"/>
             </a:endParaRPr>
           </a:p>
-        </p:txBody>
-      </p:sp>
-      <p:sp>
-        <p:nvSpPr>
-          <p:cNvPr id="5" name="內容版面配置區 4"/>
-          <p:cNvSpPr>
-            <a:spLocks noGrp="1"/>
-          </p:cNvSpPr>
-          <p:nvPr>
-            <p:ph idx="1"/>
-          </p:nvPr>
-        </p:nvSpPr>
-        <p:spPr>
-          <a:xfrm>
-            <a:off x="1524000" y="1600201"/>
-            <a:ext cx="9144000" cy="4525963"/>
-          </a:xfrm>
-        </p:spPr>
-        <p:txBody>
-          <a:bodyPr>
-            <a:noAutofit/>
-          </a:bodyPr>
-          <a:lstStyle/>
           <a:p>
             <a:pPr algn="ctr">
               <a:buNone/>
             </a:pPr>
             <a:r>
-              <a:rPr lang="zh-TW" altLang="en-US" sz="5400" b="1" dirty="0" smtClean="0">
+              <a:rPr lang="zh-TW" altLang="en-US" sz="6400" b="1" dirty="0">
                 <a:solidFill>
                   <a:srgbClr val="660033"/>
                 </a:solidFill>
                 <a:latin typeface="微軟正黑體" pitchFamily="34" charset="-120"/>
                 <a:ea typeface="微軟正黑體" pitchFamily="34" charset="-120"/>
               </a:rPr>
-              <a:t>主</a:t>
-            </a:r>
-            <a:r>
-              <a:rPr lang="zh-CN" altLang="en-US" sz="5400" b="1" dirty="0">
-                <a:solidFill>
-                  <a:srgbClr val="660033"/>
-                </a:solidFill>
-                <a:latin typeface="微軟正黑體" pitchFamily="34" charset="-120"/>
-                <a:ea typeface="微軟正黑體" pitchFamily="34" charset="-120"/>
-              </a:rPr>
-              <a:t>袮</a:t>
-            </a:r>
-            <a:r>
-              <a:rPr lang="zh-TW" altLang="en-US" sz="5400" b="1" dirty="0" smtClean="0">
-                <a:solidFill>
-                  <a:srgbClr val="660033"/>
-                </a:solidFill>
-                <a:latin typeface="微軟正黑體" pitchFamily="34" charset="-120"/>
-                <a:ea typeface="微軟正黑體" pitchFamily="34" charset="-120"/>
-              </a:rPr>
-              <a:t>要</a:t>
-            </a:r>
-            <a:r>
-              <a:rPr lang="zh-TW" altLang="en-US" sz="5400" b="1" dirty="0">
-                <a:solidFill>
-                  <a:srgbClr val="660033"/>
-                </a:solidFill>
-                <a:latin typeface="微軟正黑體" pitchFamily="34" charset="-120"/>
-                <a:ea typeface="微軟正黑體" pitchFamily="34" charset="-120"/>
-              </a:rPr>
-              <a:t>往哪裡走</a:t>
-            </a:r>
-            <a:endParaRPr lang="en-US" altLang="zh-TW" sz="5400" b="1" dirty="0">
+              <a:t>而你卻是為我捨棄生命的主</a:t>
+            </a:r>
+            <a:endParaRPr lang="en-US" altLang="zh-TW" sz="6400" b="1" dirty="0">
               <a:solidFill>
                 <a:srgbClr val="660033"/>
               </a:solidFill>
@@ -3493,105 +3260,14 @@
               <a:ea typeface="微軟正黑體" pitchFamily="34" charset="-120"/>
             </a:endParaRPr>
           </a:p>
-          <a:p>
-            <a:pPr algn="ctr">
-              <a:buNone/>
-            </a:pPr>
-            <a:r>
-              <a:rPr lang="zh-TW" altLang="en-US" sz="5400" b="1" dirty="0">
-                <a:solidFill>
-                  <a:srgbClr val="660033"/>
-                </a:solidFill>
-                <a:latin typeface="微軟正黑體" pitchFamily="34" charset="-120"/>
-                <a:ea typeface="微軟正黑體" pitchFamily="34" charset="-120"/>
-              </a:rPr>
-              <a:t>我就</a:t>
-            </a:r>
-            <a:r>
-              <a:rPr lang="zh-TW" altLang="en-US" sz="5400" b="1" dirty="0" smtClean="0">
-                <a:solidFill>
-                  <a:srgbClr val="660033"/>
-                </a:solidFill>
-                <a:latin typeface="微軟正黑體" pitchFamily="34" charset="-120"/>
-                <a:ea typeface="微軟正黑體" pitchFamily="34" charset="-120"/>
-              </a:rPr>
-              <a:t>跟</a:t>
-            </a:r>
-            <a:r>
-              <a:rPr lang="zh-CN" altLang="en-US" sz="5400" b="1" dirty="0">
-                <a:solidFill>
-                  <a:srgbClr val="660033"/>
-                </a:solidFill>
-                <a:latin typeface="微軟正黑體" pitchFamily="34" charset="-120"/>
-                <a:ea typeface="微軟正黑體" pitchFamily="34" charset="-120"/>
-              </a:rPr>
-              <a:t>袮</a:t>
-            </a:r>
-            <a:r>
-              <a:rPr lang="zh-TW" altLang="en-US" sz="5400" b="1" dirty="0" smtClean="0">
-                <a:solidFill>
-                  <a:srgbClr val="660033"/>
-                </a:solidFill>
-                <a:latin typeface="微軟正黑體" pitchFamily="34" charset="-120"/>
-                <a:ea typeface="微軟正黑體" pitchFamily="34" charset="-120"/>
-              </a:rPr>
-              <a:t>走</a:t>
-            </a:r>
-            <a:endParaRPr lang="en-US" altLang="zh-TW" sz="5400" b="1" dirty="0">
-              <a:solidFill>
-                <a:srgbClr val="660033"/>
-              </a:solidFill>
-              <a:latin typeface="微軟正黑體" pitchFamily="34" charset="-120"/>
-              <a:ea typeface="微軟正黑體" pitchFamily="34" charset="-120"/>
-            </a:endParaRPr>
-          </a:p>
-          <a:p>
-            <a:pPr algn="ctr">
-              <a:buNone/>
-            </a:pPr>
-            <a:r>
-              <a:rPr lang="zh-TW" altLang="en-US" sz="5400" b="1" dirty="0">
-                <a:solidFill>
-                  <a:srgbClr val="660033"/>
-                </a:solidFill>
-                <a:latin typeface="微軟正黑體" pitchFamily="34" charset="-120"/>
-                <a:ea typeface="微軟正黑體" pitchFamily="34" charset="-120"/>
-              </a:rPr>
-              <a:t>領我走到世界盡頭</a:t>
-            </a:r>
-            <a:endParaRPr lang="en-US" altLang="zh-TW" sz="5400" b="1" dirty="0">
-              <a:solidFill>
-                <a:srgbClr val="660033"/>
-              </a:solidFill>
-              <a:latin typeface="微軟正黑體" pitchFamily="34" charset="-120"/>
-              <a:ea typeface="微軟正黑體" pitchFamily="34" charset="-120"/>
-            </a:endParaRPr>
-          </a:p>
-          <a:p>
-            <a:pPr algn="ctr">
-              <a:buNone/>
-            </a:pPr>
-            <a:r>
-              <a:rPr lang="zh-TW" altLang="en-US" sz="5400" b="1" dirty="0">
-                <a:solidFill>
-                  <a:srgbClr val="660033"/>
-                </a:solidFill>
-                <a:latin typeface="微軟正黑體" pitchFamily="34" charset="-120"/>
-                <a:ea typeface="微軟正黑體" pitchFamily="34" charset="-120"/>
-              </a:rPr>
-              <a:t>一生不再回頭</a:t>
-            </a:r>
-            <a:endParaRPr lang="zh-TW" altLang="en-US" sz="5400" b="1" dirty="0">
-              <a:solidFill>
-                <a:srgbClr val="660033"/>
-              </a:solidFill>
-              <a:latin typeface="微軟正黑體" pitchFamily="34" charset="-120"/>
-              <a:ea typeface="微軟正黑體" pitchFamily="34" charset="-120"/>
-            </a:endParaRPr>
-          </a:p>
         </p:txBody>
       </p:sp>
     </p:spTree>
+    <p:extLst>
+      <p:ext uri="{BB962C8B-B14F-4D97-AF65-F5344CB8AC3E}">
+        <p14:creationId xmlns:p14="http://schemas.microsoft.com/office/powerpoint/2010/main" val="2380231301"/>
+      </p:ext>
+    </p:extLst>
   </p:cSld>
   <p:clrMapOvr>
     <a:masterClrMapping/>
@@ -3618,37 +3294,40 @@
       </p:grpSpPr>
       <p:sp>
         <p:nvSpPr>
-          <p:cNvPr id="4" name="標題 3"/>
-          <p:cNvSpPr>
-            <a:spLocks noGrp="1"/>
-          </p:cNvSpPr>
-          <p:nvPr>
-            <p:ph type="title"/>
+          <p:cNvPr id="5" name="內容版面配置區 4"/>
+          <p:cNvSpPr>
+            <a:spLocks noGrp="1"/>
+          </p:cNvSpPr>
+          <p:nvPr>
+            <p:ph idx="1"/>
           </p:nvPr>
         </p:nvSpPr>
         <p:spPr>
           <a:xfrm>
-            <a:off x="1952596" y="285728"/>
-            <a:ext cx="8229600" cy="1143000"/>
+            <a:off x="0" y="2084851"/>
+            <a:ext cx="12192000" cy="2404863"/>
           </a:xfrm>
         </p:spPr>
         <p:txBody>
-          <a:bodyPr>
+          <a:bodyPr anchor="ctr">
             <a:normAutofit/>
           </a:bodyPr>
           <a:lstStyle/>
           <a:p>
-            <a:r>
-              <a:rPr lang="zh-CN" altLang="en-US" sz="4800" b="1" dirty="0">
+            <a:pPr algn="ctr">
+              <a:buNone/>
+            </a:pPr>
+            <a:r>
+              <a:rPr lang="zh-TW" altLang="en-US" sz="6400" b="1" dirty="0">
                 <a:solidFill>
                   <a:srgbClr val="660033"/>
                 </a:solidFill>
                 <a:latin typeface="微軟正黑體" pitchFamily="34" charset="-120"/>
                 <a:ea typeface="微軟正黑體" pitchFamily="34" charset="-120"/>
               </a:rPr>
-              <a:t>勇敢走出去</a:t>
-            </a:r>
-            <a:endParaRPr lang="zh-TW" altLang="en-US" sz="4800" b="1" dirty="0">
+              <a:t>我時常軟弱  有時會迷惑</a:t>
+            </a:r>
+            <a:endParaRPr lang="en-US" altLang="zh-TW" sz="6400" b="1" dirty="0">
               <a:solidFill>
                 <a:srgbClr val="660033"/>
               </a:solidFill>
@@ -3656,44 +3335,41 @@
               <a:ea typeface="微軟正黑體" pitchFamily="34" charset="-120"/>
             </a:endParaRPr>
           </a:p>
-        </p:txBody>
-      </p:sp>
-      <p:sp>
-        <p:nvSpPr>
-          <p:cNvPr id="5" name="內容版面配置區 4"/>
-          <p:cNvSpPr>
-            <a:spLocks noGrp="1"/>
-          </p:cNvSpPr>
-          <p:nvPr>
-            <p:ph idx="1"/>
-          </p:nvPr>
-        </p:nvSpPr>
-        <p:spPr>
-          <a:xfrm>
-            <a:off x="1524000" y="1600201"/>
-            <a:ext cx="9144000" cy="4525963"/>
-          </a:xfrm>
-        </p:spPr>
-        <p:txBody>
-          <a:bodyPr>
-            <a:noAutofit/>
-          </a:bodyPr>
-          <a:lstStyle/>
           <a:p>
             <a:pPr algn="ctr">
               <a:buNone/>
             </a:pPr>
             <a:r>
-              <a:rPr lang="zh-TW" altLang="en-US" sz="5400" b="1" dirty="0">
+              <a:rPr lang="zh-TW" altLang="en-US" sz="6400" b="1" dirty="0">
                 <a:solidFill>
                   <a:srgbClr val="660033"/>
                 </a:solidFill>
                 <a:latin typeface="微軟正黑體" pitchFamily="34" charset="-120"/>
                 <a:ea typeface="微軟正黑體" pitchFamily="34" charset="-120"/>
               </a:rPr>
-              <a:t>讓世界聽到我們敬拜</a:t>
-            </a:r>
-            <a:endParaRPr lang="en-US" altLang="zh-TW" sz="5400" b="1" dirty="0">
+              <a:t>但</a:t>
+            </a:r>
+            <a:r>
+              <a:rPr lang="zh-CN" altLang="en-US" sz="6400" b="1" dirty="0">
+                <a:solidFill>
+                  <a:srgbClr val="660033"/>
+                </a:solidFill>
+                <a:latin typeface="微軟正黑體" pitchFamily="34" charset="-120"/>
+                <a:ea typeface="微軟正黑體" pitchFamily="34" charset="-120"/>
+              </a:rPr>
+              <a:t>袮</a:t>
+            </a:r>
+            <a:r>
+              <a:rPr lang="zh-TW" altLang="en-US" sz="6400" b="1" dirty="0">
+                <a:solidFill>
+                  <a:srgbClr val="660033"/>
+                </a:solidFill>
+                <a:latin typeface="微軟正黑體" pitchFamily="34" charset="-120"/>
+                <a:ea typeface="微軟正黑體" pitchFamily="34" charset="-120"/>
+              </a:rPr>
+              <a:t>是道路真理和生命</a:t>
+            </a:r>
+            <a:endParaRPr lang="zh-TW" altLang="en-US" sz="6400" b="1" dirty="0">
               <a:solidFill>
                 <a:srgbClr val="660033"/>
               </a:solidFill>
@@ -3701,68 +3377,14 @@
               <a:ea typeface="微軟正黑體" pitchFamily="34" charset="-120"/>
             </a:endParaRPr>
           </a:p>
-          <a:p>
-            <a:pPr algn="ctr">
-              <a:buNone/>
-            </a:pPr>
-            <a:r>
-              <a:rPr lang="zh-TW" altLang="en-US" sz="5400" b="1" dirty="0">
-                <a:solidFill>
-                  <a:srgbClr val="660033"/>
-                </a:solidFill>
-                <a:latin typeface="微軟正黑體" pitchFamily="34" charset="-120"/>
-                <a:ea typeface="微軟正黑體" pitchFamily="34" charset="-120"/>
-              </a:rPr>
-              <a:t>我們的禱告</a:t>
-            </a:r>
-            <a:endParaRPr lang="en-US" altLang="zh-TW" sz="5400" b="1" dirty="0">
-              <a:solidFill>
-                <a:srgbClr val="660033"/>
-              </a:solidFill>
-              <a:latin typeface="微軟正黑體" pitchFamily="34" charset="-120"/>
-              <a:ea typeface="微軟正黑體" pitchFamily="34" charset="-120"/>
-            </a:endParaRPr>
-          </a:p>
-          <a:p>
-            <a:pPr algn="ctr">
-              <a:buNone/>
-            </a:pPr>
-            <a:r>
-              <a:rPr lang="zh-TW" altLang="en-US" sz="5400" b="1" dirty="0">
-                <a:solidFill>
-                  <a:srgbClr val="660033"/>
-                </a:solidFill>
-                <a:latin typeface="微軟正黑體" pitchFamily="34" charset="-120"/>
-                <a:ea typeface="微軟正黑體" pitchFamily="34" charset="-120"/>
-              </a:rPr>
-              <a:t>讓復興從我們開始</a:t>
-            </a:r>
-            <a:endParaRPr lang="en-US" altLang="zh-TW" sz="5400" b="1" dirty="0">
-              <a:solidFill>
-                <a:srgbClr val="660033"/>
-              </a:solidFill>
-              <a:latin typeface="微軟正黑體" pitchFamily="34" charset="-120"/>
-              <a:ea typeface="微軟正黑體" pitchFamily="34" charset="-120"/>
-            </a:endParaRPr>
-          </a:p>
-          <a:p>
-            <a:pPr algn="ctr">
-              <a:buNone/>
-            </a:pPr>
-            <a:r>
-              <a:rPr lang="zh-TW" altLang="en-US" sz="5400" b="1" dirty="0">
-                <a:solidFill>
-                  <a:srgbClr val="660033"/>
-                </a:solidFill>
-                <a:latin typeface="微軟正黑體" pitchFamily="34" charset="-120"/>
-                <a:ea typeface="微軟正黑體" pitchFamily="34" charset="-120"/>
-              </a:rPr>
-              <a:t>將主愛帶到人群中</a:t>
-            </a:r>
-          </a:p>
         </p:txBody>
       </p:sp>
     </p:spTree>
+    <p:extLst>
+      <p:ext uri="{BB962C8B-B14F-4D97-AF65-F5344CB8AC3E}">
+        <p14:creationId xmlns:p14="http://schemas.microsoft.com/office/powerpoint/2010/main" val="1369778626"/>
+      </p:ext>
+    </p:extLst>
   </p:cSld>
   <p:clrMapOvr>
     <a:masterClrMapping/>
@@ -3789,37 +3411,60 @@
       </p:grpSpPr>
       <p:sp>
         <p:nvSpPr>
-          <p:cNvPr id="4" name="標題 3"/>
-          <p:cNvSpPr>
-            <a:spLocks noGrp="1"/>
-          </p:cNvSpPr>
-          <p:nvPr>
-            <p:ph type="title"/>
+          <p:cNvPr id="5" name="內容版面配置區 4"/>
+          <p:cNvSpPr>
+            <a:spLocks noGrp="1"/>
+          </p:cNvSpPr>
+          <p:nvPr>
+            <p:ph idx="1"/>
           </p:nvPr>
         </p:nvSpPr>
         <p:spPr>
           <a:xfrm>
-            <a:off x="1952596" y="285728"/>
-            <a:ext cx="8229600" cy="1143000"/>
+            <a:off x="0" y="2084851"/>
+            <a:ext cx="12192000" cy="2404863"/>
           </a:xfrm>
         </p:spPr>
         <p:txBody>
-          <a:bodyPr>
+          <a:bodyPr anchor="ctr">
             <a:normAutofit/>
           </a:bodyPr>
           <a:lstStyle/>
           <a:p>
-            <a:r>
-              <a:rPr lang="zh-CN" altLang="en-US" sz="4800" b="1" dirty="0">
+            <a:pPr algn="ctr">
+              <a:buNone/>
+            </a:pPr>
+            <a:r>
+              <a:rPr lang="zh-TW" altLang="en-US" sz="6400" b="1" dirty="0">
                 <a:solidFill>
                   <a:srgbClr val="660033"/>
                 </a:solidFill>
                 <a:latin typeface="微軟正黑體" pitchFamily="34" charset="-120"/>
                 <a:ea typeface="微軟正黑體" pitchFamily="34" charset="-120"/>
               </a:rPr>
-              <a:t>勇敢走出去</a:t>
-            </a:r>
-            <a:endParaRPr lang="zh-TW" altLang="en-US" sz="4800" b="1" dirty="0">
+              <a:t>主</a:t>
+            </a:r>
+            <a:r>
+              <a:rPr lang="zh-CN" altLang="en-US" sz="6400" b="1" dirty="0">
+                <a:solidFill>
+                  <a:srgbClr val="660033"/>
+                </a:solidFill>
+                <a:latin typeface="微軟正黑體" pitchFamily="34" charset="-120"/>
+                <a:ea typeface="微軟正黑體" pitchFamily="34" charset="-120"/>
+              </a:rPr>
+              <a:t>袮</a:t>
+            </a:r>
+            <a:r>
+              <a:rPr lang="zh-TW" altLang="en-US" sz="6400" b="1" dirty="0">
+                <a:solidFill>
+                  <a:srgbClr val="660033"/>
+                </a:solidFill>
+                <a:latin typeface="微軟正黑體" pitchFamily="34" charset="-120"/>
+                <a:ea typeface="微軟正黑體" pitchFamily="34" charset="-120"/>
+              </a:rPr>
+              <a:t>要往哪裡走</a:t>
+            </a:r>
+            <a:endParaRPr lang="en-US" altLang="zh-TW" sz="6400" b="1" dirty="0">
               <a:solidFill>
                 <a:srgbClr val="660033"/>
               </a:solidFill>
@@ -3827,44 +3472,41 @@
               <a:ea typeface="微軟正黑體" pitchFamily="34" charset="-120"/>
             </a:endParaRPr>
           </a:p>
-        </p:txBody>
-      </p:sp>
-      <p:sp>
-        <p:nvSpPr>
-          <p:cNvPr id="5" name="內容版面配置區 4"/>
-          <p:cNvSpPr>
-            <a:spLocks noGrp="1"/>
-          </p:cNvSpPr>
-          <p:nvPr>
-            <p:ph idx="1"/>
-          </p:nvPr>
-        </p:nvSpPr>
-        <p:spPr>
-          <a:xfrm>
-            <a:off x="1524000" y="1600201"/>
-            <a:ext cx="9144000" cy="4525963"/>
-          </a:xfrm>
-        </p:spPr>
-        <p:txBody>
-          <a:bodyPr>
-            <a:noAutofit/>
-          </a:bodyPr>
-          <a:lstStyle/>
           <a:p>
             <a:pPr algn="ctr">
               <a:buNone/>
             </a:pPr>
             <a:r>
-              <a:rPr lang="zh-TW" altLang="en-US" sz="5400" b="1" dirty="0">
+              <a:rPr lang="zh-TW" altLang="en-US" sz="6400" b="1" dirty="0">
                 <a:solidFill>
                   <a:srgbClr val="660033"/>
                 </a:solidFill>
                 <a:latin typeface="微軟正黑體" pitchFamily="34" charset="-120"/>
                 <a:ea typeface="微軟正黑體" pitchFamily="34" charset="-120"/>
               </a:rPr>
-              <a:t>縱然有許多的問題</a:t>
-            </a:r>
-            <a:endParaRPr lang="en-US" altLang="zh-TW" sz="5400" b="1" dirty="0">
+              <a:t>我就跟</a:t>
+            </a:r>
+            <a:r>
+              <a:rPr lang="zh-CN" altLang="en-US" sz="6400" b="1" dirty="0">
+                <a:solidFill>
+                  <a:srgbClr val="660033"/>
+                </a:solidFill>
+                <a:latin typeface="微軟正黑體" pitchFamily="34" charset="-120"/>
+                <a:ea typeface="微軟正黑體" pitchFamily="34" charset="-120"/>
+              </a:rPr>
+              <a:t>袮</a:t>
+            </a:r>
+            <a:r>
+              <a:rPr lang="zh-TW" altLang="en-US" sz="6400" b="1" dirty="0">
+                <a:solidFill>
+                  <a:srgbClr val="660033"/>
+                </a:solidFill>
+                <a:latin typeface="微軟正黑體" pitchFamily="34" charset="-120"/>
+                <a:ea typeface="微軟正黑體" pitchFamily="34" charset="-120"/>
+              </a:rPr>
+              <a:t>走</a:t>
+            </a:r>
+            <a:endParaRPr lang="en-US" altLang="zh-TW" sz="6400" b="1" dirty="0">
               <a:solidFill>
                 <a:srgbClr val="660033"/>
               </a:solidFill>
@@ -3872,21 +3514,74 @@
               <a:ea typeface="微軟正黑體" pitchFamily="34" charset="-120"/>
             </a:endParaRPr>
           </a:p>
+        </p:txBody>
+      </p:sp>
+    </p:spTree>
+    <p:extLst>
+      <p:ext uri="{BB962C8B-B14F-4D97-AF65-F5344CB8AC3E}">
+        <p14:creationId xmlns:p14="http://schemas.microsoft.com/office/powerpoint/2010/main" val="973922694"/>
+      </p:ext>
+    </p:extLst>
+  </p:cSld>
+  <p:clrMapOvr>
+    <a:masterClrMapping/>
+  </p:clrMapOvr>
+</p:sld>
+</file>
+
+<file path=ppt/slides/slide5.xml><?xml version="1.0" encoding="utf-8"?>
+<p:sld xmlns:a="http://schemas.openxmlformats.org/drawingml/2006/main" xmlns:r="http://schemas.openxmlformats.org/officeDocument/2006/relationships" xmlns:p="http://schemas.openxmlformats.org/presentationml/2006/main">
+  <p:cSld>
+    <p:spTree>
+      <p:nvGrpSpPr>
+        <p:cNvPr id="1" name=""/>
+        <p:cNvGrpSpPr/>
+        <p:nvPr/>
+      </p:nvGrpSpPr>
+      <p:grpSpPr>
+        <a:xfrm>
+          <a:off x="0" y="0"/>
+          <a:ext cx="0" cy="0"/>
+          <a:chOff x="0" y="0"/>
+          <a:chExt cx="0" cy="0"/>
+        </a:xfrm>
+      </p:grpSpPr>
+      <p:sp>
+        <p:nvSpPr>
+          <p:cNvPr id="5" name="內容版面配置區 4"/>
+          <p:cNvSpPr>
+            <a:spLocks noGrp="1"/>
+          </p:cNvSpPr>
+          <p:nvPr>
+            <p:ph idx="1"/>
+          </p:nvPr>
+        </p:nvSpPr>
+        <p:spPr>
+          <a:xfrm>
+            <a:off x="0" y="2084851"/>
+            <a:ext cx="12192000" cy="2404863"/>
+          </a:xfrm>
+        </p:spPr>
+        <p:txBody>
+          <a:bodyPr anchor="ctr">
+            <a:normAutofit/>
+          </a:bodyPr>
+          <a:lstStyle/>
           <a:p>
             <a:pPr algn="ctr">
               <a:buNone/>
             </a:pPr>
             <a:r>
-              <a:rPr lang="zh-TW" altLang="en-US" sz="5400" b="1" dirty="0">
+              <a:rPr lang="zh-TW" altLang="en-US" sz="6400" b="1" dirty="0">
                 <a:solidFill>
                   <a:srgbClr val="660033"/>
                 </a:solidFill>
                 <a:latin typeface="微軟正黑體" pitchFamily="34" charset="-120"/>
                 <a:ea typeface="微軟正黑體" pitchFamily="34" charset="-120"/>
               </a:rPr>
-              <a:t>我也不放棄</a:t>
-            </a:r>
-            <a:endParaRPr lang="en-US" altLang="zh-TW" sz="5400" b="1" dirty="0">
+              <a:t>領我走到世界盡頭</a:t>
+            </a:r>
+            <a:endParaRPr lang="en-US" altLang="zh-TW" sz="6400" b="1" dirty="0">
               <a:solidFill>
                 <a:srgbClr val="660033"/>
               </a:solidFill>
@@ -3899,36 +3594,16 @@
               <a:buNone/>
             </a:pPr>
             <a:r>
-              <a:rPr lang="zh-CN" altLang="en-US" sz="5400" b="1" dirty="0">
+              <a:rPr lang="zh-TW" altLang="en-US" sz="6400" b="1" dirty="0">
                 <a:solidFill>
                   <a:srgbClr val="660033"/>
                 </a:solidFill>
                 <a:latin typeface="微軟正黑體" pitchFamily="34" charset="-120"/>
                 <a:ea typeface="微軟正黑體" pitchFamily="34" charset="-120"/>
               </a:rPr>
-              <a:t>袮</a:t>
-            </a:r>
-            <a:r>
-              <a:rPr lang="zh-TW" altLang="en-US" sz="5400" b="1" dirty="0" smtClean="0">
-                <a:solidFill>
-                  <a:srgbClr val="660033"/>
-                </a:solidFill>
-                <a:latin typeface="微軟正黑體" pitchFamily="34" charset="-120"/>
-                <a:ea typeface="微軟正黑體" pitchFamily="34" charset="-120"/>
-              </a:rPr>
-              <a:t>大</a:t>
-            </a:r>
-            <a:r>
-              <a:rPr lang="zh-TW" altLang="en-US" sz="5400" b="1" dirty="0">
-                <a:solidFill>
-                  <a:srgbClr val="660033"/>
-                </a:solidFill>
-                <a:latin typeface="微軟正黑體" pitchFamily="34" charset="-120"/>
-                <a:ea typeface="微軟正黑體" pitchFamily="34" charset="-120"/>
-              </a:rPr>
-              <a:t>能賜給我勇氣</a:t>
-            </a:r>
-            <a:endParaRPr lang="en-US" altLang="zh-TW" sz="5400" b="1" dirty="0">
+              <a:t>一生不再回頭</a:t>
+            </a:r>
+            <a:endParaRPr lang="zh-TW" altLang="en-US" sz="6400" b="1" dirty="0">
               <a:solidFill>
                 <a:srgbClr val="660033"/>
               </a:solidFill>
@@ -3936,12 +3611,388 @@
               <a:ea typeface="微軟正黑體" pitchFamily="34" charset="-120"/>
             </a:endParaRPr>
           </a:p>
+        </p:txBody>
+      </p:sp>
+    </p:spTree>
+    <p:extLst>
+      <p:ext uri="{BB962C8B-B14F-4D97-AF65-F5344CB8AC3E}">
+        <p14:creationId xmlns:p14="http://schemas.microsoft.com/office/powerpoint/2010/main" val="2601549755"/>
+      </p:ext>
+    </p:extLst>
+  </p:cSld>
+  <p:clrMapOvr>
+    <a:masterClrMapping/>
+  </p:clrMapOvr>
+</p:sld>
+</file>
+
+<file path=ppt/slides/slide6.xml><?xml version="1.0" encoding="utf-8"?>
+<p:sld xmlns:a="http://schemas.openxmlformats.org/drawingml/2006/main" xmlns:r="http://schemas.openxmlformats.org/officeDocument/2006/relationships" xmlns:p="http://schemas.openxmlformats.org/presentationml/2006/main">
+  <p:cSld>
+    <p:spTree>
+      <p:nvGrpSpPr>
+        <p:cNvPr id="1" name=""/>
+        <p:cNvGrpSpPr/>
+        <p:nvPr/>
+      </p:nvGrpSpPr>
+      <p:grpSpPr>
+        <a:xfrm>
+          <a:off x="0" y="0"/>
+          <a:ext cx="0" cy="0"/>
+          <a:chOff x="0" y="0"/>
+          <a:chExt cx="0" cy="0"/>
+        </a:xfrm>
+      </p:grpSpPr>
+      <p:sp>
+        <p:nvSpPr>
+          <p:cNvPr id="5" name="內容版面配置區 4"/>
+          <p:cNvSpPr>
+            <a:spLocks noGrp="1"/>
+          </p:cNvSpPr>
+          <p:nvPr>
+            <p:ph idx="1"/>
+          </p:nvPr>
+        </p:nvSpPr>
+        <p:spPr>
+          <a:xfrm>
+            <a:off x="0" y="2084851"/>
+            <a:ext cx="12192000" cy="2404863"/>
+          </a:xfrm>
+        </p:spPr>
+        <p:txBody>
+          <a:bodyPr anchor="ctr">
+            <a:normAutofit/>
+          </a:bodyPr>
+          <a:lstStyle/>
           <a:p>
             <a:pPr algn="ctr">
               <a:buNone/>
             </a:pPr>
             <a:r>
-              <a:rPr lang="zh-TW" altLang="en-US" sz="5400" b="1" dirty="0">
+              <a:rPr lang="zh-TW" altLang="en-US" sz="6400" b="1" dirty="0">
+                <a:solidFill>
+                  <a:srgbClr val="660033"/>
+                </a:solidFill>
+                <a:latin typeface="微軟正黑體" pitchFamily="34" charset="-120"/>
+                <a:ea typeface="微軟正黑體" pitchFamily="34" charset="-120"/>
+              </a:rPr>
+              <a:t>讓世界聽到我們敬拜</a:t>
+            </a:r>
+            <a:endParaRPr lang="en-US" altLang="zh-TW" sz="6400" b="1" dirty="0">
+              <a:solidFill>
+                <a:srgbClr val="660033"/>
+              </a:solidFill>
+              <a:latin typeface="微軟正黑體" pitchFamily="34" charset="-120"/>
+              <a:ea typeface="微軟正黑體" pitchFamily="34" charset="-120"/>
+            </a:endParaRPr>
+          </a:p>
+          <a:p>
+            <a:pPr algn="ctr">
+              <a:buNone/>
+            </a:pPr>
+            <a:r>
+              <a:rPr lang="zh-TW" altLang="en-US" sz="6400" b="1" dirty="0">
+                <a:solidFill>
+                  <a:srgbClr val="660033"/>
+                </a:solidFill>
+                <a:latin typeface="微軟正黑體" pitchFamily="34" charset="-120"/>
+                <a:ea typeface="微軟正黑體" pitchFamily="34" charset="-120"/>
+              </a:rPr>
+              <a:t>我們的禱告</a:t>
+            </a:r>
+            <a:endParaRPr lang="en-US" altLang="zh-TW" sz="6400" b="1" dirty="0">
+              <a:solidFill>
+                <a:srgbClr val="660033"/>
+              </a:solidFill>
+              <a:latin typeface="微軟正黑體" pitchFamily="34" charset="-120"/>
+              <a:ea typeface="微軟正黑體" pitchFamily="34" charset="-120"/>
+            </a:endParaRPr>
+          </a:p>
+        </p:txBody>
+      </p:sp>
+    </p:spTree>
+    <p:extLst>
+      <p:ext uri="{BB962C8B-B14F-4D97-AF65-F5344CB8AC3E}">
+        <p14:creationId xmlns:p14="http://schemas.microsoft.com/office/powerpoint/2010/main" val="119397532"/>
+      </p:ext>
+    </p:extLst>
+  </p:cSld>
+  <p:clrMapOvr>
+    <a:masterClrMapping/>
+  </p:clrMapOvr>
+</p:sld>
+</file>
+
+<file path=ppt/slides/slide7.xml><?xml version="1.0" encoding="utf-8"?>
+<p:sld xmlns:a="http://schemas.openxmlformats.org/drawingml/2006/main" xmlns:r="http://schemas.openxmlformats.org/officeDocument/2006/relationships" xmlns:p="http://schemas.openxmlformats.org/presentationml/2006/main">
+  <p:cSld>
+    <p:spTree>
+      <p:nvGrpSpPr>
+        <p:cNvPr id="1" name=""/>
+        <p:cNvGrpSpPr/>
+        <p:nvPr/>
+      </p:nvGrpSpPr>
+      <p:grpSpPr>
+        <a:xfrm>
+          <a:off x="0" y="0"/>
+          <a:ext cx="0" cy="0"/>
+          <a:chOff x="0" y="0"/>
+          <a:chExt cx="0" cy="0"/>
+        </a:xfrm>
+      </p:grpSpPr>
+      <p:sp>
+        <p:nvSpPr>
+          <p:cNvPr id="5" name="內容版面配置區 4"/>
+          <p:cNvSpPr>
+            <a:spLocks noGrp="1"/>
+          </p:cNvSpPr>
+          <p:nvPr>
+            <p:ph idx="1"/>
+          </p:nvPr>
+        </p:nvSpPr>
+        <p:spPr>
+          <a:xfrm>
+            <a:off x="0" y="2084851"/>
+            <a:ext cx="12192000" cy="2404863"/>
+          </a:xfrm>
+        </p:spPr>
+        <p:txBody>
+          <a:bodyPr anchor="ctr">
+            <a:normAutofit/>
+          </a:bodyPr>
+          <a:lstStyle/>
+          <a:p>
+            <a:pPr algn="ctr">
+              <a:buNone/>
+            </a:pPr>
+            <a:r>
+              <a:rPr lang="zh-TW" altLang="en-US" sz="6400" b="1" dirty="0">
+                <a:solidFill>
+                  <a:srgbClr val="660033"/>
+                </a:solidFill>
+                <a:latin typeface="微軟正黑體" pitchFamily="34" charset="-120"/>
+                <a:ea typeface="微軟正黑體" pitchFamily="34" charset="-120"/>
+              </a:rPr>
+              <a:t>讓復興從我們開始</a:t>
+            </a:r>
+            <a:endParaRPr lang="en-US" altLang="zh-TW" sz="6400" b="1" dirty="0">
+              <a:solidFill>
+                <a:srgbClr val="660033"/>
+              </a:solidFill>
+              <a:latin typeface="微軟正黑體" pitchFamily="34" charset="-120"/>
+              <a:ea typeface="微軟正黑體" pitchFamily="34" charset="-120"/>
+            </a:endParaRPr>
+          </a:p>
+          <a:p>
+            <a:pPr algn="ctr">
+              <a:buNone/>
+            </a:pPr>
+            <a:r>
+              <a:rPr lang="zh-TW" altLang="en-US" sz="6400" b="1" dirty="0">
+                <a:solidFill>
+                  <a:srgbClr val="660033"/>
+                </a:solidFill>
+                <a:latin typeface="微軟正黑體" pitchFamily="34" charset="-120"/>
+                <a:ea typeface="微軟正黑體" pitchFamily="34" charset="-120"/>
+              </a:rPr>
+              <a:t>將主愛帶到人群中</a:t>
+            </a:r>
+            <a:endParaRPr lang="zh-TW" altLang="en-US" sz="6400" b="1" dirty="0">
+              <a:solidFill>
+                <a:srgbClr val="660033"/>
+              </a:solidFill>
+              <a:latin typeface="微軟正黑體" pitchFamily="34" charset="-120"/>
+              <a:ea typeface="微軟正黑體" pitchFamily="34" charset="-120"/>
+            </a:endParaRPr>
+          </a:p>
+        </p:txBody>
+      </p:sp>
+    </p:spTree>
+    <p:extLst>
+      <p:ext uri="{BB962C8B-B14F-4D97-AF65-F5344CB8AC3E}">
+        <p14:creationId xmlns:p14="http://schemas.microsoft.com/office/powerpoint/2010/main" val="3001724215"/>
+      </p:ext>
+    </p:extLst>
+  </p:cSld>
+  <p:clrMapOvr>
+    <a:masterClrMapping/>
+  </p:clrMapOvr>
+</p:sld>
+</file>
+
+<file path=ppt/slides/slide8.xml><?xml version="1.0" encoding="utf-8"?>
+<p:sld xmlns:a="http://schemas.openxmlformats.org/drawingml/2006/main" xmlns:r="http://schemas.openxmlformats.org/officeDocument/2006/relationships" xmlns:p="http://schemas.openxmlformats.org/presentationml/2006/main">
+  <p:cSld>
+    <p:spTree>
+      <p:nvGrpSpPr>
+        <p:cNvPr id="1" name=""/>
+        <p:cNvGrpSpPr/>
+        <p:nvPr/>
+      </p:nvGrpSpPr>
+      <p:grpSpPr>
+        <a:xfrm>
+          <a:off x="0" y="0"/>
+          <a:ext cx="0" cy="0"/>
+          <a:chOff x="0" y="0"/>
+          <a:chExt cx="0" cy="0"/>
+        </a:xfrm>
+      </p:grpSpPr>
+      <p:sp>
+        <p:nvSpPr>
+          <p:cNvPr id="5" name="內容版面配置區 4"/>
+          <p:cNvSpPr>
+            <a:spLocks noGrp="1"/>
+          </p:cNvSpPr>
+          <p:nvPr>
+            <p:ph idx="1"/>
+          </p:nvPr>
+        </p:nvSpPr>
+        <p:spPr>
+          <a:xfrm>
+            <a:off x="0" y="2084851"/>
+            <a:ext cx="12192000" cy="2404863"/>
+          </a:xfrm>
+        </p:spPr>
+        <p:txBody>
+          <a:bodyPr anchor="ctr">
+            <a:normAutofit/>
+          </a:bodyPr>
+          <a:lstStyle/>
+          <a:p>
+            <a:pPr algn="ctr">
+              <a:buNone/>
+            </a:pPr>
+            <a:r>
+              <a:rPr lang="zh-TW" altLang="en-US" sz="6400" b="1" dirty="0">
+                <a:solidFill>
+                  <a:srgbClr val="660033"/>
+                </a:solidFill>
+                <a:latin typeface="微軟正黑體" pitchFamily="34" charset="-120"/>
+                <a:ea typeface="微軟正黑體" pitchFamily="34" charset="-120"/>
+              </a:rPr>
+              <a:t>縱然有許多的問題</a:t>
+            </a:r>
+            <a:endParaRPr lang="en-US" altLang="zh-TW" sz="6400" b="1" dirty="0">
+              <a:solidFill>
+                <a:srgbClr val="660033"/>
+              </a:solidFill>
+              <a:latin typeface="微軟正黑體" pitchFamily="34" charset="-120"/>
+              <a:ea typeface="微軟正黑體" pitchFamily="34" charset="-120"/>
+            </a:endParaRPr>
+          </a:p>
+          <a:p>
+            <a:pPr algn="ctr">
+              <a:buNone/>
+            </a:pPr>
+            <a:r>
+              <a:rPr lang="zh-TW" altLang="en-US" sz="6400" b="1" dirty="0">
+                <a:solidFill>
+                  <a:srgbClr val="660033"/>
+                </a:solidFill>
+                <a:latin typeface="微軟正黑體" pitchFamily="34" charset="-120"/>
+                <a:ea typeface="微軟正黑體" pitchFamily="34" charset="-120"/>
+              </a:rPr>
+              <a:t>我也不放棄</a:t>
+            </a:r>
+            <a:endParaRPr lang="en-US" altLang="zh-TW" sz="6400" b="1" dirty="0">
+              <a:solidFill>
+                <a:srgbClr val="660033"/>
+              </a:solidFill>
+              <a:latin typeface="微軟正黑體" pitchFamily="34" charset="-120"/>
+              <a:ea typeface="微軟正黑體" pitchFamily="34" charset="-120"/>
+            </a:endParaRPr>
+          </a:p>
+        </p:txBody>
+      </p:sp>
+    </p:spTree>
+    <p:extLst>
+      <p:ext uri="{BB962C8B-B14F-4D97-AF65-F5344CB8AC3E}">
+        <p14:creationId xmlns:p14="http://schemas.microsoft.com/office/powerpoint/2010/main" val="964933350"/>
+      </p:ext>
+    </p:extLst>
+  </p:cSld>
+  <p:clrMapOvr>
+    <a:masterClrMapping/>
+  </p:clrMapOvr>
+</p:sld>
+</file>
+
+<file path=ppt/slides/slide9.xml><?xml version="1.0" encoding="utf-8"?>
+<p:sld xmlns:a="http://schemas.openxmlformats.org/drawingml/2006/main" xmlns:r="http://schemas.openxmlformats.org/officeDocument/2006/relationships" xmlns:p="http://schemas.openxmlformats.org/presentationml/2006/main">
+  <p:cSld>
+    <p:spTree>
+      <p:nvGrpSpPr>
+        <p:cNvPr id="1" name=""/>
+        <p:cNvGrpSpPr/>
+        <p:nvPr/>
+      </p:nvGrpSpPr>
+      <p:grpSpPr>
+        <a:xfrm>
+          <a:off x="0" y="0"/>
+          <a:ext cx="0" cy="0"/>
+          <a:chOff x="0" y="0"/>
+          <a:chExt cx="0" cy="0"/>
+        </a:xfrm>
+      </p:grpSpPr>
+      <p:sp>
+        <p:nvSpPr>
+          <p:cNvPr id="5" name="內容版面配置區 4"/>
+          <p:cNvSpPr>
+            <a:spLocks noGrp="1"/>
+          </p:cNvSpPr>
+          <p:nvPr>
+            <p:ph idx="1"/>
+          </p:nvPr>
+        </p:nvSpPr>
+        <p:spPr>
+          <a:xfrm>
+            <a:off x="0" y="2084851"/>
+            <a:ext cx="12192000" cy="2404863"/>
+          </a:xfrm>
+        </p:spPr>
+        <p:txBody>
+          <a:bodyPr anchor="ctr">
+            <a:normAutofit/>
+          </a:bodyPr>
+          <a:lstStyle/>
+          <a:p>
+            <a:pPr algn="ctr">
+              <a:buNone/>
+            </a:pPr>
+            <a:r>
+              <a:rPr lang="zh-CN" altLang="en-US" sz="6400" b="1" dirty="0">
+                <a:solidFill>
+                  <a:srgbClr val="660033"/>
+                </a:solidFill>
+                <a:latin typeface="微軟正黑體" pitchFamily="34" charset="-120"/>
+                <a:ea typeface="微軟正黑體" pitchFamily="34" charset="-120"/>
+              </a:rPr>
+              <a:t>袮</a:t>
+            </a:r>
+            <a:r>
+              <a:rPr lang="zh-TW" altLang="en-US" sz="6400" b="1" dirty="0">
+                <a:solidFill>
+                  <a:srgbClr val="660033"/>
+                </a:solidFill>
+                <a:latin typeface="微軟正黑體" pitchFamily="34" charset="-120"/>
+                <a:ea typeface="微軟正黑體" pitchFamily="34" charset="-120"/>
+              </a:rPr>
+              <a:t>大能賜給我勇氣</a:t>
+            </a:r>
+            <a:endParaRPr lang="en-US" altLang="zh-TW" sz="6400" b="1" dirty="0">
+              <a:solidFill>
+                <a:srgbClr val="660033"/>
+              </a:solidFill>
+              <a:latin typeface="微軟正黑體" pitchFamily="34" charset="-120"/>
+              <a:ea typeface="微軟正黑體" pitchFamily="34" charset="-120"/>
+            </a:endParaRPr>
+          </a:p>
+          <a:p>
+            <a:pPr algn="ctr">
+              <a:buNone/>
+            </a:pPr>
+            <a:r>
+              <a:rPr lang="zh-TW" altLang="en-US" sz="6400" b="1" dirty="0">
                 <a:solidFill>
                   <a:srgbClr val="660033"/>
                 </a:solidFill>
@@ -3950,10 +4001,22 @@
               </a:rPr>
               <a:t>我會勇敢走出去</a:t>
             </a:r>
+            <a:endParaRPr lang="zh-TW" altLang="en-US" sz="6400" b="1" dirty="0">
+              <a:solidFill>
+                <a:srgbClr val="660033"/>
+              </a:solidFill>
+              <a:latin typeface="微軟正黑體" pitchFamily="34" charset="-120"/>
+              <a:ea typeface="微軟正黑體" pitchFamily="34" charset="-120"/>
+            </a:endParaRPr>
           </a:p>
         </p:txBody>
       </p:sp>
     </p:spTree>
+    <p:extLst>
+      <p:ext uri="{BB962C8B-B14F-4D97-AF65-F5344CB8AC3E}">
+        <p14:creationId xmlns:p14="http://schemas.microsoft.com/office/powerpoint/2010/main" val="2681227979"/>
+      </p:ext>
+    </p:extLst>
   </p:cSld>
   <p:clrMapOvr>
     <a:masterClrMapping/>

--- a/勇敢走出去(崇拜版).pptx
+++ b/勇敢走出去(崇拜版).pptx
@@ -313,7 +313,7 @@
             <a:fld id="{AB374245-5B8A-4302-894E-2CCC6B647891}" type="datetimeFigureOut">
               <a:rPr lang="zh-TW" altLang="en-US" smtClean="0"/>
               <a:pPr/>
-              <a:t>2020/12/12</a:t>
+              <a:t>2022/3/19</a:t>
             </a:fld>
             <a:endParaRPr lang="zh-TW" altLang="en-US"/>
           </a:p>
@@ -480,7 +480,7 @@
             <a:fld id="{AB374245-5B8A-4302-894E-2CCC6B647891}" type="datetimeFigureOut">
               <a:rPr lang="zh-TW" altLang="en-US" smtClean="0"/>
               <a:pPr/>
-              <a:t>2020/12/12</a:t>
+              <a:t>2022/3/19</a:t>
             </a:fld>
             <a:endParaRPr lang="zh-TW" altLang="en-US"/>
           </a:p>
@@ -657,7 +657,7 @@
             <a:fld id="{AB374245-5B8A-4302-894E-2CCC6B647891}" type="datetimeFigureOut">
               <a:rPr lang="zh-TW" altLang="en-US" smtClean="0"/>
               <a:pPr/>
-              <a:t>2020/12/12</a:t>
+              <a:t>2022/3/19</a:t>
             </a:fld>
             <a:endParaRPr lang="zh-TW" altLang="en-US"/>
           </a:p>
@@ -824,7 +824,7 @@
             <a:fld id="{AB374245-5B8A-4302-894E-2CCC6B647891}" type="datetimeFigureOut">
               <a:rPr lang="zh-TW" altLang="en-US" smtClean="0"/>
               <a:pPr/>
-              <a:t>2020/12/12</a:t>
+              <a:t>2022/3/19</a:t>
             </a:fld>
             <a:endParaRPr lang="zh-TW" altLang="en-US"/>
           </a:p>
@@ -1067,7 +1067,7 @@
             <a:fld id="{AB374245-5B8A-4302-894E-2CCC6B647891}" type="datetimeFigureOut">
               <a:rPr lang="zh-TW" altLang="en-US" smtClean="0"/>
               <a:pPr/>
-              <a:t>2020/12/12</a:t>
+              <a:t>2022/3/19</a:t>
             </a:fld>
             <a:endParaRPr lang="zh-TW" altLang="en-US"/>
           </a:p>
@@ -1352,7 +1352,7 @@
             <a:fld id="{AB374245-5B8A-4302-894E-2CCC6B647891}" type="datetimeFigureOut">
               <a:rPr lang="zh-TW" altLang="en-US" smtClean="0"/>
               <a:pPr/>
-              <a:t>2020/12/12</a:t>
+              <a:t>2022/3/19</a:t>
             </a:fld>
             <a:endParaRPr lang="zh-TW" altLang="en-US"/>
           </a:p>
@@ -1771,7 +1771,7 @@
             <a:fld id="{AB374245-5B8A-4302-894E-2CCC6B647891}" type="datetimeFigureOut">
               <a:rPr lang="zh-TW" altLang="en-US" smtClean="0"/>
               <a:pPr/>
-              <a:t>2020/12/12</a:t>
+              <a:t>2022/3/19</a:t>
             </a:fld>
             <a:endParaRPr lang="zh-TW" altLang="en-US"/>
           </a:p>
@@ -1886,7 +1886,7 @@
             <a:fld id="{AB374245-5B8A-4302-894E-2CCC6B647891}" type="datetimeFigureOut">
               <a:rPr lang="zh-TW" altLang="en-US" smtClean="0"/>
               <a:pPr/>
-              <a:t>2020/12/12</a:t>
+              <a:t>2022/3/19</a:t>
             </a:fld>
             <a:endParaRPr lang="zh-TW" altLang="en-US"/>
           </a:p>
@@ -1978,7 +1978,7 @@
             <a:fld id="{AB374245-5B8A-4302-894E-2CCC6B647891}" type="datetimeFigureOut">
               <a:rPr lang="zh-TW" altLang="en-US" smtClean="0"/>
               <a:pPr/>
-              <a:t>2020/12/12</a:t>
+              <a:t>2022/3/19</a:t>
             </a:fld>
             <a:endParaRPr lang="zh-TW" altLang="en-US"/>
           </a:p>
@@ -2252,7 +2252,7 @@
             <a:fld id="{AB374245-5B8A-4302-894E-2CCC6B647891}" type="datetimeFigureOut">
               <a:rPr lang="zh-TW" altLang="en-US" smtClean="0"/>
               <a:pPr/>
-              <a:t>2020/12/12</a:t>
+              <a:t>2022/3/19</a:t>
             </a:fld>
             <a:endParaRPr lang="zh-TW" altLang="en-US"/>
           </a:p>
@@ -2506,7 +2506,7 @@
             <a:fld id="{AB374245-5B8A-4302-894E-2CCC6B647891}" type="datetimeFigureOut">
               <a:rPr lang="zh-TW" altLang="en-US" smtClean="0"/>
               <a:pPr/>
-              <a:t>2020/12/12</a:t>
+              <a:t>2022/3/19</a:t>
             </a:fld>
             <a:endParaRPr lang="zh-TW" altLang="en-US"/>
           </a:p>
@@ -2721,7 +2721,7 @@
             <a:fld id="{AB374245-5B8A-4302-894E-2CCC6B647891}" type="datetimeFigureOut">
               <a:rPr lang="zh-TW" altLang="en-US" smtClean="0"/>
               <a:pPr/>
-              <a:t>2020/12/12</a:t>
+              <a:t>2022/3/19</a:t>
             </a:fld>
             <a:endParaRPr lang="zh-TW" altLang="en-US"/>
           </a:p>
@@ -3129,24 +3129,7 @@
                 <a:latin typeface="微軟正黑體" pitchFamily="34" charset="-120"/>
                 <a:ea typeface="微軟正黑體" pitchFamily="34" charset="-120"/>
               </a:rPr>
-              <a:t>勇</a:t>
-            </a:r>
-            <a:r>
-              <a:rPr lang="zh-CN" altLang="en-US" sz="7200" b="1" i="1" dirty="0">
-                <a:solidFill>
-                  <a:srgbClr val="660033"/>
-                </a:solidFill>
-                <a:effectLst>
-                  <a:outerShdw blurRad="38100" dist="38100" dir="2700000" algn="tl">
-                    <a:srgbClr val="000000">
-                      <a:alpha val="43137"/>
-                    </a:srgbClr>
-                  </a:outerShdw>
-                </a:effectLst>
-                <a:latin typeface="微軟正黑體" pitchFamily="34" charset="-120"/>
-                <a:ea typeface="微軟正黑體" pitchFamily="34" charset="-120"/>
-              </a:rPr>
-              <a:t>敢走出去</a:t>
+              <a:t>勇敢走出去</a:t>
             </a:r>
             <a:endParaRPr lang="zh-TW" altLang="en-US" sz="7200" b="1" i="1" dirty="0">
               <a:solidFill>
@@ -3262,6 +3245,72 @@
           </a:p>
         </p:txBody>
       </p:sp>
+      <p:sp>
+        <p:nvSpPr>
+          <p:cNvPr id="3" name="TextBox 2"/>
+          <p:cNvSpPr txBox="1"/>
+          <p:nvPr/>
+        </p:nvSpPr>
+        <p:spPr>
+          <a:xfrm>
+            <a:off x="0" y="5144563"/>
+            <a:ext cx="12192000" cy="769441"/>
+          </a:xfrm>
+          <a:prstGeom prst="rect">
+            <a:avLst/>
+          </a:prstGeom>
+          <a:noFill/>
+        </p:spPr>
+        <p:txBody>
+          <a:bodyPr wrap="square" rtlCol="0" anchor="ctr">
+            <a:spAutoFit/>
+          </a:bodyPr>
+          <a:lstStyle/>
+          <a:p>
+            <a:pPr algn="ctr"/>
+            <a:r>
+              <a:rPr lang="en-US" sz="4400" b="1" dirty="0">
+                <a:solidFill>
+                  <a:srgbClr val="660033"/>
+                </a:solidFill>
+                <a:effectLst/>
+                <a:latin typeface="Microsoft JhengHei" panose="020B0604030504040204" pitchFamily="34" charset="-120"/>
+                <a:ea typeface="Microsoft JhengHei" panose="020B0604030504040204" pitchFamily="34" charset="-120"/>
+              </a:rPr>
+              <a:t>( </a:t>
+            </a:r>
+            <a:r>
+              <a:rPr lang="zh-CN" altLang="en-US" sz="4400" b="1" dirty="0">
+                <a:solidFill>
+                  <a:srgbClr val="660033"/>
+                </a:solidFill>
+                <a:effectLst/>
+                <a:latin typeface="Microsoft JhengHei" panose="020B0604030504040204" pitchFamily="34" charset="-120"/>
+                <a:ea typeface="Microsoft JhengHei" panose="020B0604030504040204" pitchFamily="34" charset="-120"/>
+              </a:rPr>
+              <a:t>正</a:t>
+            </a:r>
+            <a:r>
+              <a:rPr lang="en-US" sz="4400" b="1" dirty="0">
+                <a:solidFill>
+                  <a:srgbClr val="660033"/>
+                </a:solidFill>
+                <a:effectLst/>
+                <a:latin typeface="Microsoft JhengHei" panose="020B0604030504040204" pitchFamily="34" charset="-120"/>
+                <a:ea typeface="Microsoft JhengHei" panose="020B0604030504040204" pitchFamily="34" charset="-120"/>
+              </a:rPr>
+              <a:t> )</a:t>
+            </a:r>
+            <a:endParaRPr lang="vi-VN" sz="4400" b="1" dirty="0">
+              <a:solidFill>
+                <a:srgbClr val="660033"/>
+              </a:solidFill>
+              <a:effectLst/>
+              <a:ea typeface="Microsoft JhengHei" panose="020B0604030504040204" pitchFamily="34" charset="-120"/>
+            </a:endParaRPr>
+          </a:p>
+        </p:txBody>
+      </p:sp>
     </p:spTree>
     <p:extLst>
       <p:ext uri="{BB962C8B-B14F-4D97-AF65-F5344CB8AC3E}">
@@ -3369,12 +3418,71 @@
               </a:rPr>
               <a:t>是道路真理和生命</a:t>
             </a:r>
-            <a:endParaRPr lang="zh-TW" altLang="en-US" sz="6400" b="1" dirty="0">
+          </a:p>
+        </p:txBody>
+      </p:sp>
+      <p:sp>
+        <p:nvSpPr>
+          <p:cNvPr id="3" name="TextBox 2"/>
+          <p:cNvSpPr txBox="1"/>
+          <p:nvPr/>
+        </p:nvSpPr>
+        <p:spPr>
+          <a:xfrm>
+            <a:off x="0" y="5144563"/>
+            <a:ext cx="12192000" cy="769441"/>
+          </a:xfrm>
+          <a:prstGeom prst="rect">
+            <a:avLst/>
+          </a:prstGeom>
+          <a:noFill/>
+        </p:spPr>
+        <p:txBody>
+          <a:bodyPr wrap="square" rtlCol="0" anchor="ctr">
+            <a:spAutoFit/>
+          </a:bodyPr>
+          <a:lstStyle/>
+          <a:p>
+            <a:pPr algn="ctr"/>
+            <a:r>
+              <a:rPr lang="en-US" sz="4400" b="1" dirty="0">
+                <a:solidFill>
+                  <a:srgbClr val="660033"/>
+                </a:solidFill>
+                <a:effectLst/>
+                <a:latin typeface="Microsoft JhengHei" panose="020B0604030504040204" pitchFamily="34" charset="-120"/>
+                <a:ea typeface="Microsoft JhengHei" panose="020B0604030504040204" pitchFamily="34" charset="-120"/>
+              </a:rPr>
+              <a:t>( </a:t>
+            </a:r>
+            <a:r>
+              <a:rPr lang="zh-CN" altLang="en-US" sz="4400" b="1" dirty="0">
+                <a:solidFill>
+                  <a:srgbClr val="660033"/>
+                </a:solidFill>
+                <a:effectLst/>
+                <a:latin typeface="Microsoft JhengHei" panose="020B0604030504040204" pitchFamily="34" charset="-120"/>
+                <a:ea typeface="Microsoft JhengHei" panose="020B0604030504040204" pitchFamily="34" charset="-120"/>
+              </a:rPr>
+              <a:t>正</a:t>
+            </a:r>
+            <a:r>
+              <a:rPr lang="en-US" sz="4400" b="1" dirty="0">
+                <a:solidFill>
+                  <a:srgbClr val="660033"/>
+                </a:solidFill>
+                <a:effectLst/>
+                <a:latin typeface="Microsoft JhengHei" panose="020B0604030504040204" pitchFamily="34" charset="-120"/>
+                <a:ea typeface="Microsoft JhengHei" panose="020B0604030504040204" pitchFamily="34" charset="-120"/>
+              </a:rPr>
+              <a:t> )</a:t>
+            </a:r>
+            <a:endParaRPr lang="vi-VN" sz="4400" b="1" dirty="0">
               <a:solidFill>
                 <a:srgbClr val="660033"/>
               </a:solidFill>
-              <a:latin typeface="微軟正黑體" pitchFamily="34" charset="-120"/>
-              <a:ea typeface="微軟正黑體" pitchFamily="34" charset="-120"/>
+              <a:effectLst/>
+              <a:ea typeface="Microsoft JhengHei" panose="020B0604030504040204" pitchFamily="34" charset="-120"/>
             </a:endParaRPr>
           </a:p>
         </p:txBody>
@@ -3516,6 +3624,83 @@
           </a:p>
         </p:txBody>
       </p:sp>
+      <p:sp>
+        <p:nvSpPr>
+          <p:cNvPr id="3" name="TextBox 2"/>
+          <p:cNvSpPr txBox="1"/>
+          <p:nvPr/>
+        </p:nvSpPr>
+        <p:spPr>
+          <a:xfrm>
+            <a:off x="0" y="5144563"/>
+            <a:ext cx="12192000" cy="769441"/>
+          </a:xfrm>
+          <a:prstGeom prst="rect">
+            <a:avLst/>
+          </a:prstGeom>
+          <a:noFill/>
+        </p:spPr>
+        <p:txBody>
+          <a:bodyPr wrap="square" rtlCol="0" anchor="ctr">
+            <a:spAutoFit/>
+          </a:bodyPr>
+          <a:lstStyle/>
+          <a:p>
+            <a:pPr algn="ctr"/>
+            <a:r>
+              <a:rPr lang="en-US" sz="4400" b="1" dirty="0">
+                <a:solidFill>
+                  <a:srgbClr val="660033"/>
+                </a:solidFill>
+                <a:effectLst/>
+                <a:latin typeface="Microsoft JhengHei" panose="020B0604030504040204" pitchFamily="34" charset="-120"/>
+                <a:ea typeface="Microsoft JhengHei" panose="020B0604030504040204" pitchFamily="34" charset="-120"/>
+              </a:rPr>
+              <a:t>( </a:t>
+            </a:r>
+            <a:r>
+              <a:rPr lang="zh-CN" altLang="en-US" sz="4400" b="1" dirty="0" smtClean="0">
+                <a:solidFill>
+                  <a:srgbClr val="660033"/>
+                </a:solidFill>
+                <a:effectLst/>
+                <a:latin typeface="Microsoft JhengHei" panose="020B0604030504040204" pitchFamily="34" charset="-120"/>
+                <a:ea typeface="Microsoft JhengHei" panose="020B0604030504040204" pitchFamily="34" charset="-120"/>
+              </a:rPr>
+              <a:t>副</a:t>
+            </a:r>
+            <a:r>
+              <a:rPr lang="en-US" sz="4400" b="1" dirty="0" smtClean="0">
+                <a:solidFill>
+                  <a:srgbClr val="660033"/>
+                </a:solidFill>
+                <a:effectLst/>
+                <a:latin typeface="Microsoft JhengHei" panose="020B0604030504040204" pitchFamily="34" charset="-120"/>
+                <a:ea typeface="Microsoft JhengHei" panose="020B0604030504040204" pitchFamily="34" charset="-120"/>
+              </a:rPr>
+              <a:t> </a:t>
+            </a:r>
+            <a:r>
+              <a:rPr lang="en-US" sz="4400" b="1" dirty="0">
+                <a:solidFill>
+                  <a:srgbClr val="660033"/>
+                </a:solidFill>
+                <a:effectLst/>
+                <a:latin typeface="Microsoft JhengHei" panose="020B0604030504040204" pitchFamily="34" charset="-120"/>
+                <a:ea typeface="Microsoft JhengHei" panose="020B0604030504040204" pitchFamily="34" charset="-120"/>
+              </a:rPr>
+              <a:t>)</a:t>
+            </a:r>
+            <a:endParaRPr lang="vi-VN" sz="4400" b="1" dirty="0">
+              <a:solidFill>
+                <a:srgbClr val="660033"/>
+              </a:solidFill>
+              <a:effectLst/>
+              <a:ea typeface="Microsoft JhengHei" panose="020B0604030504040204" pitchFamily="34" charset="-120"/>
+            </a:endParaRPr>
+          </a:p>
+        </p:txBody>
+      </p:sp>
     </p:spTree>
     <p:extLst>
       <p:ext uri="{BB962C8B-B14F-4D97-AF65-F5344CB8AC3E}">
@@ -3603,12 +3788,82 @@
               </a:rPr>
               <a:t>一生不再回頭</a:t>
             </a:r>
-            <a:endParaRPr lang="zh-TW" altLang="en-US" sz="6400" b="1" dirty="0">
+          </a:p>
+        </p:txBody>
+      </p:sp>
+      <p:sp>
+        <p:nvSpPr>
+          <p:cNvPr id="3" name="TextBox 2"/>
+          <p:cNvSpPr txBox="1"/>
+          <p:nvPr/>
+        </p:nvSpPr>
+        <p:spPr>
+          <a:xfrm>
+            <a:off x="0" y="5144563"/>
+            <a:ext cx="12192000" cy="769441"/>
+          </a:xfrm>
+          <a:prstGeom prst="rect">
+            <a:avLst/>
+          </a:prstGeom>
+          <a:noFill/>
+        </p:spPr>
+        <p:txBody>
+          <a:bodyPr wrap="square" rtlCol="0" anchor="ctr">
+            <a:spAutoFit/>
+          </a:bodyPr>
+          <a:lstStyle/>
+          <a:p>
+            <a:pPr algn="ctr"/>
+            <a:r>
+              <a:rPr lang="en-US" sz="4400" b="1" dirty="0">
+                <a:solidFill>
+                  <a:srgbClr val="660033"/>
+                </a:solidFill>
+                <a:effectLst/>
+                <a:latin typeface="Microsoft JhengHei" panose="020B0604030504040204" pitchFamily="34" charset="-120"/>
+                <a:ea typeface="Microsoft JhengHei" panose="020B0604030504040204" pitchFamily="34" charset="-120"/>
+              </a:rPr>
+              <a:t>( </a:t>
+            </a:r>
+            <a:r>
+              <a:rPr lang="zh-CN" altLang="en-US" sz="4400" b="1" dirty="0" smtClean="0">
+                <a:solidFill>
+                  <a:srgbClr val="660033"/>
+                </a:solidFill>
+                <a:effectLst/>
+                <a:latin typeface="Microsoft JhengHei" panose="020B0604030504040204" pitchFamily="34" charset="-120"/>
+                <a:ea typeface="Microsoft JhengHei" panose="020B0604030504040204" pitchFamily="34" charset="-120"/>
+              </a:rPr>
+              <a:t>副</a:t>
+            </a:r>
+            <a:r>
+              <a:rPr lang="en-US" sz="4400" b="1" dirty="0" smtClean="0">
+                <a:solidFill>
+                  <a:srgbClr val="660033"/>
+                </a:solidFill>
+                <a:effectLst/>
+                <a:latin typeface="Microsoft JhengHei" panose="020B0604030504040204" pitchFamily="34" charset="-120"/>
+                <a:ea typeface="Microsoft JhengHei" panose="020B0604030504040204" pitchFamily="34" charset="-120"/>
+              </a:rPr>
+              <a:t> </a:t>
+            </a:r>
+            <a:r>
+              <a:rPr lang="en-US" sz="4400" b="1" dirty="0">
+                <a:solidFill>
+                  <a:srgbClr val="660033"/>
+                </a:solidFill>
+                <a:effectLst/>
+                <a:latin typeface="Microsoft JhengHei" panose="020B0604030504040204" pitchFamily="34" charset="-120"/>
+                <a:ea typeface="Microsoft JhengHei" panose="020B0604030504040204" pitchFamily="34" charset="-120"/>
+              </a:rPr>
+              <a:t>)</a:t>
+            </a:r>
+            <a:endParaRPr lang="vi-VN" sz="4400" b="1" dirty="0">
               <a:solidFill>
                 <a:srgbClr val="660033"/>
               </a:solidFill>
-              <a:latin typeface="微軟正黑體" pitchFamily="34" charset="-120"/>
-              <a:ea typeface="微軟正黑體" pitchFamily="34" charset="-120"/>
+              <a:effectLst/>
+              <a:ea typeface="Microsoft JhengHei" panose="020B0604030504040204" pitchFamily="34" charset="-120"/>
             </a:endParaRPr>
           </a:p>
         </p:txBody>
@@ -3710,6 +3965,83 @@
           </a:p>
         </p:txBody>
       </p:sp>
+      <p:sp>
+        <p:nvSpPr>
+          <p:cNvPr id="3" name="TextBox 2"/>
+          <p:cNvSpPr txBox="1"/>
+          <p:nvPr/>
+        </p:nvSpPr>
+        <p:spPr>
+          <a:xfrm>
+            <a:off x="0" y="5144563"/>
+            <a:ext cx="12192000" cy="769441"/>
+          </a:xfrm>
+          <a:prstGeom prst="rect">
+            <a:avLst/>
+          </a:prstGeom>
+          <a:noFill/>
+        </p:spPr>
+        <p:txBody>
+          <a:bodyPr wrap="square" rtlCol="0" anchor="ctr">
+            <a:spAutoFit/>
+          </a:bodyPr>
+          <a:lstStyle/>
+          <a:p>
+            <a:pPr algn="ctr"/>
+            <a:r>
+              <a:rPr lang="en-US" sz="4400" b="1" dirty="0">
+                <a:solidFill>
+                  <a:srgbClr val="660033"/>
+                </a:solidFill>
+                <a:effectLst/>
+                <a:latin typeface="Microsoft JhengHei" panose="020B0604030504040204" pitchFamily="34" charset="-120"/>
+                <a:ea typeface="Microsoft JhengHei" panose="020B0604030504040204" pitchFamily="34" charset="-120"/>
+              </a:rPr>
+              <a:t>( </a:t>
+            </a:r>
+            <a:r>
+              <a:rPr lang="zh-CN" altLang="en-US" sz="4400" b="1" dirty="0" smtClean="0">
+                <a:solidFill>
+                  <a:srgbClr val="660033"/>
+                </a:solidFill>
+                <a:effectLst/>
+                <a:latin typeface="Microsoft JhengHei" panose="020B0604030504040204" pitchFamily="34" charset="-120"/>
+                <a:ea typeface="Microsoft JhengHei" panose="020B0604030504040204" pitchFamily="34" charset="-120"/>
+              </a:rPr>
+              <a:t>副</a:t>
+            </a:r>
+            <a:r>
+              <a:rPr lang="en-US" sz="4400" b="1" dirty="0" smtClean="0">
+                <a:solidFill>
+                  <a:srgbClr val="660033"/>
+                </a:solidFill>
+                <a:effectLst/>
+                <a:latin typeface="Microsoft JhengHei" panose="020B0604030504040204" pitchFamily="34" charset="-120"/>
+                <a:ea typeface="Microsoft JhengHei" panose="020B0604030504040204" pitchFamily="34" charset="-120"/>
+              </a:rPr>
+              <a:t> </a:t>
+            </a:r>
+            <a:r>
+              <a:rPr lang="en-US" sz="4400" b="1" dirty="0">
+                <a:solidFill>
+                  <a:srgbClr val="660033"/>
+                </a:solidFill>
+                <a:effectLst/>
+                <a:latin typeface="Microsoft JhengHei" panose="020B0604030504040204" pitchFamily="34" charset="-120"/>
+                <a:ea typeface="Microsoft JhengHei" panose="020B0604030504040204" pitchFamily="34" charset="-120"/>
+              </a:rPr>
+              <a:t>)</a:t>
+            </a:r>
+            <a:endParaRPr lang="vi-VN" sz="4400" b="1" dirty="0">
+              <a:solidFill>
+                <a:srgbClr val="660033"/>
+              </a:solidFill>
+              <a:effectLst/>
+              <a:ea typeface="Microsoft JhengHei" panose="020B0604030504040204" pitchFamily="34" charset="-120"/>
+            </a:endParaRPr>
+          </a:p>
+        </p:txBody>
+      </p:sp>
     </p:spTree>
     <p:extLst>
       <p:ext uri="{BB962C8B-B14F-4D97-AF65-F5344CB8AC3E}">
@@ -3797,12 +4129,82 @@
               </a:rPr>
               <a:t>將主愛帶到人群中</a:t>
             </a:r>
-            <a:endParaRPr lang="zh-TW" altLang="en-US" sz="6400" b="1" dirty="0">
+          </a:p>
+        </p:txBody>
+      </p:sp>
+      <p:sp>
+        <p:nvSpPr>
+          <p:cNvPr id="3" name="TextBox 2"/>
+          <p:cNvSpPr txBox="1"/>
+          <p:nvPr/>
+        </p:nvSpPr>
+        <p:spPr>
+          <a:xfrm>
+            <a:off x="0" y="5144563"/>
+            <a:ext cx="12192000" cy="769441"/>
+          </a:xfrm>
+          <a:prstGeom prst="rect">
+            <a:avLst/>
+          </a:prstGeom>
+          <a:noFill/>
+        </p:spPr>
+        <p:txBody>
+          <a:bodyPr wrap="square" rtlCol="0" anchor="ctr">
+            <a:spAutoFit/>
+          </a:bodyPr>
+          <a:lstStyle/>
+          <a:p>
+            <a:pPr algn="ctr"/>
+            <a:r>
+              <a:rPr lang="en-US" sz="4400" b="1" dirty="0">
+                <a:solidFill>
+                  <a:srgbClr val="660033"/>
+                </a:solidFill>
+                <a:effectLst/>
+                <a:latin typeface="Microsoft JhengHei" panose="020B0604030504040204" pitchFamily="34" charset="-120"/>
+                <a:ea typeface="Microsoft JhengHei" panose="020B0604030504040204" pitchFamily="34" charset="-120"/>
+              </a:rPr>
+              <a:t>( </a:t>
+            </a:r>
+            <a:r>
+              <a:rPr lang="zh-CN" altLang="en-US" sz="4400" b="1" dirty="0" smtClean="0">
+                <a:solidFill>
+                  <a:srgbClr val="660033"/>
+                </a:solidFill>
+                <a:effectLst/>
+                <a:latin typeface="Microsoft JhengHei" panose="020B0604030504040204" pitchFamily="34" charset="-120"/>
+                <a:ea typeface="Microsoft JhengHei" panose="020B0604030504040204" pitchFamily="34" charset="-120"/>
+              </a:rPr>
+              <a:t>副</a:t>
+            </a:r>
+            <a:r>
+              <a:rPr lang="en-US" sz="4400" b="1" dirty="0" smtClean="0">
+                <a:solidFill>
+                  <a:srgbClr val="660033"/>
+                </a:solidFill>
+                <a:effectLst/>
+                <a:latin typeface="Microsoft JhengHei" panose="020B0604030504040204" pitchFamily="34" charset="-120"/>
+                <a:ea typeface="Microsoft JhengHei" panose="020B0604030504040204" pitchFamily="34" charset="-120"/>
+              </a:rPr>
+              <a:t> </a:t>
+            </a:r>
+            <a:r>
+              <a:rPr lang="en-US" sz="4400" b="1" dirty="0">
+                <a:solidFill>
+                  <a:srgbClr val="660033"/>
+                </a:solidFill>
+                <a:effectLst/>
+                <a:latin typeface="Microsoft JhengHei" panose="020B0604030504040204" pitchFamily="34" charset="-120"/>
+                <a:ea typeface="Microsoft JhengHei" panose="020B0604030504040204" pitchFamily="34" charset="-120"/>
+              </a:rPr>
+              <a:t>)</a:t>
+            </a:r>
+            <a:endParaRPr lang="vi-VN" sz="4400" b="1" dirty="0">
               <a:solidFill>
                 <a:srgbClr val="660033"/>
               </a:solidFill>
-              <a:latin typeface="微軟正黑體" pitchFamily="34" charset="-120"/>
-              <a:ea typeface="微軟正黑體" pitchFamily="34" charset="-120"/>
+              <a:effectLst/>
+              <a:ea typeface="Microsoft JhengHei" panose="020B0604030504040204" pitchFamily="34" charset="-120"/>
             </a:endParaRPr>
           </a:p>
         </p:txBody>
@@ -3904,6 +4306,83 @@
           </a:p>
         </p:txBody>
       </p:sp>
+      <p:sp>
+        <p:nvSpPr>
+          <p:cNvPr id="3" name="TextBox 2"/>
+          <p:cNvSpPr txBox="1"/>
+          <p:nvPr/>
+        </p:nvSpPr>
+        <p:spPr>
+          <a:xfrm>
+            <a:off x="0" y="5144563"/>
+            <a:ext cx="12192000" cy="769441"/>
+          </a:xfrm>
+          <a:prstGeom prst="rect">
+            <a:avLst/>
+          </a:prstGeom>
+          <a:noFill/>
+        </p:spPr>
+        <p:txBody>
+          <a:bodyPr wrap="square" rtlCol="0" anchor="ctr">
+            <a:spAutoFit/>
+          </a:bodyPr>
+          <a:lstStyle/>
+          <a:p>
+            <a:pPr algn="ctr"/>
+            <a:r>
+              <a:rPr lang="en-US" sz="4400" b="1" dirty="0">
+                <a:solidFill>
+                  <a:srgbClr val="660033"/>
+                </a:solidFill>
+                <a:effectLst/>
+                <a:latin typeface="Microsoft JhengHei" panose="020B0604030504040204" pitchFamily="34" charset="-120"/>
+                <a:ea typeface="Microsoft JhengHei" panose="020B0604030504040204" pitchFamily="34" charset="-120"/>
+              </a:rPr>
+              <a:t>( </a:t>
+            </a:r>
+            <a:r>
+              <a:rPr lang="zh-CN" altLang="en-US" sz="4400" b="1" dirty="0">
+                <a:solidFill>
+                  <a:srgbClr val="660033"/>
+                </a:solidFill>
+                <a:effectLst/>
+                <a:latin typeface="Microsoft JhengHei" panose="020B0604030504040204" pitchFamily="34" charset="-120"/>
+                <a:ea typeface="Microsoft JhengHei" panose="020B0604030504040204" pitchFamily="34" charset="-120"/>
+              </a:rPr>
+              <a:t>尾</a:t>
+            </a:r>
+            <a:r>
+              <a:rPr lang="en-US" sz="4400" b="1" dirty="0" smtClean="0">
+                <a:solidFill>
+                  <a:srgbClr val="660033"/>
+                </a:solidFill>
+                <a:effectLst/>
+                <a:latin typeface="Microsoft JhengHei" panose="020B0604030504040204" pitchFamily="34" charset="-120"/>
+                <a:ea typeface="Microsoft JhengHei" panose="020B0604030504040204" pitchFamily="34" charset="-120"/>
+              </a:rPr>
+              <a:t> </a:t>
+            </a:r>
+            <a:r>
+              <a:rPr lang="en-US" sz="4400" b="1" dirty="0">
+                <a:solidFill>
+                  <a:srgbClr val="660033"/>
+                </a:solidFill>
+                <a:effectLst/>
+                <a:latin typeface="Microsoft JhengHei" panose="020B0604030504040204" pitchFamily="34" charset="-120"/>
+                <a:ea typeface="Microsoft JhengHei" panose="020B0604030504040204" pitchFamily="34" charset="-120"/>
+              </a:rPr>
+              <a:t>)</a:t>
+            </a:r>
+            <a:endParaRPr lang="vi-VN" sz="4400" b="1" dirty="0">
+              <a:solidFill>
+                <a:srgbClr val="660033"/>
+              </a:solidFill>
+              <a:effectLst/>
+              <a:ea typeface="Microsoft JhengHei" panose="020B0604030504040204" pitchFamily="34" charset="-120"/>
+            </a:endParaRPr>
+          </a:p>
+        </p:txBody>
+      </p:sp>
     </p:spTree>
     <p:extLst>
       <p:ext uri="{BB962C8B-B14F-4D97-AF65-F5344CB8AC3E}">
@@ -4001,12 +4480,82 @@
               </a:rPr>
               <a:t>我會勇敢走出去</a:t>
             </a:r>
-            <a:endParaRPr lang="zh-TW" altLang="en-US" sz="6400" b="1" dirty="0">
+          </a:p>
+        </p:txBody>
+      </p:sp>
+      <p:sp>
+        <p:nvSpPr>
+          <p:cNvPr id="3" name="TextBox 2"/>
+          <p:cNvSpPr txBox="1"/>
+          <p:nvPr/>
+        </p:nvSpPr>
+        <p:spPr>
+          <a:xfrm>
+            <a:off x="0" y="5144563"/>
+            <a:ext cx="12192000" cy="769441"/>
+          </a:xfrm>
+          <a:prstGeom prst="rect">
+            <a:avLst/>
+          </a:prstGeom>
+          <a:noFill/>
+        </p:spPr>
+        <p:txBody>
+          <a:bodyPr wrap="square" rtlCol="0" anchor="ctr">
+            <a:spAutoFit/>
+          </a:bodyPr>
+          <a:lstStyle/>
+          <a:p>
+            <a:pPr algn="ctr"/>
+            <a:r>
+              <a:rPr lang="en-US" sz="4400" b="1" dirty="0">
+                <a:solidFill>
+                  <a:srgbClr val="660033"/>
+                </a:solidFill>
+                <a:effectLst/>
+                <a:latin typeface="Microsoft JhengHei" panose="020B0604030504040204" pitchFamily="34" charset="-120"/>
+                <a:ea typeface="Microsoft JhengHei" panose="020B0604030504040204" pitchFamily="34" charset="-120"/>
+              </a:rPr>
+              <a:t>( </a:t>
+            </a:r>
+            <a:r>
+              <a:rPr lang="zh-CN" altLang="en-US" sz="4400" b="1" dirty="0">
+                <a:solidFill>
+                  <a:srgbClr val="660033"/>
+                </a:solidFill>
+                <a:effectLst/>
+                <a:latin typeface="Microsoft JhengHei" panose="020B0604030504040204" pitchFamily="34" charset="-120"/>
+                <a:ea typeface="Microsoft JhengHei" panose="020B0604030504040204" pitchFamily="34" charset="-120"/>
+              </a:rPr>
+              <a:t>尾</a:t>
+            </a:r>
+            <a:r>
+              <a:rPr lang="en-US" sz="4400" b="1" dirty="0" smtClean="0">
+                <a:solidFill>
+                  <a:srgbClr val="660033"/>
+                </a:solidFill>
+                <a:effectLst/>
+                <a:latin typeface="Microsoft JhengHei" panose="020B0604030504040204" pitchFamily="34" charset="-120"/>
+                <a:ea typeface="Microsoft JhengHei" panose="020B0604030504040204" pitchFamily="34" charset="-120"/>
+              </a:rPr>
+              <a:t> </a:t>
+            </a:r>
+            <a:r>
+              <a:rPr lang="en-US" sz="4400" b="1" dirty="0">
+                <a:solidFill>
+                  <a:srgbClr val="660033"/>
+                </a:solidFill>
+                <a:effectLst/>
+                <a:latin typeface="Microsoft JhengHei" panose="020B0604030504040204" pitchFamily="34" charset="-120"/>
+                <a:ea typeface="Microsoft JhengHei" panose="020B0604030504040204" pitchFamily="34" charset="-120"/>
+              </a:rPr>
+              <a:t>)</a:t>
+            </a:r>
+            <a:endParaRPr lang="vi-VN" sz="4400" b="1" dirty="0">
               <a:solidFill>
                 <a:srgbClr val="660033"/>
               </a:solidFill>
-              <a:latin typeface="微軟正黑體" pitchFamily="34" charset="-120"/>
-              <a:ea typeface="微軟正黑體" pitchFamily="34" charset="-120"/>
+              <a:effectLst/>
+              <a:ea typeface="Microsoft JhengHei" panose="020B0604030504040204" pitchFamily="34" charset="-120"/>
             </a:endParaRPr>
           </a:p>
         </p:txBody>
